--- a/virtualenv_snakemake_tutorial_2023_06_15.pptx
+++ b/virtualenv_snakemake_tutorial_2023_06_15.pptx
@@ -5,39 +5,55 @@
     <p:sldMasterId id="2147483698" r:id="rId1"/>
   </p:sldMasterIdLst>
   <p:sldIdLst>
-    <p:sldId id="256" r:id="rId2"/>
-    <p:sldId id="257" r:id="rId3"/>
-    <p:sldId id="258" r:id="rId4"/>
-    <p:sldId id="259" r:id="rId5"/>
-    <p:sldId id="260" r:id="rId6"/>
-    <p:sldId id="261" r:id="rId7"/>
-    <p:sldId id="271" r:id="rId8"/>
-    <p:sldId id="262" r:id="rId9"/>
-    <p:sldId id="268" r:id="rId10"/>
-    <p:sldId id="269" r:id="rId11"/>
-    <p:sldId id="270" r:id="rId12"/>
-    <p:sldId id="273" r:id="rId13"/>
-    <p:sldId id="272" r:id="rId14"/>
-    <p:sldId id="277" r:id="rId15"/>
-    <p:sldId id="278" r:id="rId16"/>
-    <p:sldId id="279" r:id="rId17"/>
-    <p:sldId id="283" r:id="rId18"/>
-    <p:sldId id="284" r:id="rId19"/>
-    <p:sldId id="285" r:id="rId20"/>
-    <p:sldId id="263" r:id="rId21"/>
-    <p:sldId id="264" r:id="rId22"/>
-    <p:sldId id="265" r:id="rId23"/>
-    <p:sldId id="266" r:id="rId24"/>
-    <p:sldId id="267" r:id="rId25"/>
-    <p:sldId id="281" r:id="rId26"/>
-    <p:sldId id="274" r:id="rId27"/>
-    <p:sldId id="282" r:id="rId28"/>
-    <p:sldId id="280" r:id="rId29"/>
-    <p:sldId id="275" r:id="rId30"/>
-    <p:sldId id="276" r:id="rId31"/>
-    <p:sldId id="286" r:id="rId32"/>
-    <p:sldId id="287" r:id="rId33"/>
-    <p:sldId id="288" r:id="rId34"/>
+    <p:sldId id="289" r:id="rId2"/>
+    <p:sldId id="290" r:id="rId3"/>
+    <p:sldId id="296" r:id="rId4"/>
+    <p:sldId id="297" r:id="rId5"/>
+    <p:sldId id="256" r:id="rId6"/>
+    <p:sldId id="298" r:id="rId7"/>
+    <p:sldId id="257" r:id="rId8"/>
+    <p:sldId id="258" r:id="rId9"/>
+    <p:sldId id="259" r:id="rId10"/>
+    <p:sldId id="260" r:id="rId11"/>
+    <p:sldId id="261" r:id="rId12"/>
+    <p:sldId id="271" r:id="rId13"/>
+    <p:sldId id="262" r:id="rId14"/>
+    <p:sldId id="268" r:id="rId15"/>
+    <p:sldId id="269" r:id="rId16"/>
+    <p:sldId id="270" r:id="rId17"/>
+    <p:sldId id="273" r:id="rId18"/>
+    <p:sldId id="272" r:id="rId19"/>
+    <p:sldId id="277" r:id="rId20"/>
+    <p:sldId id="278" r:id="rId21"/>
+    <p:sldId id="279" r:id="rId22"/>
+    <p:sldId id="283" r:id="rId23"/>
+    <p:sldId id="284" r:id="rId24"/>
+    <p:sldId id="285" r:id="rId25"/>
+    <p:sldId id="263" r:id="rId26"/>
+    <p:sldId id="264" r:id="rId27"/>
+    <p:sldId id="265" r:id="rId28"/>
+    <p:sldId id="266" r:id="rId29"/>
+    <p:sldId id="267" r:id="rId30"/>
+    <p:sldId id="281" r:id="rId31"/>
+    <p:sldId id="274" r:id="rId32"/>
+    <p:sldId id="282" r:id="rId33"/>
+    <p:sldId id="280" r:id="rId34"/>
+    <p:sldId id="275" r:id="rId35"/>
+    <p:sldId id="276" r:id="rId36"/>
+    <p:sldId id="286" r:id="rId37"/>
+    <p:sldId id="287" r:id="rId38"/>
+    <p:sldId id="288" r:id="rId39"/>
+    <p:sldId id="291" r:id="rId40"/>
+    <p:sldId id="292" r:id="rId41"/>
+    <p:sldId id="293" r:id="rId42"/>
+    <p:sldId id="294" r:id="rId43"/>
+    <p:sldId id="295" r:id="rId44"/>
+    <p:sldId id="299" r:id="rId45"/>
+    <p:sldId id="300" r:id="rId46"/>
+    <p:sldId id="301" r:id="rId47"/>
+    <p:sldId id="302" r:id="rId48"/>
+    <p:sldId id="303" r:id="rId49"/>
+    <p:sldId id="304" r:id="rId50"/>
   </p:sldIdLst>
   <p:sldSz cx="12192000" cy="6858000"/>
   <p:notesSz cx="6858000" cy="9144000"/>
@@ -168,7 +184,7 @@
 <file path=ppt/revisionInfo.xml><?xml version="1.0" encoding="utf-8"?>
 <p1510:revInfo xmlns:a="http://schemas.openxmlformats.org/drawingml/2006/main" xmlns:r="http://schemas.openxmlformats.org/officeDocument/2006/relationships" xmlns:p1510="http://schemas.microsoft.com/office/powerpoint/2015/10/main">
   <p1510:revLst>
-    <p1510:client id="{1957C927-6606-43AB-8E88-55C6AF27786A}" v="24" dt="2023-06-30T13:43:59.271"/>
+    <p1510:client id="{AC930B08-629E-4C82-9FC4-462596426569}" v="9" dt="2023-07-24T13:54:43.047"/>
   </p1510:revLst>
 </p1510:revInfo>
 </file>
@@ -1600,6 +1616,550 @@
             <ac:picMk id="7" creationId="{0C54C016-0F4D-725E-F068-DA6BAF17EC1E}"/>
           </ac:picMkLst>
         </pc:picChg>
+      </pc:sldChg>
+    </pc:docChg>
+  </pc:docChgLst>
+  <pc:docChgLst>
+    <pc:chgData name="Derek Bickhart" userId="e5e1a3b3-1b46-42e8-8230-2e4862e78079" providerId="ADAL" clId="{AC930B08-629E-4C82-9FC4-462596426569}"/>
+    <pc:docChg chg="custSel addSld modSld">
+      <pc:chgData name="Derek Bickhart" userId="e5e1a3b3-1b46-42e8-8230-2e4862e78079" providerId="ADAL" clId="{AC930B08-629E-4C82-9FC4-462596426569}" dt="2023-07-24T13:54:43.047" v="4665" actId="1076"/>
+      <pc:docMkLst>
+        <pc:docMk/>
+      </pc:docMkLst>
+      <pc:sldChg chg="addSp delSp modSp">
+        <pc:chgData name="Derek Bickhart" userId="e5e1a3b3-1b46-42e8-8230-2e4862e78079" providerId="ADAL" clId="{AC930B08-629E-4C82-9FC4-462596426569}" dt="2023-07-24T13:54:43.047" v="4665" actId="1076"/>
+        <pc:sldMkLst>
+          <pc:docMk/>
+          <pc:sldMk cId="2109704014" sldId="264"/>
+        </pc:sldMkLst>
+        <pc:spChg chg="del">
+          <ac:chgData name="Derek Bickhart" userId="e5e1a3b3-1b46-42e8-8230-2e4862e78079" providerId="ADAL" clId="{AC930B08-629E-4C82-9FC4-462596426569}" dt="2023-07-24T13:54:41.727" v="4664"/>
+          <ac:spMkLst>
+            <pc:docMk/>
+            <pc:sldMk cId="2109704014" sldId="264"/>
+            <ac:spMk id="7" creationId="{105774EE-6B04-C315-7E29-ACBEADDDD4DD}"/>
+          </ac:spMkLst>
+        </pc:spChg>
+        <pc:picChg chg="add mod">
+          <ac:chgData name="Derek Bickhart" userId="e5e1a3b3-1b46-42e8-8230-2e4862e78079" providerId="ADAL" clId="{AC930B08-629E-4C82-9FC4-462596426569}" dt="2023-07-24T13:54:43.047" v="4665" actId="1076"/>
+          <ac:picMkLst>
+            <pc:docMk/>
+            <pc:sldMk cId="2109704014" sldId="264"/>
+            <ac:picMk id="1026" creationId="{8ED56BCF-55DF-ED68-12D4-72AE2D136192}"/>
+          </ac:picMkLst>
+        </pc:picChg>
+      </pc:sldChg>
+      <pc:sldChg chg="modSp new mod">
+        <pc:chgData name="Derek Bickhart" userId="e5e1a3b3-1b46-42e8-8230-2e4862e78079" providerId="ADAL" clId="{AC930B08-629E-4C82-9FC4-462596426569}" dt="2023-07-24T08:02:36.870" v="53" actId="20577"/>
+        <pc:sldMkLst>
+          <pc:docMk/>
+          <pc:sldMk cId="3316039769" sldId="289"/>
+        </pc:sldMkLst>
+        <pc:spChg chg="mod">
+          <ac:chgData name="Derek Bickhart" userId="e5e1a3b3-1b46-42e8-8230-2e4862e78079" providerId="ADAL" clId="{AC930B08-629E-4C82-9FC4-462596426569}" dt="2023-07-24T08:02:36.870" v="53" actId="20577"/>
+          <ac:spMkLst>
+            <pc:docMk/>
+            <pc:sldMk cId="3316039769" sldId="289"/>
+            <ac:spMk id="2" creationId="{65968A09-196E-9805-22F9-2936829A1887}"/>
+          </ac:spMkLst>
+        </pc:spChg>
+      </pc:sldChg>
+      <pc:sldChg chg="modSp new mod">
+        <pc:chgData name="Derek Bickhart" userId="e5e1a3b3-1b46-42e8-8230-2e4862e78079" providerId="ADAL" clId="{AC930B08-629E-4C82-9FC4-462596426569}" dt="2023-07-24T08:12:43.542" v="438" actId="20577"/>
+        <pc:sldMkLst>
+          <pc:docMk/>
+          <pc:sldMk cId="2093633847" sldId="290"/>
+        </pc:sldMkLst>
+        <pc:spChg chg="mod">
+          <ac:chgData name="Derek Bickhart" userId="e5e1a3b3-1b46-42e8-8230-2e4862e78079" providerId="ADAL" clId="{AC930B08-629E-4C82-9FC4-462596426569}" dt="2023-07-24T08:07:53.058" v="60" actId="20577"/>
+          <ac:spMkLst>
+            <pc:docMk/>
+            <pc:sldMk cId="2093633847" sldId="290"/>
+            <ac:spMk id="2" creationId="{3320F425-6825-B80E-20DD-F59C49887ADF}"/>
+          </ac:spMkLst>
+        </pc:spChg>
+        <pc:spChg chg="mod">
+          <ac:chgData name="Derek Bickhart" userId="e5e1a3b3-1b46-42e8-8230-2e4862e78079" providerId="ADAL" clId="{AC930B08-629E-4C82-9FC4-462596426569}" dt="2023-07-24T08:12:43.542" v="438" actId="20577"/>
+          <ac:spMkLst>
+            <pc:docMk/>
+            <pc:sldMk cId="2093633847" sldId="290"/>
+            <ac:spMk id="3" creationId="{6784C123-4A3A-7545-1A7A-0653A7AC45F6}"/>
+          </ac:spMkLst>
+        </pc:spChg>
+      </pc:sldChg>
+      <pc:sldChg chg="addSp delSp modSp new mod">
+        <pc:chgData name="Derek Bickhart" userId="e5e1a3b3-1b46-42e8-8230-2e4862e78079" providerId="ADAL" clId="{AC930B08-629E-4C82-9FC4-462596426569}" dt="2023-07-24T08:18:17.730" v="800" actId="20577"/>
+        <pc:sldMkLst>
+          <pc:docMk/>
+          <pc:sldMk cId="2215628402" sldId="291"/>
+        </pc:sldMkLst>
+        <pc:spChg chg="mod">
+          <ac:chgData name="Derek Bickhart" userId="e5e1a3b3-1b46-42e8-8230-2e4862e78079" providerId="ADAL" clId="{AC930B08-629E-4C82-9FC4-462596426569}" dt="2023-07-24T08:16:55.429" v="469" actId="20577"/>
+          <ac:spMkLst>
+            <pc:docMk/>
+            <pc:sldMk cId="2215628402" sldId="291"/>
+            <ac:spMk id="2" creationId="{3107D791-B39D-9159-5A23-55CC51C09F5B}"/>
+          </ac:spMkLst>
+        </pc:spChg>
+        <pc:spChg chg="mod">
+          <ac:chgData name="Derek Bickhart" userId="e5e1a3b3-1b46-42e8-8230-2e4862e78079" providerId="ADAL" clId="{AC930B08-629E-4C82-9FC4-462596426569}" dt="2023-07-24T08:18:17.730" v="800" actId="20577"/>
+          <ac:spMkLst>
+            <pc:docMk/>
+            <pc:sldMk cId="2215628402" sldId="291"/>
+            <ac:spMk id="3" creationId="{7EF0F53C-B71B-B188-1FF8-9C6FB57648F3}"/>
+          </ac:spMkLst>
+        </pc:spChg>
+        <pc:spChg chg="del">
+          <ac:chgData name="Derek Bickhart" userId="e5e1a3b3-1b46-42e8-8230-2e4862e78079" providerId="ADAL" clId="{AC930B08-629E-4C82-9FC4-462596426569}" dt="2023-07-24T08:17:03.993" v="470"/>
+          <ac:spMkLst>
+            <pc:docMk/>
+            <pc:sldMk cId="2215628402" sldId="291"/>
+            <ac:spMk id="4" creationId="{DA123628-4ACB-6569-D84F-8CFAA27986C7}"/>
+          </ac:spMkLst>
+        </pc:spChg>
+        <pc:picChg chg="add mod">
+          <ac:chgData name="Derek Bickhart" userId="e5e1a3b3-1b46-42e8-8230-2e4862e78079" providerId="ADAL" clId="{AC930B08-629E-4C82-9FC4-462596426569}" dt="2023-07-24T08:17:12.016" v="473" actId="1076"/>
+          <ac:picMkLst>
+            <pc:docMk/>
+            <pc:sldMk cId="2215628402" sldId="291"/>
+            <ac:picMk id="5" creationId="{F05AA8C2-53DB-3236-0CCB-98319A3901C4}"/>
+          </ac:picMkLst>
+        </pc:picChg>
+      </pc:sldChg>
+      <pc:sldChg chg="addSp delSp modSp new mod modClrScheme chgLayout">
+        <pc:chgData name="Derek Bickhart" userId="e5e1a3b3-1b46-42e8-8230-2e4862e78079" providerId="ADAL" clId="{AC930B08-629E-4C82-9FC4-462596426569}" dt="2023-07-24T08:24:24.961" v="1417" actId="20577"/>
+        <pc:sldMkLst>
+          <pc:docMk/>
+          <pc:sldMk cId="209917485" sldId="292"/>
+        </pc:sldMkLst>
+        <pc:spChg chg="mod ord">
+          <ac:chgData name="Derek Bickhart" userId="e5e1a3b3-1b46-42e8-8230-2e4862e78079" providerId="ADAL" clId="{AC930B08-629E-4C82-9FC4-462596426569}" dt="2023-07-24T08:18:36.641" v="849" actId="700"/>
+          <ac:spMkLst>
+            <pc:docMk/>
+            <pc:sldMk cId="209917485" sldId="292"/>
+            <ac:spMk id="2" creationId="{B2F0F200-7051-8D24-A0F4-E24EE95DAAD6}"/>
+          </ac:spMkLst>
+        </pc:spChg>
+        <pc:spChg chg="del mod ord">
+          <ac:chgData name="Derek Bickhart" userId="e5e1a3b3-1b46-42e8-8230-2e4862e78079" providerId="ADAL" clId="{AC930B08-629E-4C82-9FC4-462596426569}" dt="2023-07-24T08:18:36.641" v="849" actId="700"/>
+          <ac:spMkLst>
+            <pc:docMk/>
+            <pc:sldMk cId="209917485" sldId="292"/>
+            <ac:spMk id="3" creationId="{F006881F-81C7-BEDB-646C-58F5E5EA6F6E}"/>
+          </ac:spMkLst>
+        </pc:spChg>
+        <pc:spChg chg="del">
+          <ac:chgData name="Derek Bickhart" userId="e5e1a3b3-1b46-42e8-8230-2e4862e78079" providerId="ADAL" clId="{AC930B08-629E-4C82-9FC4-462596426569}" dt="2023-07-24T08:18:36.641" v="849" actId="700"/>
+          <ac:spMkLst>
+            <pc:docMk/>
+            <pc:sldMk cId="209917485" sldId="292"/>
+            <ac:spMk id="4" creationId="{7E7A80EF-5FE0-D6BD-8344-0BB53442FEA3}"/>
+          </ac:spMkLst>
+        </pc:spChg>
+        <pc:spChg chg="add mod ord">
+          <ac:chgData name="Derek Bickhart" userId="e5e1a3b3-1b46-42e8-8230-2e4862e78079" providerId="ADAL" clId="{AC930B08-629E-4C82-9FC4-462596426569}" dt="2023-07-24T08:24:24.961" v="1417" actId="20577"/>
+          <ac:spMkLst>
+            <pc:docMk/>
+            <pc:sldMk cId="209917485" sldId="292"/>
+            <ac:spMk id="5" creationId="{CB47DD71-1E77-B5EF-ECF7-DA3AC4B54740}"/>
+          </ac:spMkLst>
+        </pc:spChg>
+      </pc:sldChg>
+      <pc:sldChg chg="addSp modSp new mod">
+        <pc:chgData name="Derek Bickhart" userId="e5e1a3b3-1b46-42e8-8230-2e4862e78079" providerId="ADAL" clId="{AC930B08-629E-4C82-9FC4-462596426569}" dt="2023-07-24T08:35:14.792" v="1790" actId="1076"/>
+        <pc:sldMkLst>
+          <pc:docMk/>
+          <pc:sldMk cId="3292734911" sldId="293"/>
+        </pc:sldMkLst>
+        <pc:spChg chg="mod">
+          <ac:chgData name="Derek Bickhart" userId="e5e1a3b3-1b46-42e8-8230-2e4862e78079" providerId="ADAL" clId="{AC930B08-629E-4C82-9FC4-462596426569}" dt="2023-07-24T08:32:36.102" v="1454" actId="20577"/>
+          <ac:spMkLst>
+            <pc:docMk/>
+            <pc:sldMk cId="3292734911" sldId="293"/>
+            <ac:spMk id="2" creationId="{42A6281A-4624-14F6-44AB-4D4A285F8E29}"/>
+          </ac:spMkLst>
+        </pc:spChg>
+        <pc:spChg chg="mod">
+          <ac:chgData name="Derek Bickhart" userId="e5e1a3b3-1b46-42e8-8230-2e4862e78079" providerId="ADAL" clId="{AC930B08-629E-4C82-9FC4-462596426569}" dt="2023-07-24T08:34:40.216" v="1788" actId="20577"/>
+          <ac:spMkLst>
+            <pc:docMk/>
+            <pc:sldMk cId="3292734911" sldId="293"/>
+            <ac:spMk id="3" creationId="{E9211232-841B-F010-0E0E-83719CB01560}"/>
+          </ac:spMkLst>
+        </pc:spChg>
+        <pc:picChg chg="add mod">
+          <ac:chgData name="Derek Bickhart" userId="e5e1a3b3-1b46-42e8-8230-2e4862e78079" providerId="ADAL" clId="{AC930B08-629E-4C82-9FC4-462596426569}" dt="2023-07-24T08:35:14.792" v="1790" actId="1076"/>
+          <ac:picMkLst>
+            <pc:docMk/>
+            <pc:sldMk cId="3292734911" sldId="293"/>
+            <ac:picMk id="5" creationId="{5AE4D3E6-FDC0-9955-26D1-DAEA0F54C6D2}"/>
+          </ac:picMkLst>
+        </pc:picChg>
+      </pc:sldChg>
+      <pc:sldChg chg="addSp modSp new mod">
+        <pc:chgData name="Derek Bickhart" userId="e5e1a3b3-1b46-42e8-8230-2e4862e78079" providerId="ADAL" clId="{AC930B08-629E-4C82-9FC4-462596426569}" dt="2023-07-24T08:38:06.862" v="2138" actId="20577"/>
+        <pc:sldMkLst>
+          <pc:docMk/>
+          <pc:sldMk cId="2795753218" sldId="294"/>
+        </pc:sldMkLst>
+        <pc:spChg chg="mod">
+          <ac:chgData name="Derek Bickhart" userId="e5e1a3b3-1b46-42e8-8230-2e4862e78079" providerId="ADAL" clId="{AC930B08-629E-4C82-9FC4-462596426569}" dt="2023-07-24T08:35:26.749" v="1833" actId="20577"/>
+          <ac:spMkLst>
+            <pc:docMk/>
+            <pc:sldMk cId="2795753218" sldId="294"/>
+            <ac:spMk id="2" creationId="{0B7FECFF-6715-3713-EAC0-E4E9397FBAFB}"/>
+          </ac:spMkLst>
+        </pc:spChg>
+        <pc:spChg chg="mod">
+          <ac:chgData name="Derek Bickhart" userId="e5e1a3b3-1b46-42e8-8230-2e4862e78079" providerId="ADAL" clId="{AC930B08-629E-4C82-9FC4-462596426569}" dt="2023-07-24T08:36:07.601" v="2063" actId="20577"/>
+          <ac:spMkLst>
+            <pc:docMk/>
+            <pc:sldMk cId="2795753218" sldId="294"/>
+            <ac:spMk id="3" creationId="{5D8E1099-CEF0-E558-B0FE-384FEA014C0F}"/>
+          </ac:spMkLst>
+        </pc:spChg>
+        <pc:spChg chg="add mod">
+          <ac:chgData name="Derek Bickhart" userId="e5e1a3b3-1b46-42e8-8230-2e4862e78079" providerId="ADAL" clId="{AC930B08-629E-4C82-9FC4-462596426569}" dt="2023-07-24T08:36:27.030" v="2066" actId="1076"/>
+          <ac:spMkLst>
+            <pc:docMk/>
+            <pc:sldMk cId="2795753218" sldId="294"/>
+            <ac:spMk id="4" creationId="{7C17B6F6-17B1-177D-A5C5-F1B2A779C876}"/>
+          </ac:spMkLst>
+        </pc:spChg>
+        <pc:spChg chg="add mod">
+          <ac:chgData name="Derek Bickhart" userId="e5e1a3b3-1b46-42e8-8230-2e4862e78079" providerId="ADAL" clId="{AC930B08-629E-4C82-9FC4-462596426569}" dt="2023-07-24T08:37:14.002" v="2092" actId="1076"/>
+          <ac:spMkLst>
+            <pc:docMk/>
+            <pc:sldMk cId="2795753218" sldId="294"/>
+            <ac:spMk id="5" creationId="{95A340F0-0E24-AD7E-4680-0D00145253D8}"/>
+          </ac:spMkLst>
+        </pc:spChg>
+        <pc:spChg chg="add mod">
+          <ac:chgData name="Derek Bickhart" userId="e5e1a3b3-1b46-42e8-8230-2e4862e78079" providerId="ADAL" clId="{AC930B08-629E-4C82-9FC4-462596426569}" dt="2023-07-24T08:37:29.717" v="2110" actId="20577"/>
+          <ac:spMkLst>
+            <pc:docMk/>
+            <pc:sldMk cId="2795753218" sldId="294"/>
+            <ac:spMk id="6" creationId="{2005700C-58E0-CB7B-F239-7994F731787D}"/>
+          </ac:spMkLst>
+        </pc:spChg>
+        <pc:spChg chg="add mod">
+          <ac:chgData name="Derek Bickhart" userId="e5e1a3b3-1b46-42e8-8230-2e4862e78079" providerId="ADAL" clId="{AC930B08-629E-4C82-9FC4-462596426569}" dt="2023-07-24T08:37:51.743" v="2113" actId="688"/>
+          <ac:spMkLst>
+            <pc:docMk/>
+            <pc:sldMk cId="2795753218" sldId="294"/>
+            <ac:spMk id="7" creationId="{AE866C08-E3DA-504F-0DDA-3E21D1AAB651}"/>
+          </ac:spMkLst>
+        </pc:spChg>
+        <pc:spChg chg="add mod">
+          <ac:chgData name="Derek Bickhart" userId="e5e1a3b3-1b46-42e8-8230-2e4862e78079" providerId="ADAL" clId="{AC930B08-629E-4C82-9FC4-462596426569}" dt="2023-07-24T08:37:56.971" v="2121" actId="20577"/>
+          <ac:spMkLst>
+            <pc:docMk/>
+            <pc:sldMk cId="2795753218" sldId="294"/>
+            <ac:spMk id="8" creationId="{9AB27D16-4603-A2A0-E7E2-C8FD1EE7D020}"/>
+          </ac:spMkLst>
+        </pc:spChg>
+        <pc:spChg chg="add mod">
+          <ac:chgData name="Derek Bickhart" userId="e5e1a3b3-1b46-42e8-8230-2e4862e78079" providerId="ADAL" clId="{AC930B08-629E-4C82-9FC4-462596426569}" dt="2023-07-24T08:38:06.862" v="2138" actId="20577"/>
+          <ac:spMkLst>
+            <pc:docMk/>
+            <pc:sldMk cId="2795753218" sldId="294"/>
+            <ac:spMk id="9" creationId="{FF03F770-651F-9DDA-7904-C846D9E1F1B3}"/>
+          </ac:spMkLst>
+        </pc:spChg>
+      </pc:sldChg>
+      <pc:sldChg chg="addSp modSp new mod">
+        <pc:chgData name="Derek Bickhart" userId="e5e1a3b3-1b46-42e8-8230-2e4862e78079" providerId="ADAL" clId="{AC930B08-629E-4C82-9FC4-462596426569}" dt="2023-07-24T13:24:12.145" v="3140" actId="1076"/>
+        <pc:sldMkLst>
+          <pc:docMk/>
+          <pc:sldMk cId="1856597423" sldId="295"/>
+        </pc:sldMkLst>
+        <pc:spChg chg="mod">
+          <ac:chgData name="Derek Bickhart" userId="e5e1a3b3-1b46-42e8-8230-2e4862e78079" providerId="ADAL" clId="{AC930B08-629E-4C82-9FC4-462596426569}" dt="2023-07-24T08:38:35.946" v="2171" actId="20577"/>
+          <ac:spMkLst>
+            <pc:docMk/>
+            <pc:sldMk cId="1856597423" sldId="295"/>
+            <ac:spMk id="2" creationId="{BAA1B248-AE3D-1698-39D4-F3BCBD0CBA9E}"/>
+          </ac:spMkLst>
+        </pc:spChg>
+        <pc:spChg chg="mod">
+          <ac:chgData name="Derek Bickhart" userId="e5e1a3b3-1b46-42e8-8230-2e4862e78079" providerId="ADAL" clId="{AC930B08-629E-4C82-9FC4-462596426569}" dt="2023-07-24T13:24:08.638" v="3139" actId="27636"/>
+          <ac:spMkLst>
+            <pc:docMk/>
+            <pc:sldMk cId="1856597423" sldId="295"/>
+            <ac:spMk id="3" creationId="{A4656DB6-42AA-06C6-86E8-029E4E7D7B65}"/>
+          </ac:spMkLst>
+        </pc:spChg>
+        <pc:picChg chg="add mod">
+          <ac:chgData name="Derek Bickhart" userId="e5e1a3b3-1b46-42e8-8230-2e4862e78079" providerId="ADAL" clId="{AC930B08-629E-4C82-9FC4-462596426569}" dt="2023-07-24T13:24:12.145" v="3140" actId="1076"/>
+          <ac:picMkLst>
+            <pc:docMk/>
+            <pc:sldMk cId="1856597423" sldId="295"/>
+            <ac:picMk id="5" creationId="{45F11D13-01E8-50B9-08D8-544F4375A159}"/>
+          </ac:picMkLst>
+        </pc:picChg>
+      </pc:sldChg>
+      <pc:sldChg chg="modSp new mod">
+        <pc:chgData name="Derek Bickhart" userId="e5e1a3b3-1b46-42e8-8230-2e4862e78079" providerId="ADAL" clId="{AC930B08-629E-4C82-9FC4-462596426569}" dt="2023-07-24T13:13:17.199" v="2637" actId="20577"/>
+        <pc:sldMkLst>
+          <pc:docMk/>
+          <pc:sldMk cId="489774087" sldId="296"/>
+        </pc:sldMkLst>
+        <pc:spChg chg="mod">
+          <ac:chgData name="Derek Bickhart" userId="e5e1a3b3-1b46-42e8-8230-2e4862e78079" providerId="ADAL" clId="{AC930B08-629E-4C82-9FC4-462596426569}" dt="2023-07-24T13:10:35.231" v="2436" actId="20577"/>
+          <ac:spMkLst>
+            <pc:docMk/>
+            <pc:sldMk cId="489774087" sldId="296"/>
+            <ac:spMk id="2" creationId="{6FF84E13-986A-ADAA-86AC-111E77CA8C69}"/>
+          </ac:spMkLst>
+        </pc:spChg>
+        <pc:spChg chg="mod">
+          <ac:chgData name="Derek Bickhart" userId="e5e1a3b3-1b46-42e8-8230-2e4862e78079" providerId="ADAL" clId="{AC930B08-629E-4C82-9FC4-462596426569}" dt="2023-07-24T13:13:17.199" v="2637" actId="20577"/>
+          <ac:spMkLst>
+            <pc:docMk/>
+            <pc:sldMk cId="489774087" sldId="296"/>
+            <ac:spMk id="3" creationId="{F5C2AD5F-B9D9-98B5-198A-0C0F2AD42FF9}"/>
+          </ac:spMkLst>
+        </pc:spChg>
+      </pc:sldChg>
+      <pc:sldChg chg="modSp new mod">
+        <pc:chgData name="Derek Bickhart" userId="e5e1a3b3-1b46-42e8-8230-2e4862e78079" providerId="ADAL" clId="{AC930B08-629E-4C82-9FC4-462596426569}" dt="2023-07-24T13:14:27.123" v="2831" actId="313"/>
+        <pc:sldMkLst>
+          <pc:docMk/>
+          <pc:sldMk cId="4284326211" sldId="297"/>
+        </pc:sldMkLst>
+        <pc:spChg chg="mod">
+          <ac:chgData name="Derek Bickhart" userId="e5e1a3b3-1b46-42e8-8230-2e4862e78079" providerId="ADAL" clId="{AC930B08-629E-4C82-9FC4-462596426569}" dt="2023-07-24T13:13:29.923" v="2657" actId="20577"/>
+          <ac:spMkLst>
+            <pc:docMk/>
+            <pc:sldMk cId="4284326211" sldId="297"/>
+            <ac:spMk id="2" creationId="{196D75D1-AD86-2195-B568-78CE8BB06A54}"/>
+          </ac:spMkLst>
+        </pc:spChg>
+        <pc:spChg chg="mod">
+          <ac:chgData name="Derek Bickhart" userId="e5e1a3b3-1b46-42e8-8230-2e4862e78079" providerId="ADAL" clId="{AC930B08-629E-4C82-9FC4-462596426569}" dt="2023-07-24T13:14:27.123" v="2831" actId="313"/>
+          <ac:spMkLst>
+            <pc:docMk/>
+            <pc:sldMk cId="4284326211" sldId="297"/>
+            <ac:spMk id="3" creationId="{974E0F8C-9341-75F3-7B4C-CAC0C8820AEF}"/>
+          </ac:spMkLst>
+        </pc:spChg>
+      </pc:sldChg>
+      <pc:sldChg chg="modSp new mod">
+        <pc:chgData name="Derek Bickhart" userId="e5e1a3b3-1b46-42e8-8230-2e4862e78079" providerId="ADAL" clId="{AC930B08-629E-4C82-9FC4-462596426569}" dt="2023-07-24T13:18:35.140" v="2897" actId="20577"/>
+        <pc:sldMkLst>
+          <pc:docMk/>
+          <pc:sldMk cId="938452485" sldId="298"/>
+        </pc:sldMkLst>
+        <pc:spChg chg="mod">
+          <ac:chgData name="Derek Bickhart" userId="e5e1a3b3-1b46-42e8-8230-2e4862e78079" providerId="ADAL" clId="{AC930B08-629E-4C82-9FC4-462596426569}" dt="2023-07-24T13:18:35.140" v="2897" actId="20577"/>
+          <ac:spMkLst>
+            <pc:docMk/>
+            <pc:sldMk cId="938452485" sldId="298"/>
+            <ac:spMk id="2" creationId="{5D6BE1A2-B299-1271-DA17-39CF58FC6011}"/>
+          </ac:spMkLst>
+        </pc:spChg>
+      </pc:sldChg>
+      <pc:sldChg chg="addSp modSp new mod">
+        <pc:chgData name="Derek Bickhart" userId="e5e1a3b3-1b46-42e8-8230-2e4862e78079" providerId="ADAL" clId="{AC930B08-629E-4C82-9FC4-462596426569}" dt="2023-07-24T13:33:58.115" v="3480" actId="1076"/>
+        <pc:sldMkLst>
+          <pc:docMk/>
+          <pc:sldMk cId="141089652" sldId="299"/>
+        </pc:sldMkLst>
+        <pc:spChg chg="mod">
+          <ac:chgData name="Derek Bickhart" userId="e5e1a3b3-1b46-42e8-8230-2e4862e78079" providerId="ADAL" clId="{AC930B08-629E-4C82-9FC4-462596426569}" dt="2023-07-24T13:24:22.404" v="3166" actId="20577"/>
+          <ac:spMkLst>
+            <pc:docMk/>
+            <pc:sldMk cId="141089652" sldId="299"/>
+            <ac:spMk id="2" creationId="{9BCE021C-87A5-EB7F-04B3-FA79C68FB219}"/>
+          </ac:spMkLst>
+        </pc:spChg>
+        <pc:spChg chg="mod">
+          <ac:chgData name="Derek Bickhart" userId="e5e1a3b3-1b46-42e8-8230-2e4862e78079" providerId="ADAL" clId="{AC930B08-629E-4C82-9FC4-462596426569}" dt="2023-07-24T13:27:13.522" v="3477" actId="20577"/>
+          <ac:spMkLst>
+            <pc:docMk/>
+            <pc:sldMk cId="141089652" sldId="299"/>
+            <ac:spMk id="3" creationId="{E0203749-C73D-B897-64B7-E1655B396CAC}"/>
+          </ac:spMkLst>
+        </pc:spChg>
+        <pc:picChg chg="add mod">
+          <ac:chgData name="Derek Bickhart" userId="e5e1a3b3-1b46-42e8-8230-2e4862e78079" providerId="ADAL" clId="{AC930B08-629E-4C82-9FC4-462596426569}" dt="2023-07-24T13:26:47.021" v="3418" actId="1076"/>
+          <ac:picMkLst>
+            <pc:docMk/>
+            <pc:sldMk cId="141089652" sldId="299"/>
+            <ac:picMk id="5" creationId="{351D89F5-0CA2-84D4-A9B5-C72C5F1385F5}"/>
+          </ac:picMkLst>
+        </pc:picChg>
+        <pc:picChg chg="add mod">
+          <ac:chgData name="Derek Bickhart" userId="e5e1a3b3-1b46-42e8-8230-2e4862e78079" providerId="ADAL" clId="{AC930B08-629E-4C82-9FC4-462596426569}" dt="2023-07-24T13:27:18.081" v="3478" actId="1076"/>
+          <ac:picMkLst>
+            <pc:docMk/>
+            <pc:sldMk cId="141089652" sldId="299"/>
+            <ac:picMk id="7" creationId="{50119779-8A33-6E2E-BBCA-23D808BD45C0}"/>
+          </ac:picMkLst>
+        </pc:picChg>
+        <pc:picChg chg="add mod">
+          <ac:chgData name="Derek Bickhart" userId="e5e1a3b3-1b46-42e8-8230-2e4862e78079" providerId="ADAL" clId="{AC930B08-629E-4C82-9FC4-462596426569}" dt="2023-07-24T13:33:58.115" v="3480" actId="1076"/>
+          <ac:picMkLst>
+            <pc:docMk/>
+            <pc:sldMk cId="141089652" sldId="299"/>
+            <ac:picMk id="9" creationId="{57754939-D42A-8A19-5B68-EFB2856ACF30}"/>
+          </ac:picMkLst>
+        </pc:picChg>
+      </pc:sldChg>
+      <pc:sldChg chg="addSp modSp new mod">
+        <pc:chgData name="Derek Bickhart" userId="e5e1a3b3-1b46-42e8-8230-2e4862e78079" providerId="ADAL" clId="{AC930B08-629E-4C82-9FC4-462596426569}" dt="2023-07-24T13:37:01.268" v="3767" actId="13926"/>
+        <pc:sldMkLst>
+          <pc:docMk/>
+          <pc:sldMk cId="1091001236" sldId="300"/>
+        </pc:sldMkLst>
+        <pc:spChg chg="mod">
+          <ac:chgData name="Derek Bickhart" userId="e5e1a3b3-1b46-42e8-8230-2e4862e78079" providerId="ADAL" clId="{AC930B08-629E-4C82-9FC4-462596426569}" dt="2023-07-24T13:34:08.258" v="3518" actId="20577"/>
+          <ac:spMkLst>
+            <pc:docMk/>
+            <pc:sldMk cId="1091001236" sldId="300"/>
+            <ac:spMk id="2" creationId="{C159BEBF-DB7F-9CA4-D0CF-C19D08265C9B}"/>
+          </ac:spMkLst>
+        </pc:spChg>
+        <pc:spChg chg="mod">
+          <ac:chgData name="Derek Bickhart" userId="e5e1a3b3-1b46-42e8-8230-2e4862e78079" providerId="ADAL" clId="{AC930B08-629E-4C82-9FC4-462596426569}" dt="2023-07-24T13:37:01.268" v="3767" actId="13926"/>
+          <ac:spMkLst>
+            <pc:docMk/>
+            <pc:sldMk cId="1091001236" sldId="300"/>
+            <ac:spMk id="3" creationId="{4E8D4257-A8E0-A2EE-FE00-E5BF64EC09E7}"/>
+          </ac:spMkLst>
+        </pc:spChg>
+        <pc:picChg chg="add mod">
+          <ac:chgData name="Derek Bickhart" userId="e5e1a3b3-1b46-42e8-8230-2e4862e78079" providerId="ADAL" clId="{AC930B08-629E-4C82-9FC4-462596426569}" dt="2023-07-24T13:35:56.420" v="3637" actId="1076"/>
+          <ac:picMkLst>
+            <pc:docMk/>
+            <pc:sldMk cId="1091001236" sldId="300"/>
+            <ac:picMk id="5" creationId="{631E7CB4-92EE-14E1-0F6B-046928448A1D}"/>
+          </ac:picMkLst>
+        </pc:picChg>
+      </pc:sldChg>
+      <pc:sldChg chg="addSp modSp new mod">
+        <pc:chgData name="Derek Bickhart" userId="e5e1a3b3-1b46-42e8-8230-2e4862e78079" providerId="ADAL" clId="{AC930B08-629E-4C82-9FC4-462596426569}" dt="2023-07-24T13:39:07.824" v="3926" actId="1076"/>
+        <pc:sldMkLst>
+          <pc:docMk/>
+          <pc:sldMk cId="34948061" sldId="301"/>
+        </pc:sldMkLst>
+        <pc:spChg chg="mod">
+          <ac:chgData name="Derek Bickhart" userId="e5e1a3b3-1b46-42e8-8230-2e4862e78079" providerId="ADAL" clId="{AC930B08-629E-4C82-9FC4-462596426569}" dt="2023-07-24T13:37:47.254" v="3811" actId="20577"/>
+          <ac:spMkLst>
+            <pc:docMk/>
+            <pc:sldMk cId="34948061" sldId="301"/>
+            <ac:spMk id="2" creationId="{45E47EB1-CEA8-0DD7-2222-9B69C3D996E5}"/>
+          </ac:spMkLst>
+        </pc:spChg>
+        <pc:spChg chg="mod">
+          <ac:chgData name="Derek Bickhart" userId="e5e1a3b3-1b46-42e8-8230-2e4862e78079" providerId="ADAL" clId="{AC930B08-629E-4C82-9FC4-462596426569}" dt="2023-07-24T13:38:59.193" v="3923" actId="20577"/>
+          <ac:spMkLst>
+            <pc:docMk/>
+            <pc:sldMk cId="34948061" sldId="301"/>
+            <ac:spMk id="3" creationId="{4BBF8F05-D25F-DB7D-7474-8C94E452DF4D}"/>
+          </ac:spMkLst>
+        </pc:spChg>
+        <pc:picChg chg="add mod">
+          <ac:chgData name="Derek Bickhart" userId="e5e1a3b3-1b46-42e8-8230-2e4862e78079" providerId="ADAL" clId="{AC930B08-629E-4C82-9FC4-462596426569}" dt="2023-07-24T13:38:01.751" v="3823" actId="1076"/>
+          <ac:picMkLst>
+            <pc:docMk/>
+            <pc:sldMk cId="34948061" sldId="301"/>
+            <ac:picMk id="5" creationId="{E762D372-4344-3B1B-B280-D4730F12EB8D}"/>
+          </ac:picMkLst>
+        </pc:picChg>
+        <pc:picChg chg="add mod">
+          <ac:chgData name="Derek Bickhart" userId="e5e1a3b3-1b46-42e8-8230-2e4862e78079" providerId="ADAL" clId="{AC930B08-629E-4C82-9FC4-462596426569}" dt="2023-07-24T13:38:34.438" v="3844" actId="1076"/>
+          <ac:picMkLst>
+            <pc:docMk/>
+            <pc:sldMk cId="34948061" sldId="301"/>
+            <ac:picMk id="7" creationId="{3A6E8F45-7B87-120B-332E-72071C73FCA2}"/>
+          </ac:picMkLst>
+        </pc:picChg>
+        <pc:picChg chg="add mod">
+          <ac:chgData name="Derek Bickhart" userId="e5e1a3b3-1b46-42e8-8230-2e4862e78079" providerId="ADAL" clId="{AC930B08-629E-4C82-9FC4-462596426569}" dt="2023-07-24T13:39:07.824" v="3926" actId="1076"/>
+          <ac:picMkLst>
+            <pc:docMk/>
+            <pc:sldMk cId="34948061" sldId="301"/>
+            <ac:picMk id="8" creationId="{45A49163-6D8B-14E9-020B-117DAC714836}"/>
+          </ac:picMkLst>
+        </pc:picChg>
+      </pc:sldChg>
+      <pc:sldChg chg="modSp new mod">
+        <pc:chgData name="Derek Bickhart" userId="e5e1a3b3-1b46-42e8-8230-2e4862e78079" providerId="ADAL" clId="{AC930B08-629E-4C82-9FC4-462596426569}" dt="2023-07-24T13:48:30.195" v="4152" actId="20577"/>
+        <pc:sldMkLst>
+          <pc:docMk/>
+          <pc:sldMk cId="2082076755" sldId="302"/>
+        </pc:sldMkLst>
+        <pc:spChg chg="mod">
+          <ac:chgData name="Derek Bickhart" userId="e5e1a3b3-1b46-42e8-8230-2e4862e78079" providerId="ADAL" clId="{AC930B08-629E-4C82-9FC4-462596426569}" dt="2023-07-24T13:47:09.062" v="3961" actId="20577"/>
+          <ac:spMkLst>
+            <pc:docMk/>
+            <pc:sldMk cId="2082076755" sldId="302"/>
+            <ac:spMk id="2" creationId="{2B92AE38-A7A0-6D84-7CC4-C3064612A405}"/>
+          </ac:spMkLst>
+        </pc:spChg>
+        <pc:spChg chg="mod">
+          <ac:chgData name="Derek Bickhart" userId="e5e1a3b3-1b46-42e8-8230-2e4862e78079" providerId="ADAL" clId="{AC930B08-629E-4C82-9FC4-462596426569}" dt="2023-07-24T13:48:30.195" v="4152" actId="20577"/>
+          <ac:spMkLst>
+            <pc:docMk/>
+            <pc:sldMk cId="2082076755" sldId="302"/>
+            <ac:spMk id="3" creationId="{9A01353C-49B1-769D-CD55-7F4105B9D6DD}"/>
+          </ac:spMkLst>
+        </pc:spChg>
+      </pc:sldChg>
+      <pc:sldChg chg="addSp modSp new mod">
+        <pc:chgData name="Derek Bickhart" userId="e5e1a3b3-1b46-42e8-8230-2e4862e78079" providerId="ADAL" clId="{AC930B08-629E-4C82-9FC4-462596426569}" dt="2023-07-24T13:53:08.754" v="4559" actId="20577"/>
+        <pc:sldMkLst>
+          <pc:docMk/>
+          <pc:sldMk cId="850953155" sldId="303"/>
+        </pc:sldMkLst>
+        <pc:spChg chg="mod">
+          <ac:chgData name="Derek Bickhart" userId="e5e1a3b3-1b46-42e8-8230-2e4862e78079" providerId="ADAL" clId="{AC930B08-629E-4C82-9FC4-462596426569}" dt="2023-07-24T13:48:42.408" v="4187" actId="20577"/>
+          <ac:spMkLst>
+            <pc:docMk/>
+            <pc:sldMk cId="850953155" sldId="303"/>
+            <ac:spMk id="2" creationId="{0B98621D-EA4C-3CBC-C338-5DF48996D311}"/>
+          </ac:spMkLst>
+        </pc:spChg>
+        <pc:spChg chg="mod">
+          <ac:chgData name="Derek Bickhart" userId="e5e1a3b3-1b46-42e8-8230-2e4862e78079" providerId="ADAL" clId="{AC930B08-629E-4C82-9FC4-462596426569}" dt="2023-07-24T13:53:08.754" v="4559" actId="20577"/>
+          <ac:spMkLst>
+            <pc:docMk/>
+            <pc:sldMk cId="850953155" sldId="303"/>
+            <ac:spMk id="3" creationId="{BEC5F280-EA14-72F5-771E-6530A25749FC}"/>
+          </ac:spMkLst>
+        </pc:spChg>
+        <pc:picChg chg="add mod">
+          <ac:chgData name="Derek Bickhart" userId="e5e1a3b3-1b46-42e8-8230-2e4862e78079" providerId="ADAL" clId="{AC930B08-629E-4C82-9FC4-462596426569}" dt="2023-07-24T13:52:31.557" v="4411" actId="1076"/>
+          <ac:picMkLst>
+            <pc:docMk/>
+            <pc:sldMk cId="850953155" sldId="303"/>
+            <ac:picMk id="5" creationId="{A71EC1FD-44B0-C2B4-28A8-0A443CA81ED2}"/>
+          </ac:picMkLst>
+        </pc:picChg>
+      </pc:sldChg>
+      <pc:sldChg chg="modSp new mod">
+        <pc:chgData name="Derek Bickhart" userId="e5e1a3b3-1b46-42e8-8230-2e4862e78079" providerId="ADAL" clId="{AC930B08-629E-4C82-9FC4-462596426569}" dt="2023-07-24T13:54:10.315" v="4663" actId="20577"/>
+        <pc:sldMkLst>
+          <pc:docMk/>
+          <pc:sldMk cId="2704291637" sldId="304"/>
+        </pc:sldMkLst>
+        <pc:spChg chg="mod">
+          <ac:chgData name="Derek Bickhart" userId="e5e1a3b3-1b46-42e8-8230-2e4862e78079" providerId="ADAL" clId="{AC930B08-629E-4C82-9FC4-462596426569}" dt="2023-07-24T13:53:17.677" v="4581" actId="20577"/>
+          <ac:spMkLst>
+            <pc:docMk/>
+            <pc:sldMk cId="2704291637" sldId="304"/>
+            <ac:spMk id="2" creationId="{9E504907-6F3A-3AAD-D424-133F377A2C68}"/>
+          </ac:spMkLst>
+        </pc:spChg>
+        <pc:spChg chg="mod">
+          <ac:chgData name="Derek Bickhart" userId="e5e1a3b3-1b46-42e8-8230-2e4862e78079" providerId="ADAL" clId="{AC930B08-629E-4C82-9FC4-462596426569}" dt="2023-07-24T13:54:10.315" v="4663" actId="20577"/>
+          <ac:spMkLst>
+            <pc:docMk/>
+            <pc:sldMk cId="2704291637" sldId="304"/>
+            <ac:spMk id="3" creationId="{B4D3EFC4-D086-C2C0-DEBD-7A7C3C1C9364}"/>
+          </ac:spMkLst>
+        </pc:spChg>
       </pc:sldChg>
     </pc:docChg>
   </pc:docChgLst>
@@ -4802,7 +5362,7 @@
             <a:fld id="{A9DE40B4-F286-47B0-AC70-604F90AD068D}" type="datetimeFigureOut">
               <a:rPr lang="en-US" smtClean="0"/>
               <a:pPr/>
-              <a:t>7/3/2023</a:t>
+              <a:t>7/24/2023</a:t>
             </a:fld>
             <a:endParaRPr lang="en-US"/>
           </a:p>
@@ -5209,7 +5769,7 @@
           <p:cNvPr id="2" name="Title 1">
             <a:extLst>
               <a:ext uri="{FF2B5EF4-FFF2-40B4-BE49-F238E27FC236}">
-                <a16:creationId xmlns:a16="http://schemas.microsoft.com/office/drawing/2014/main" id="{1E6196AF-5081-D868-0CD6-F77A21454516}"/>
+                <a16:creationId xmlns:a16="http://schemas.microsoft.com/office/drawing/2014/main" id="{65968A09-196E-9805-22F9-2936829A1887}"/>
               </a:ext>
             </a:extLst>
           </p:cNvPr>
@@ -5227,7 +5787,7 @@
           <a:p>
             <a:r>
               <a:rPr lang="en-US" dirty="0"/>
-              <a:t>HPC Advanced topics</a:t>
+              <a:t>HPC Workshop introduction</a:t>
             </a:r>
           </a:p>
         </p:txBody>
@@ -5237,7 +5797,7 @@
           <p:cNvPr id="3" name="Subtitle 2">
             <a:extLst>
               <a:ext uri="{FF2B5EF4-FFF2-40B4-BE49-F238E27FC236}">
-                <a16:creationId xmlns:a16="http://schemas.microsoft.com/office/drawing/2014/main" id="{33BD0904-A868-6380-DEA9-2962597D17C0}"/>
+                <a16:creationId xmlns:a16="http://schemas.microsoft.com/office/drawing/2014/main" id="{6A28EDEB-A486-11DD-C8CB-149E4588E1B7}"/>
               </a:ext>
             </a:extLst>
           </p:cNvPr>
@@ -5260,7 +5820,7 @@
     </p:spTree>
     <p:extLst>
       <p:ext uri="{BB962C8B-B14F-4D97-AF65-F5344CB8AC3E}">
-        <p14:creationId xmlns:p14="http://schemas.microsoft.com/office/powerpoint/2010/main" val="28844704"/>
+        <p14:creationId xmlns:p14="http://schemas.microsoft.com/office/powerpoint/2010/main" val="3316039769"/>
       </p:ext>
     </p:extLst>
   </p:cSld>
@@ -5271,6 +5831,821 @@
 </file>
 
 <file path=ppt/slides/slide10.xml><?xml version="1.0" encoding="utf-8"?>
+<p:sld xmlns:a="http://schemas.openxmlformats.org/drawingml/2006/main" xmlns:r="http://schemas.openxmlformats.org/officeDocument/2006/relationships" xmlns:p="http://schemas.openxmlformats.org/presentationml/2006/main">
+  <p:cSld>
+    <p:spTree>
+      <p:nvGrpSpPr>
+        <p:cNvPr id="1" name=""/>
+        <p:cNvGrpSpPr/>
+        <p:nvPr/>
+      </p:nvGrpSpPr>
+      <p:grpSpPr>
+        <a:xfrm>
+          <a:off x="0" y="0"/>
+          <a:ext cx="0" cy="0"/>
+          <a:chOff x="0" y="0"/>
+          <a:chExt cx="0" cy="0"/>
+        </a:xfrm>
+      </p:grpSpPr>
+      <p:sp>
+        <p:nvSpPr>
+          <p:cNvPr id="2" name="Title 1">
+            <a:extLst>
+              <a:ext uri="{FF2B5EF4-FFF2-40B4-BE49-F238E27FC236}">
+                <a16:creationId xmlns:a16="http://schemas.microsoft.com/office/drawing/2014/main" id="{63A7FEA0-C338-744A-DCC4-D05D9EEACD0D}"/>
+              </a:ext>
+            </a:extLst>
+          </p:cNvPr>
+          <p:cNvSpPr>
+            <a:spLocks noGrp="1"/>
+          </p:cNvSpPr>
+          <p:nvPr>
+            <p:ph type="title"/>
+          </p:nvPr>
+        </p:nvSpPr>
+        <p:spPr/>
+        <p:txBody>
+          <a:bodyPr/>
+          <a:lstStyle/>
+          <a:p>
+            <a:r>
+              <a:rPr lang="en-US" dirty="0"/>
+              <a:t>The Python problem: package updates</a:t>
+            </a:r>
+          </a:p>
+        </p:txBody>
+      </p:sp>
+      <p:sp>
+        <p:nvSpPr>
+          <p:cNvPr id="4" name="Content Placeholder 3">
+            <a:extLst>
+              <a:ext uri="{FF2B5EF4-FFF2-40B4-BE49-F238E27FC236}">
+                <a16:creationId xmlns:a16="http://schemas.microsoft.com/office/drawing/2014/main" id="{133D6161-751F-0A52-A0DE-991E50D925D8}"/>
+              </a:ext>
+            </a:extLst>
+          </p:cNvPr>
+          <p:cNvSpPr>
+            <a:spLocks noGrp="1"/>
+          </p:cNvSpPr>
+          <p:nvPr>
+            <p:ph sz="half" idx="1"/>
+          </p:nvPr>
+        </p:nvSpPr>
+        <p:spPr/>
+        <p:txBody>
+          <a:bodyPr>
+            <a:normAutofit fontScale="85000" lnSpcReduction="10000"/>
+          </a:bodyPr>
+          <a:lstStyle/>
+          <a:p>
+            <a:r>
+              <a:rPr lang="en-US" dirty="0"/>
+              <a:t>Python package files cannot have version ids in their names.</a:t>
+            </a:r>
+          </a:p>
+          <a:p>
+            <a:endParaRPr lang="en-US" dirty="0"/>
+          </a:p>
+          <a:p>
+            <a:r>
+              <a:rPr lang="en-US" dirty="0"/>
+              <a:t>It is impossible to know which version you are loading.</a:t>
+            </a:r>
+          </a:p>
+          <a:p>
+            <a:endParaRPr lang="en-US" dirty="0"/>
+          </a:p>
+          <a:p>
+            <a:r>
+              <a:rPr lang="en-US" dirty="0"/>
+              <a:t>Loading a newer version may ‘break’ your other packages that depend on a specific version of that package!</a:t>
+            </a:r>
+          </a:p>
+        </p:txBody>
+      </p:sp>
+      <p:pic>
+        <p:nvPicPr>
+          <p:cNvPr id="7" name="Content Placeholder 6">
+            <a:extLst>
+              <a:ext uri="{FF2B5EF4-FFF2-40B4-BE49-F238E27FC236}">
+                <a16:creationId xmlns:a16="http://schemas.microsoft.com/office/drawing/2014/main" id="{04021CEA-282B-0A30-329B-A067D0ABAAB6}"/>
+              </a:ext>
+            </a:extLst>
+          </p:cNvPr>
+          <p:cNvPicPr>
+            <a:picLocks noGrp="1" noChangeAspect="1"/>
+          </p:cNvPicPr>
+          <p:nvPr>
+            <p:ph sz="half" idx="2"/>
+          </p:nvPr>
+        </p:nvPicPr>
+        <p:blipFill>
+          <a:blip r:embed="rId2"/>
+          <a:stretch>
+            <a:fillRect/>
+          </a:stretch>
+        </p:blipFill>
+        <p:spPr>
+          <a:xfrm>
+            <a:off x="6172202" y="2348440"/>
+            <a:ext cx="5890623" cy="2639197"/>
+          </a:xfrm>
+        </p:spPr>
+      </p:pic>
+    </p:spTree>
+    <p:extLst>
+      <p:ext uri="{BB962C8B-B14F-4D97-AF65-F5344CB8AC3E}">
+        <p14:creationId xmlns:p14="http://schemas.microsoft.com/office/powerpoint/2010/main" val="936950408"/>
+      </p:ext>
+    </p:extLst>
+  </p:cSld>
+  <p:clrMapOvr>
+    <a:masterClrMapping/>
+  </p:clrMapOvr>
+</p:sld>
+</file>
+
+<file path=ppt/slides/slide11.xml><?xml version="1.0" encoding="utf-8"?>
+<p:sld xmlns:a="http://schemas.openxmlformats.org/drawingml/2006/main" xmlns:r="http://schemas.openxmlformats.org/officeDocument/2006/relationships" xmlns:p="http://schemas.openxmlformats.org/presentationml/2006/main">
+  <p:cSld>
+    <p:spTree>
+      <p:nvGrpSpPr>
+        <p:cNvPr id="1" name=""/>
+        <p:cNvGrpSpPr/>
+        <p:nvPr/>
+      </p:nvGrpSpPr>
+      <p:grpSpPr>
+        <a:xfrm>
+          <a:off x="0" y="0"/>
+          <a:ext cx="0" cy="0"/>
+          <a:chOff x="0" y="0"/>
+          <a:chExt cx="0" cy="0"/>
+        </a:xfrm>
+      </p:grpSpPr>
+      <p:sp>
+        <p:nvSpPr>
+          <p:cNvPr id="2" name="Title 1">
+            <a:extLst>
+              <a:ext uri="{FF2B5EF4-FFF2-40B4-BE49-F238E27FC236}">
+                <a16:creationId xmlns:a16="http://schemas.microsoft.com/office/drawing/2014/main" id="{2423AFD0-FEE3-E55C-A74D-DFE12396A32D}"/>
+              </a:ext>
+            </a:extLst>
+          </p:cNvPr>
+          <p:cNvSpPr>
+            <a:spLocks noGrp="1"/>
+          </p:cNvSpPr>
+          <p:nvPr>
+            <p:ph type="title"/>
+          </p:nvPr>
+        </p:nvSpPr>
+        <p:spPr>
+          <a:xfrm>
+            <a:off x="838200" y="365125"/>
+            <a:ext cx="10515600" cy="1260000"/>
+          </a:xfrm>
+        </p:spPr>
+        <p:txBody>
+          <a:bodyPr anchor="ctr">
+            <a:normAutofit/>
+          </a:bodyPr>
+          <a:lstStyle/>
+          <a:p>
+            <a:r>
+              <a:rPr lang="en-US" dirty="0"/>
+              <a:t>A solution in </a:t>
+            </a:r>
+            <a:r>
+              <a:rPr lang="en-US" dirty="0" err="1"/>
+              <a:t>Conda</a:t>
+            </a:r>
+            <a:r>
+              <a:rPr lang="en-US" dirty="0"/>
+              <a:t> environments</a:t>
+            </a:r>
+          </a:p>
+        </p:txBody>
+      </p:sp>
+      <p:pic>
+        <p:nvPicPr>
+          <p:cNvPr id="1026" name="Picture 2" descr="Getting Started with Conda. Just the basics. What is Conda? Why… | by David  R. Pugh | Towards Data Science">
+            <a:extLst>
+              <a:ext uri="{FF2B5EF4-FFF2-40B4-BE49-F238E27FC236}">
+                <a16:creationId xmlns:a16="http://schemas.microsoft.com/office/drawing/2014/main" id="{D6E0FC62-D97C-3F47-934A-0D91027B8AF7}"/>
+              </a:ext>
+            </a:extLst>
+          </p:cNvPr>
+          <p:cNvPicPr>
+            <a:picLocks noChangeAspect="1" noChangeArrowheads="1"/>
+          </p:cNvPicPr>
+          <p:nvPr/>
+        </p:nvPicPr>
+        <p:blipFill>
+          <a:blip r:embed="rId2">
+            <a:extLst>
+              <a:ext uri="{28A0092B-C50C-407E-A947-70E740481C1C}">
+                <a14:useLocalDpi xmlns:a14="http://schemas.microsoft.com/office/drawing/2010/main" val="0"/>
+              </a:ext>
+            </a:extLst>
+          </a:blip>
+          <a:stretch>
+            <a:fillRect/>
+          </a:stretch>
+        </p:blipFill>
+        <p:spPr bwMode="auto">
+          <a:xfrm>
+            <a:off x="73645" y="2158731"/>
+            <a:ext cx="5946155" cy="3998788"/>
+          </a:xfrm>
+          <a:prstGeom prst="rect">
+            <a:avLst/>
+          </a:prstGeom>
+          <a:solidFill>
+            <a:srgbClr val="FFFFFF"/>
+          </a:solidFill>
+        </p:spPr>
+      </p:pic>
+      <p:sp>
+        <p:nvSpPr>
+          <p:cNvPr id="1031" name="Content Placeholder 3">
+            <a:extLst>
+              <a:ext uri="{FF2B5EF4-FFF2-40B4-BE49-F238E27FC236}">
+                <a16:creationId xmlns:a16="http://schemas.microsoft.com/office/drawing/2014/main" id="{BFDB7604-ECAB-A05B-4C8B-7F9541370BBF}"/>
+              </a:ext>
+            </a:extLst>
+          </p:cNvPr>
+          <p:cNvSpPr>
+            <a:spLocks noGrp="1"/>
+          </p:cNvSpPr>
+          <p:nvPr>
+            <p:ph sz="half" idx="2"/>
+          </p:nvPr>
+        </p:nvSpPr>
+        <p:spPr>
+          <a:xfrm>
+            <a:off x="6172199" y="1625124"/>
+            <a:ext cx="5890491" cy="5232875"/>
+          </a:xfrm>
+        </p:spPr>
+        <p:txBody>
+          <a:bodyPr>
+            <a:normAutofit fontScale="85000" lnSpcReduction="20000"/>
+          </a:bodyPr>
+          <a:lstStyle/>
+          <a:p>
+            <a:r>
+              <a:rPr lang="en-US" dirty="0" err="1"/>
+              <a:t>Conda</a:t>
+            </a:r>
+            <a:r>
+              <a:rPr lang="en-US" dirty="0"/>
+              <a:t> is a large package repository that has portable versions of many major programs and packages.</a:t>
+            </a:r>
+          </a:p>
+          <a:p>
+            <a:endParaRPr lang="en-US" dirty="0"/>
+          </a:p>
+          <a:p>
+            <a:r>
+              <a:rPr lang="en-US" dirty="0" err="1"/>
+              <a:t>MiniConda</a:t>
+            </a:r>
+            <a:r>
+              <a:rPr lang="en-US" dirty="0"/>
+              <a:t> is a software tool that searches </a:t>
+            </a:r>
+            <a:r>
+              <a:rPr lang="en-US" dirty="0" err="1"/>
+              <a:t>Conda</a:t>
+            </a:r>
+            <a:r>
+              <a:rPr lang="en-US" dirty="0"/>
+              <a:t> and can download and install packages/software in “virtual environments”</a:t>
+            </a:r>
+          </a:p>
+          <a:p>
+            <a:endParaRPr lang="en-US" dirty="0"/>
+          </a:p>
+          <a:p>
+            <a:r>
+              <a:rPr lang="en-US" dirty="0" err="1"/>
+              <a:t>AnaConda</a:t>
+            </a:r>
+            <a:r>
+              <a:rPr lang="en-US" dirty="0"/>
+              <a:t> is a step above </a:t>
+            </a:r>
+            <a:r>
+              <a:rPr lang="en-US" dirty="0" err="1"/>
+              <a:t>MiniConda</a:t>
+            </a:r>
+            <a:r>
+              <a:rPr lang="en-US" dirty="0"/>
+              <a:t> by providing top Python packages/IDEs in a single distribution</a:t>
+            </a:r>
+          </a:p>
+        </p:txBody>
+      </p:sp>
+    </p:spTree>
+    <p:extLst>
+      <p:ext uri="{BB962C8B-B14F-4D97-AF65-F5344CB8AC3E}">
+        <p14:creationId xmlns:p14="http://schemas.microsoft.com/office/powerpoint/2010/main" val="2790760597"/>
+      </p:ext>
+    </p:extLst>
+  </p:cSld>
+  <p:clrMapOvr>
+    <a:masterClrMapping/>
+  </p:clrMapOvr>
+</p:sld>
+</file>
+
+<file path=ppt/slides/slide12.xml><?xml version="1.0" encoding="utf-8"?>
+<p:sld xmlns:a="http://schemas.openxmlformats.org/drawingml/2006/main" xmlns:r="http://schemas.openxmlformats.org/officeDocument/2006/relationships" xmlns:p="http://schemas.openxmlformats.org/presentationml/2006/main">
+  <p:cSld>
+    <p:spTree>
+      <p:nvGrpSpPr>
+        <p:cNvPr id="1" name=""/>
+        <p:cNvGrpSpPr/>
+        <p:nvPr/>
+      </p:nvGrpSpPr>
+      <p:grpSpPr>
+        <a:xfrm>
+          <a:off x="0" y="0"/>
+          <a:ext cx="0" cy="0"/>
+          <a:chOff x="0" y="0"/>
+          <a:chExt cx="0" cy="0"/>
+        </a:xfrm>
+      </p:grpSpPr>
+      <p:sp>
+        <p:nvSpPr>
+          <p:cNvPr id="5" name="Title 4">
+            <a:extLst>
+              <a:ext uri="{FF2B5EF4-FFF2-40B4-BE49-F238E27FC236}">
+                <a16:creationId xmlns:a16="http://schemas.microsoft.com/office/drawing/2014/main" id="{5BBE3BCD-5F0A-C5D3-6204-EE267B24191A}"/>
+              </a:ext>
+            </a:extLst>
+          </p:cNvPr>
+          <p:cNvSpPr>
+            <a:spLocks noGrp="1"/>
+          </p:cNvSpPr>
+          <p:nvPr>
+            <p:ph type="title"/>
+          </p:nvPr>
+        </p:nvSpPr>
+        <p:spPr/>
+        <p:txBody>
+          <a:bodyPr/>
+          <a:lstStyle/>
+          <a:p>
+            <a:r>
+              <a:rPr lang="en-US" dirty="0"/>
+              <a:t>What is a “virtual environment?”</a:t>
+            </a:r>
+          </a:p>
+        </p:txBody>
+      </p:sp>
+      <p:sp>
+        <p:nvSpPr>
+          <p:cNvPr id="6" name="Content Placeholder 5">
+            <a:extLst>
+              <a:ext uri="{FF2B5EF4-FFF2-40B4-BE49-F238E27FC236}">
+                <a16:creationId xmlns:a16="http://schemas.microsoft.com/office/drawing/2014/main" id="{583F0D89-3D6C-7ADF-8253-E812271E4502}"/>
+              </a:ext>
+            </a:extLst>
+          </p:cNvPr>
+          <p:cNvSpPr>
+            <a:spLocks noGrp="1"/>
+          </p:cNvSpPr>
+          <p:nvPr>
+            <p:ph idx="1"/>
+          </p:nvPr>
+        </p:nvSpPr>
+        <p:spPr/>
+        <p:txBody>
+          <a:bodyPr/>
+          <a:lstStyle/>
+          <a:p>
+            <a:r>
+              <a:rPr lang="en-US" dirty="0"/>
+              <a:t>A virtual environment is a controlled and reversible modification of your $PATH to allow you to run specific programs or packages. </a:t>
+            </a:r>
+          </a:p>
+          <a:p>
+            <a:endParaRPr lang="en-US" dirty="0"/>
+          </a:p>
+          <a:p>
+            <a:r>
+              <a:rPr lang="en-US" dirty="0"/>
+              <a:t>You access and modify your virtual environments with “</a:t>
+            </a:r>
+            <a:r>
+              <a:rPr lang="en-US" dirty="0" err="1"/>
+              <a:t>miniconda</a:t>
+            </a:r>
+            <a:r>
+              <a:rPr lang="en-US" dirty="0"/>
+              <a:t>” (the </a:t>
+            </a:r>
+            <a:r>
+              <a:rPr lang="en-US" dirty="0">
+                <a:solidFill>
+                  <a:schemeClr val="bg1"/>
+                </a:solidFill>
+                <a:highlight>
+                  <a:srgbClr val="000000"/>
+                </a:highlight>
+              </a:rPr>
+              <a:t>$ </a:t>
+            </a:r>
+            <a:r>
+              <a:rPr lang="en-US" dirty="0" err="1">
+                <a:solidFill>
+                  <a:schemeClr val="bg1"/>
+                </a:solidFill>
+                <a:highlight>
+                  <a:srgbClr val="000000"/>
+                </a:highlight>
+              </a:rPr>
+              <a:t>conda</a:t>
+            </a:r>
+            <a:r>
+              <a:rPr lang="en-US" dirty="0">
+                <a:solidFill>
+                  <a:schemeClr val="bg1"/>
+                </a:solidFill>
+                <a:highlight>
+                  <a:srgbClr val="000000"/>
+                </a:highlight>
+              </a:rPr>
+              <a:t> </a:t>
+            </a:r>
+            <a:r>
+              <a:rPr lang="en-US" dirty="0"/>
+              <a:t>command), and can deactivate them at any time. </a:t>
+            </a:r>
+          </a:p>
+        </p:txBody>
+      </p:sp>
+    </p:spTree>
+    <p:extLst>
+      <p:ext uri="{BB962C8B-B14F-4D97-AF65-F5344CB8AC3E}">
+        <p14:creationId xmlns:p14="http://schemas.microsoft.com/office/powerpoint/2010/main" val="2564789681"/>
+      </p:ext>
+    </p:extLst>
+  </p:cSld>
+  <p:clrMapOvr>
+    <a:masterClrMapping/>
+  </p:clrMapOvr>
+</p:sld>
+</file>
+
+<file path=ppt/slides/slide13.xml><?xml version="1.0" encoding="utf-8"?>
+<p:sld xmlns:a="http://schemas.openxmlformats.org/drawingml/2006/main" xmlns:r="http://schemas.openxmlformats.org/officeDocument/2006/relationships" xmlns:p="http://schemas.openxmlformats.org/presentationml/2006/main">
+  <p:cSld>
+    <p:spTree>
+      <p:nvGrpSpPr>
+        <p:cNvPr id="1" name=""/>
+        <p:cNvGrpSpPr/>
+        <p:nvPr/>
+      </p:nvGrpSpPr>
+      <p:grpSpPr>
+        <a:xfrm>
+          <a:off x="0" y="0"/>
+          <a:ext cx="0" cy="0"/>
+          <a:chOff x="0" y="0"/>
+          <a:chExt cx="0" cy="0"/>
+        </a:xfrm>
+      </p:grpSpPr>
+      <p:sp>
+        <p:nvSpPr>
+          <p:cNvPr id="2" name="Title 1">
+            <a:extLst>
+              <a:ext uri="{FF2B5EF4-FFF2-40B4-BE49-F238E27FC236}">
+                <a16:creationId xmlns:a16="http://schemas.microsoft.com/office/drawing/2014/main" id="{E45CF926-1096-6FE9-B54D-FE6859070D9C}"/>
+              </a:ext>
+            </a:extLst>
+          </p:cNvPr>
+          <p:cNvSpPr>
+            <a:spLocks noGrp="1"/>
+          </p:cNvSpPr>
+          <p:nvPr>
+            <p:ph type="title"/>
+          </p:nvPr>
+        </p:nvSpPr>
+        <p:spPr/>
+        <p:txBody>
+          <a:bodyPr/>
+          <a:lstStyle/>
+          <a:p>
+            <a:r>
+              <a:rPr lang="en-US" dirty="0"/>
+              <a:t>Installing </a:t>
+            </a:r>
+            <a:r>
+              <a:rPr lang="en-US" dirty="0" err="1"/>
+              <a:t>MiniConda</a:t>
+            </a:r>
+            <a:r>
+              <a:rPr lang="en-US" dirty="0"/>
+              <a:t> on </a:t>
+            </a:r>
+            <a:r>
+              <a:rPr lang="en-US" dirty="0" err="1"/>
+              <a:t>Anunna</a:t>
+            </a:r>
+            <a:endParaRPr lang="en-US" dirty="0"/>
+          </a:p>
+        </p:txBody>
+      </p:sp>
+      <p:sp>
+        <p:nvSpPr>
+          <p:cNvPr id="3" name="Content Placeholder 2">
+            <a:extLst>
+              <a:ext uri="{FF2B5EF4-FFF2-40B4-BE49-F238E27FC236}">
+                <a16:creationId xmlns:a16="http://schemas.microsoft.com/office/drawing/2014/main" id="{8D0DDC7C-1952-CB2A-4FA9-0D1F72A5D1F7}"/>
+              </a:ext>
+            </a:extLst>
+          </p:cNvPr>
+          <p:cNvSpPr>
+            <a:spLocks noGrp="1"/>
+          </p:cNvSpPr>
+          <p:nvPr>
+            <p:ph idx="1"/>
+          </p:nvPr>
+        </p:nvSpPr>
+        <p:spPr/>
+        <p:txBody>
+          <a:bodyPr/>
+          <a:lstStyle/>
+          <a:p>
+            <a:r>
+              <a:rPr lang="en-US" dirty="0">
+                <a:hlinkClick r:id="rId2"/>
+              </a:rPr>
+              <a:t>https://docs.conda.io/en/latest/miniconda.html</a:t>
+            </a:r>
+            <a:endParaRPr lang="en-US" dirty="0"/>
+          </a:p>
+          <a:p>
+            <a:r>
+              <a:rPr lang="en-US" dirty="0"/>
+              <a:t>Right (or command) click the link. “Copy link address”</a:t>
+            </a:r>
+          </a:p>
+        </p:txBody>
+      </p:sp>
+      <p:pic>
+        <p:nvPicPr>
+          <p:cNvPr id="7" name="Picture 6">
+            <a:extLst>
+              <a:ext uri="{FF2B5EF4-FFF2-40B4-BE49-F238E27FC236}">
+                <a16:creationId xmlns:a16="http://schemas.microsoft.com/office/drawing/2014/main" id="{40ADE1A2-4228-6682-0066-45E676C2B620}"/>
+              </a:ext>
+            </a:extLst>
+          </p:cNvPr>
+          <p:cNvPicPr>
+            <a:picLocks noChangeAspect="1"/>
+          </p:cNvPicPr>
+          <p:nvPr/>
+        </p:nvPicPr>
+        <p:blipFill>
+          <a:blip r:embed="rId3"/>
+          <a:stretch>
+            <a:fillRect/>
+          </a:stretch>
+        </p:blipFill>
+        <p:spPr>
+          <a:xfrm>
+            <a:off x="1873188" y="3072170"/>
+            <a:ext cx="7827053" cy="3785830"/>
+          </a:xfrm>
+          <a:prstGeom prst="rect">
+            <a:avLst/>
+          </a:prstGeom>
+        </p:spPr>
+      </p:pic>
+    </p:spTree>
+    <p:extLst>
+      <p:ext uri="{BB962C8B-B14F-4D97-AF65-F5344CB8AC3E}">
+        <p14:creationId xmlns:p14="http://schemas.microsoft.com/office/powerpoint/2010/main" val="858035887"/>
+      </p:ext>
+    </p:extLst>
+  </p:cSld>
+  <p:clrMapOvr>
+    <a:masterClrMapping/>
+  </p:clrMapOvr>
+</p:sld>
+</file>
+
+<file path=ppt/slides/slide14.xml><?xml version="1.0" encoding="utf-8"?>
+<p:sld xmlns:a="http://schemas.openxmlformats.org/drawingml/2006/main" xmlns:r="http://schemas.openxmlformats.org/officeDocument/2006/relationships" xmlns:p="http://schemas.openxmlformats.org/presentationml/2006/main">
+  <p:cSld>
+    <p:spTree>
+      <p:nvGrpSpPr>
+        <p:cNvPr id="1" name=""/>
+        <p:cNvGrpSpPr/>
+        <p:nvPr/>
+      </p:nvGrpSpPr>
+      <p:grpSpPr>
+        <a:xfrm>
+          <a:off x="0" y="0"/>
+          <a:ext cx="0" cy="0"/>
+          <a:chOff x="0" y="0"/>
+          <a:chExt cx="0" cy="0"/>
+        </a:xfrm>
+      </p:grpSpPr>
+      <p:sp>
+        <p:nvSpPr>
+          <p:cNvPr id="2" name="Title 1">
+            <a:extLst>
+              <a:ext uri="{FF2B5EF4-FFF2-40B4-BE49-F238E27FC236}">
+                <a16:creationId xmlns:a16="http://schemas.microsoft.com/office/drawing/2014/main" id="{7E5C7BE1-3A95-24C8-212F-A56BDDD01C01}"/>
+              </a:ext>
+            </a:extLst>
+          </p:cNvPr>
+          <p:cNvSpPr>
+            <a:spLocks noGrp="1"/>
+          </p:cNvSpPr>
+          <p:nvPr>
+            <p:ph type="title"/>
+          </p:nvPr>
+        </p:nvSpPr>
+        <p:spPr/>
+        <p:txBody>
+          <a:bodyPr/>
+          <a:lstStyle/>
+          <a:p>
+            <a:r>
+              <a:rPr lang="en-US" dirty="0"/>
+              <a:t>Installing </a:t>
+            </a:r>
+            <a:r>
+              <a:rPr lang="en-US" dirty="0" err="1"/>
+              <a:t>MiniConda</a:t>
+            </a:r>
+            <a:r>
+              <a:rPr lang="en-US" dirty="0"/>
+              <a:t> on </a:t>
+            </a:r>
+            <a:r>
+              <a:rPr lang="en-US" dirty="0" err="1"/>
+              <a:t>Anunna</a:t>
+            </a:r>
+            <a:r>
+              <a:rPr lang="en-US" dirty="0"/>
+              <a:t> (</a:t>
+            </a:r>
+            <a:r>
+              <a:rPr lang="en-US" dirty="0" err="1"/>
+              <a:t>cont</a:t>
+            </a:r>
+            <a:r>
+              <a:rPr lang="en-US" dirty="0"/>
+              <a:t>)</a:t>
+            </a:r>
+          </a:p>
+        </p:txBody>
+      </p:sp>
+      <p:sp>
+        <p:nvSpPr>
+          <p:cNvPr id="3" name="Content Placeholder 2">
+            <a:extLst>
+              <a:ext uri="{FF2B5EF4-FFF2-40B4-BE49-F238E27FC236}">
+                <a16:creationId xmlns:a16="http://schemas.microsoft.com/office/drawing/2014/main" id="{A26570B7-E4BD-0C2F-A927-D252C3DE8E19}"/>
+              </a:ext>
+            </a:extLst>
+          </p:cNvPr>
+          <p:cNvSpPr>
+            <a:spLocks noGrp="1"/>
+          </p:cNvSpPr>
+          <p:nvPr>
+            <p:ph idx="1"/>
+          </p:nvPr>
+        </p:nvSpPr>
+        <p:spPr>
+          <a:xfrm>
+            <a:off x="758301" y="1625125"/>
+            <a:ext cx="10515600" cy="4389601"/>
+          </a:xfrm>
+        </p:spPr>
+        <p:txBody>
+          <a:bodyPr/>
+          <a:lstStyle/>
+          <a:p>
+            <a:r>
+              <a:rPr lang="en-US" dirty="0"/>
+              <a:t>Use “</a:t>
+            </a:r>
+            <a:r>
+              <a:rPr lang="en-US" dirty="0" err="1"/>
+              <a:t>wget</a:t>
+            </a:r>
+            <a:r>
+              <a:rPr lang="en-US" dirty="0"/>
+              <a:t>” to download on </a:t>
+            </a:r>
+            <a:r>
+              <a:rPr lang="en-US" dirty="0" err="1"/>
+              <a:t>Anunna</a:t>
+            </a:r>
+            <a:endParaRPr lang="en-US" dirty="0"/>
+          </a:p>
+          <a:p>
+            <a:endParaRPr lang="en-US" dirty="0"/>
+          </a:p>
+          <a:p>
+            <a:r>
+              <a:rPr lang="en-US" dirty="0"/>
+              <a:t>Run the installation script</a:t>
+            </a:r>
+          </a:p>
+          <a:p>
+            <a:endParaRPr lang="en-US" dirty="0"/>
+          </a:p>
+          <a:p>
+            <a:endParaRPr lang="en-US" dirty="0"/>
+          </a:p>
+          <a:p>
+            <a:r>
+              <a:rPr lang="en-US" dirty="0"/>
+              <a:t>Answer the prompts.</a:t>
+            </a:r>
+          </a:p>
+        </p:txBody>
+      </p:sp>
+      <p:pic>
+        <p:nvPicPr>
+          <p:cNvPr id="5" name="Picture 4">
+            <a:extLst>
+              <a:ext uri="{FF2B5EF4-FFF2-40B4-BE49-F238E27FC236}">
+                <a16:creationId xmlns:a16="http://schemas.microsoft.com/office/drawing/2014/main" id="{B8765C4D-E236-8F8D-0BFB-C7F960C66F27}"/>
+              </a:ext>
+            </a:extLst>
+          </p:cNvPr>
+          <p:cNvPicPr>
+            <a:picLocks noChangeAspect="1"/>
+          </p:cNvPicPr>
+          <p:nvPr/>
+        </p:nvPicPr>
+        <p:blipFill>
+          <a:blip r:embed="rId2"/>
+          <a:stretch>
+            <a:fillRect/>
+          </a:stretch>
+        </p:blipFill>
+        <p:spPr>
+          <a:xfrm>
+            <a:off x="0" y="2248083"/>
+            <a:ext cx="12192000" cy="281663"/>
+          </a:xfrm>
+          <a:prstGeom prst="rect">
+            <a:avLst/>
+          </a:prstGeom>
+        </p:spPr>
+      </p:pic>
+      <p:pic>
+        <p:nvPicPr>
+          <p:cNvPr id="7" name="Picture 6">
+            <a:extLst>
+              <a:ext uri="{FF2B5EF4-FFF2-40B4-BE49-F238E27FC236}">
+                <a16:creationId xmlns:a16="http://schemas.microsoft.com/office/drawing/2014/main" id="{D3CE6CE9-1898-6537-A709-CD957D8F0BF3}"/>
+              </a:ext>
+            </a:extLst>
+          </p:cNvPr>
+          <p:cNvPicPr>
+            <a:picLocks noChangeAspect="1"/>
+          </p:cNvPicPr>
+          <p:nvPr/>
+        </p:nvPicPr>
+        <p:blipFill>
+          <a:blip r:embed="rId3"/>
+          <a:stretch>
+            <a:fillRect/>
+          </a:stretch>
+        </p:blipFill>
+        <p:spPr>
+          <a:xfrm>
+            <a:off x="997767" y="3670369"/>
+            <a:ext cx="9584045" cy="406678"/>
+          </a:xfrm>
+          <a:prstGeom prst="rect">
+            <a:avLst/>
+          </a:prstGeom>
+        </p:spPr>
+      </p:pic>
+    </p:spTree>
+    <p:extLst>
+      <p:ext uri="{BB962C8B-B14F-4D97-AF65-F5344CB8AC3E}">
+        <p14:creationId xmlns:p14="http://schemas.microsoft.com/office/powerpoint/2010/main" val="582614512"/>
+      </p:ext>
+    </p:extLst>
+  </p:cSld>
+  <p:clrMapOvr>
+    <a:masterClrMapping/>
+  </p:clrMapOvr>
+</p:sld>
+</file>
+
+<file path=ppt/slides/slide15.xml><?xml version="1.0" encoding="utf-8"?>
 <p:sld xmlns:a="http://schemas.openxmlformats.org/drawingml/2006/main" xmlns:r="http://schemas.openxmlformats.org/officeDocument/2006/relationships" xmlns:p="http://schemas.openxmlformats.org/presentationml/2006/main">
   <p:cSld>
     <p:spTree>
@@ -5587,7 +6962,7 @@
 </p:sld>
 </file>
 
-<file path=ppt/slides/slide11.xml><?xml version="1.0" encoding="utf-8"?>
+<file path=ppt/slides/slide16.xml><?xml version="1.0" encoding="utf-8"?>
 <p:sld xmlns:a="http://schemas.openxmlformats.org/drawingml/2006/main" xmlns:r="http://schemas.openxmlformats.org/officeDocument/2006/relationships" xmlns:p="http://schemas.openxmlformats.org/presentationml/2006/main">
   <p:cSld>
     <p:spTree>
@@ -5839,7 +7214,7 @@
 </p:sld>
 </file>
 
-<file path=ppt/slides/slide12.xml><?xml version="1.0" encoding="utf-8"?>
+<file path=ppt/slides/slide17.xml><?xml version="1.0" encoding="utf-8"?>
 <p:sld xmlns:a="http://schemas.openxmlformats.org/drawingml/2006/main" xmlns:r="http://schemas.openxmlformats.org/officeDocument/2006/relationships" xmlns:p="http://schemas.openxmlformats.org/presentationml/2006/main">
   <p:cSld>
     <p:spTree>
@@ -6013,7 +7388,7 @@
 </p:sld>
 </file>
 
-<file path=ppt/slides/slide13.xml><?xml version="1.0" encoding="utf-8"?>
+<file path=ppt/slides/slide18.xml><?xml version="1.0" encoding="utf-8"?>
 <p:sld xmlns:a="http://schemas.openxmlformats.org/drawingml/2006/main" xmlns:r="http://schemas.openxmlformats.org/officeDocument/2006/relationships" xmlns:p="http://schemas.openxmlformats.org/presentationml/2006/main">
   <p:cSld>
     <p:spTree>
@@ -6231,7 +7606,7 @@
 </p:sld>
 </file>
 
-<file path=ppt/slides/slide14.xml><?xml version="1.0" encoding="utf-8"?>
+<file path=ppt/slides/slide19.xml><?xml version="1.0" encoding="utf-8"?>
 <p:sld xmlns:a="http://schemas.openxmlformats.org/drawingml/2006/main" xmlns:r="http://schemas.openxmlformats.org/officeDocument/2006/relationships" xmlns:p="http://schemas.openxmlformats.org/presentationml/2006/main">
   <p:cSld>
     <p:spTree>
@@ -6359,7 +7734,125 @@
 </p:sld>
 </file>
 
-<file path=ppt/slides/slide15.xml><?xml version="1.0" encoding="utf-8"?>
+<file path=ppt/slides/slide2.xml><?xml version="1.0" encoding="utf-8"?>
+<p:sld xmlns:a="http://schemas.openxmlformats.org/drawingml/2006/main" xmlns:r="http://schemas.openxmlformats.org/officeDocument/2006/relationships" xmlns:p="http://schemas.openxmlformats.org/presentationml/2006/main">
+  <p:cSld>
+    <p:spTree>
+      <p:nvGrpSpPr>
+        <p:cNvPr id="1" name=""/>
+        <p:cNvGrpSpPr/>
+        <p:nvPr/>
+      </p:nvGrpSpPr>
+      <p:grpSpPr>
+        <a:xfrm>
+          <a:off x="0" y="0"/>
+          <a:ext cx="0" cy="0"/>
+          <a:chOff x="0" y="0"/>
+          <a:chExt cx="0" cy="0"/>
+        </a:xfrm>
+      </p:grpSpPr>
+      <p:sp>
+        <p:nvSpPr>
+          <p:cNvPr id="2" name="Title 1">
+            <a:extLst>
+              <a:ext uri="{FF2B5EF4-FFF2-40B4-BE49-F238E27FC236}">
+                <a16:creationId xmlns:a16="http://schemas.microsoft.com/office/drawing/2014/main" id="{3320F425-6825-B80E-20DD-F59C49887ADF}"/>
+              </a:ext>
+            </a:extLst>
+          </p:cNvPr>
+          <p:cNvSpPr>
+            <a:spLocks noGrp="1"/>
+          </p:cNvSpPr>
+          <p:nvPr>
+            <p:ph type="title"/>
+          </p:nvPr>
+        </p:nvSpPr>
+        <p:spPr/>
+        <p:txBody>
+          <a:bodyPr/>
+          <a:lstStyle/>
+          <a:p>
+            <a:r>
+              <a:rPr lang="en-US" dirty="0"/>
+              <a:t>Agenda</a:t>
+            </a:r>
+          </a:p>
+        </p:txBody>
+      </p:sp>
+      <p:sp>
+        <p:nvSpPr>
+          <p:cNvPr id="3" name="Content Placeholder 2">
+            <a:extLst>
+              <a:ext uri="{FF2B5EF4-FFF2-40B4-BE49-F238E27FC236}">
+                <a16:creationId xmlns:a16="http://schemas.microsoft.com/office/drawing/2014/main" id="{6784C123-4A3A-7545-1A7A-0653A7AC45F6}"/>
+              </a:ext>
+            </a:extLst>
+          </p:cNvPr>
+          <p:cNvSpPr>
+            <a:spLocks noGrp="1"/>
+          </p:cNvSpPr>
+          <p:nvPr>
+            <p:ph idx="1"/>
+          </p:nvPr>
+        </p:nvSpPr>
+        <p:spPr/>
+        <p:txBody>
+          <a:bodyPr/>
+          <a:lstStyle/>
+          <a:p>
+            <a:r>
+              <a:rPr lang="en-US" dirty="0"/>
+              <a:t>Introduction: WUR IT and HG Participants</a:t>
+            </a:r>
+          </a:p>
+          <a:p>
+            <a:r>
+              <a:rPr lang="en-US" dirty="0"/>
+              <a:t>HPC basics checkpoint – any questions on the use of SLURM?</a:t>
+            </a:r>
+          </a:p>
+          <a:p>
+            <a:r>
+              <a:rPr lang="en-US" dirty="0"/>
+              <a:t>HPC advanced usage questions – Have any difficulties or issues with the cluster? Any tips or tricks?</a:t>
+            </a:r>
+          </a:p>
+          <a:p>
+            <a:r>
+              <a:rPr lang="en-US" dirty="0"/>
+              <a:t>Workshop topic: Virtual environments</a:t>
+            </a:r>
+          </a:p>
+          <a:p>
+            <a:r>
+              <a:rPr lang="en-US" dirty="0"/>
+              <a:t>Workshop topic: </a:t>
+            </a:r>
+            <a:r>
+              <a:rPr lang="en-US" dirty="0" err="1"/>
+              <a:t>Snakemake</a:t>
+            </a:r>
+            <a:r>
+              <a:rPr lang="en-US" dirty="0"/>
+              <a:t> tutorial</a:t>
+            </a:r>
+          </a:p>
+        </p:txBody>
+      </p:sp>
+    </p:spTree>
+    <p:extLst>
+      <p:ext uri="{BB962C8B-B14F-4D97-AF65-F5344CB8AC3E}">
+        <p14:creationId xmlns:p14="http://schemas.microsoft.com/office/powerpoint/2010/main" val="2093633847"/>
+      </p:ext>
+    </p:extLst>
+  </p:cSld>
+  <p:clrMapOvr>
+    <a:masterClrMapping/>
+  </p:clrMapOvr>
+</p:sld>
+</file>
+
+<file path=ppt/slides/slide20.xml><?xml version="1.0" encoding="utf-8"?>
 <p:sld xmlns:a="http://schemas.openxmlformats.org/drawingml/2006/main" xmlns:r="http://schemas.openxmlformats.org/officeDocument/2006/relationships" xmlns:p="http://schemas.openxmlformats.org/presentationml/2006/main">
   <p:cSld>
     <p:spTree>
@@ -6648,7 +8141,7 @@
 </p:sld>
 </file>
 
-<file path=ppt/slides/slide16.xml><?xml version="1.0" encoding="utf-8"?>
+<file path=ppt/slides/slide21.xml><?xml version="1.0" encoding="utf-8"?>
 <p:sld xmlns:a="http://schemas.openxmlformats.org/drawingml/2006/main" xmlns:r="http://schemas.openxmlformats.org/officeDocument/2006/relationships" xmlns:p="http://schemas.openxmlformats.org/presentationml/2006/main">
   <p:cSld>
     <p:spTree>
@@ -7124,7 +8617,7 @@
 </p:sld>
 </file>
 
-<file path=ppt/slides/slide17.xml><?xml version="1.0" encoding="utf-8"?>
+<file path=ppt/slides/slide22.xml><?xml version="1.0" encoding="utf-8"?>
 <p:sld xmlns:a="http://schemas.openxmlformats.org/drawingml/2006/main" xmlns:r="http://schemas.openxmlformats.org/officeDocument/2006/relationships" xmlns:p="http://schemas.openxmlformats.org/presentationml/2006/main">
   <p:cSld>
     <p:spTree>
@@ -7312,7 +8805,7 @@
 </p:sld>
 </file>
 
-<file path=ppt/slides/slide18.xml><?xml version="1.0" encoding="utf-8"?>
+<file path=ppt/slides/slide23.xml><?xml version="1.0" encoding="utf-8"?>
 <p:sld xmlns:a="http://schemas.openxmlformats.org/drawingml/2006/main" xmlns:r="http://schemas.openxmlformats.org/officeDocument/2006/relationships" xmlns:p="http://schemas.openxmlformats.org/presentationml/2006/main">
   <p:cSld>
     <p:spTree>
@@ -7467,7 +8960,7 @@
 </p:sld>
 </file>
 
-<file path=ppt/slides/slide19.xml><?xml version="1.0" encoding="utf-8"?>
+<file path=ppt/slides/slide24.xml><?xml version="1.0" encoding="utf-8"?>
 <p:sld xmlns:a="http://schemas.openxmlformats.org/drawingml/2006/main" xmlns:r="http://schemas.openxmlformats.org/officeDocument/2006/relationships" xmlns:p="http://schemas.openxmlformats.org/presentationml/2006/main">
   <p:cSld>
     <p:spTree>
@@ -7581,7 +9074,7 @@
 </p:sld>
 </file>
 
-<file path=ppt/slides/slide2.xml><?xml version="1.0" encoding="utf-8"?>
+<file path=ppt/slides/slide25.xml><?xml version="1.0" encoding="utf-8"?>
 <p:sld xmlns:a="http://schemas.openxmlformats.org/drawingml/2006/main" xmlns:r="http://schemas.openxmlformats.org/officeDocument/2006/relationships" xmlns:p="http://schemas.openxmlformats.org/presentationml/2006/main">
   <p:cSld>
     <p:spTree>
@@ -7603,7 +9096,7 @@
           <p:cNvPr id="4" name="Title 3">
             <a:extLst>
               <a:ext uri="{FF2B5EF4-FFF2-40B4-BE49-F238E27FC236}">
-                <a16:creationId xmlns:a16="http://schemas.microsoft.com/office/drawing/2014/main" id="{BCC7EA5C-BFFD-C393-BB85-CBC139E07F4D}"/>
+                <a16:creationId xmlns:a16="http://schemas.microsoft.com/office/drawing/2014/main" id="{730079B9-E1DE-67F3-32A8-0F90902ED423}"/>
               </a:ext>
             </a:extLst>
           </p:cNvPr>
@@ -7621,8 +9114,13 @@
           <a:p>
             <a:r>
               <a:rPr lang="en-US" dirty="0"/>
-              <a:t>Your PATH and Virtual Environments</a:t>
-            </a:r>
+              <a:t>Developing workflows with </a:t>
+            </a:r>
+            <a:r>
+              <a:rPr lang="en-US" dirty="0" err="1"/>
+              <a:t>Snakemake</a:t>
+            </a:r>
+            <a:endParaRPr lang="en-US" dirty="0"/>
           </a:p>
         </p:txBody>
       </p:sp>
@@ -7631,7 +9129,7 @@
           <p:cNvPr id="5" name="Text Placeholder 4">
             <a:extLst>
               <a:ext uri="{FF2B5EF4-FFF2-40B4-BE49-F238E27FC236}">
-                <a16:creationId xmlns:a16="http://schemas.microsoft.com/office/drawing/2014/main" id="{4514EFCB-D5BB-1863-76BA-6C40D5BB9E19}"/>
+                <a16:creationId xmlns:a16="http://schemas.microsoft.com/office/drawing/2014/main" id="{8833F95D-E71D-A565-A3D0-51728191E094}"/>
               </a:ext>
             </a:extLst>
           </p:cNvPr>
@@ -7654,7 +9152,7 @@
     </p:spTree>
     <p:extLst>
       <p:ext uri="{BB962C8B-B14F-4D97-AF65-F5344CB8AC3E}">
-        <p14:creationId xmlns:p14="http://schemas.microsoft.com/office/powerpoint/2010/main" val="2693626785"/>
+        <p14:creationId xmlns:p14="http://schemas.microsoft.com/office/powerpoint/2010/main" val="2563317894"/>
       </p:ext>
     </p:extLst>
   </p:cSld>
@@ -7664,7 +9162,7 @@
 </p:sld>
 </file>
 
-<file path=ppt/slides/slide20.xml><?xml version="1.0" encoding="utf-8"?>
+<file path=ppt/slides/slide26.xml><?xml version="1.0" encoding="utf-8"?>
 <p:sld xmlns:a="http://schemas.openxmlformats.org/drawingml/2006/main" xmlns:r="http://schemas.openxmlformats.org/officeDocument/2006/relationships" xmlns:p="http://schemas.openxmlformats.org/presentationml/2006/main">
   <p:cSld>
     <p:spTree>
@@ -7686,7 +9184,7 @@
           <p:cNvPr id="4" name="Title 3">
             <a:extLst>
               <a:ext uri="{FF2B5EF4-FFF2-40B4-BE49-F238E27FC236}">
-                <a16:creationId xmlns:a16="http://schemas.microsoft.com/office/drawing/2014/main" id="{730079B9-E1DE-67F3-32A8-0F90902ED423}"/>
+                <a16:creationId xmlns:a16="http://schemas.microsoft.com/office/drawing/2014/main" id="{D5C81BE3-6F75-FF46-A93E-14519AB2C04D}"/>
               </a:ext>
             </a:extLst>
           </p:cNvPr>
@@ -7704,22 +9202,25 @@
           <a:p>
             <a:r>
               <a:rPr lang="en-US" dirty="0"/>
-              <a:t>Developing workflows with </a:t>
+              <a:t>What is </a:t>
             </a:r>
             <a:r>
               <a:rPr lang="en-US" dirty="0" err="1"/>
               <a:t>Snakemake</a:t>
             </a:r>
-            <a:endParaRPr lang="en-US" dirty="0"/>
-          </a:p>
-        </p:txBody>
-      </p:sp>
-      <p:sp>
-        <p:nvSpPr>
-          <p:cNvPr id="5" name="Text Placeholder 4">
-            <a:extLst>
-              <a:ext uri="{FF2B5EF4-FFF2-40B4-BE49-F238E27FC236}">
-                <a16:creationId xmlns:a16="http://schemas.microsoft.com/office/drawing/2014/main" id="{8833F95D-E71D-A565-A3D0-51728191E094}"/>
+            <a:r>
+              <a:rPr lang="en-US" dirty="0"/>
+              <a:t>?</a:t>
+            </a:r>
+          </a:p>
+        </p:txBody>
+      </p:sp>
+      <p:sp>
+        <p:nvSpPr>
+          <p:cNvPr id="6" name="Content Placeholder 5">
+            <a:extLst>
+              <a:ext uri="{FF2B5EF4-FFF2-40B4-BE49-F238E27FC236}">
+                <a16:creationId xmlns:a16="http://schemas.microsoft.com/office/drawing/2014/main" id="{641F1D21-AE30-FBDB-AB37-47E87E1FD2C7}"/>
               </a:ext>
             </a:extLst>
           </p:cNvPr>
@@ -7727,22 +9228,103 @@
             <a:spLocks noGrp="1"/>
           </p:cNvSpPr>
           <p:nvPr>
-            <p:ph type="body" idx="1"/>
+            <p:ph sz="half" idx="1"/>
           </p:nvPr>
         </p:nvSpPr>
         <p:spPr/>
         <p:txBody>
-          <a:bodyPr/>
+          <a:bodyPr>
+            <a:normAutofit lnSpcReduction="10000"/>
+          </a:bodyPr>
           <a:lstStyle/>
           <a:p>
-            <a:endParaRPr lang="en-US"/>
-          </a:p>
-        </p:txBody>
-      </p:sp>
+            <a:r>
+              <a:rPr lang="en-US" dirty="0" err="1"/>
+              <a:t>Snakemake</a:t>
+            </a:r>
+            <a:r>
+              <a:rPr lang="en-US" dirty="0"/>
+              <a:t> is a backwards-looking workflow language implemented in Python</a:t>
+            </a:r>
+          </a:p>
+          <a:p>
+            <a:endParaRPr lang="en-US" dirty="0"/>
+          </a:p>
+          <a:p>
+            <a:r>
+              <a:rPr lang="en-US" dirty="0"/>
+              <a:t>It ships by default within most current Python distributions (you install Python, you get </a:t>
+            </a:r>
+            <a:r>
+              <a:rPr lang="en-US" dirty="0" err="1"/>
+              <a:t>Snakemake</a:t>
+            </a:r>
+            <a:r>
+              <a:rPr lang="en-US" dirty="0"/>
+              <a:t> for free!).</a:t>
+            </a:r>
+          </a:p>
+          <a:p>
+            <a:endParaRPr lang="en-US" dirty="0"/>
+          </a:p>
+          <a:p>
+            <a:endParaRPr lang="en-US" dirty="0"/>
+          </a:p>
+        </p:txBody>
+      </p:sp>
+      <p:pic>
+        <p:nvPicPr>
+          <p:cNvPr id="1026" name="Picture 2" descr="Snakemake checkpoint tutorial - Dmytro Kryvokhyzha">
+            <a:extLst>
+              <a:ext uri="{FF2B5EF4-FFF2-40B4-BE49-F238E27FC236}">
+                <a16:creationId xmlns:a16="http://schemas.microsoft.com/office/drawing/2014/main" id="{8ED56BCF-55DF-ED68-12D4-72AE2D136192}"/>
+              </a:ext>
+            </a:extLst>
+          </p:cNvPr>
+          <p:cNvPicPr>
+            <a:picLocks noGrp="1" noChangeAspect="1" noChangeArrowheads="1"/>
+          </p:cNvPicPr>
+          <p:nvPr>
+            <p:ph sz="half" idx="2"/>
+          </p:nvPr>
+        </p:nvPicPr>
+        <p:blipFill>
+          <a:blip r:embed="rId2">
+            <a:extLst>
+              <a:ext uri="{28A0092B-C50C-407E-A947-70E740481C1C}">
+                <a14:useLocalDpi xmlns:a14="http://schemas.microsoft.com/office/drawing/2010/main" val="0"/>
+              </a:ext>
+            </a:extLst>
+          </a:blip>
+          <a:srcRect/>
+          <a:stretch>
+            <a:fillRect/>
+          </a:stretch>
+        </p:blipFill>
+        <p:spPr bwMode="auto">
+          <a:xfrm>
+            <a:off x="6172200" y="2011062"/>
+            <a:ext cx="5181600" cy="2835875"/>
+          </a:xfrm>
+          <a:prstGeom prst="rect">
+            <a:avLst/>
+          </a:prstGeom>
+          <a:noFill/>
+          <a:extLst>
+            <a:ext uri="{909E8E84-426E-40DD-AFC4-6F175D3DCCD1}">
+              <a14:hiddenFill xmlns:a14="http://schemas.microsoft.com/office/drawing/2010/main">
+                <a:solidFill>
+                  <a:srgbClr val="FFFFFF"/>
+                </a:solidFill>
+              </a14:hiddenFill>
+            </a:ext>
+          </a:extLst>
+        </p:spPr>
+      </p:pic>
     </p:spTree>
     <p:extLst>
       <p:ext uri="{BB962C8B-B14F-4D97-AF65-F5344CB8AC3E}">
-        <p14:creationId xmlns:p14="http://schemas.microsoft.com/office/powerpoint/2010/main" val="2563317894"/>
+        <p14:creationId xmlns:p14="http://schemas.microsoft.com/office/powerpoint/2010/main" val="2109704014"/>
       </p:ext>
     </p:extLst>
   </p:cSld>
@@ -7752,7 +9334,7 @@
 </p:sld>
 </file>
 
-<file path=ppt/slides/slide21.xml><?xml version="1.0" encoding="utf-8"?>
+<file path=ppt/slides/slide27.xml><?xml version="1.0" encoding="utf-8"?>
 <p:sld xmlns:a="http://schemas.openxmlformats.org/drawingml/2006/main" xmlns:r="http://schemas.openxmlformats.org/officeDocument/2006/relationships" xmlns:p="http://schemas.openxmlformats.org/presentationml/2006/main">
   <p:cSld>
     <p:spTree>
@@ -7771,156 +9353,6 @@
       </p:grpSpPr>
       <p:sp>
         <p:nvSpPr>
-          <p:cNvPr id="4" name="Title 3">
-            <a:extLst>
-              <a:ext uri="{FF2B5EF4-FFF2-40B4-BE49-F238E27FC236}">
-                <a16:creationId xmlns:a16="http://schemas.microsoft.com/office/drawing/2014/main" id="{D5C81BE3-6F75-FF46-A93E-14519AB2C04D}"/>
-              </a:ext>
-            </a:extLst>
-          </p:cNvPr>
-          <p:cNvSpPr>
-            <a:spLocks noGrp="1"/>
-          </p:cNvSpPr>
-          <p:nvPr>
-            <p:ph type="title"/>
-          </p:nvPr>
-        </p:nvSpPr>
-        <p:spPr/>
-        <p:txBody>
-          <a:bodyPr/>
-          <a:lstStyle/>
-          <a:p>
-            <a:r>
-              <a:rPr lang="en-US" dirty="0"/>
-              <a:t>What is </a:t>
-            </a:r>
-            <a:r>
-              <a:rPr lang="en-US" dirty="0" err="1"/>
-              <a:t>Snakemake</a:t>
-            </a:r>
-            <a:r>
-              <a:rPr lang="en-US" dirty="0"/>
-              <a:t>?</a:t>
-            </a:r>
-          </a:p>
-        </p:txBody>
-      </p:sp>
-      <p:sp>
-        <p:nvSpPr>
-          <p:cNvPr id="6" name="Content Placeholder 5">
-            <a:extLst>
-              <a:ext uri="{FF2B5EF4-FFF2-40B4-BE49-F238E27FC236}">
-                <a16:creationId xmlns:a16="http://schemas.microsoft.com/office/drawing/2014/main" id="{641F1D21-AE30-FBDB-AB37-47E87E1FD2C7}"/>
-              </a:ext>
-            </a:extLst>
-          </p:cNvPr>
-          <p:cNvSpPr>
-            <a:spLocks noGrp="1"/>
-          </p:cNvSpPr>
-          <p:nvPr>
-            <p:ph sz="half" idx="1"/>
-          </p:nvPr>
-        </p:nvSpPr>
-        <p:spPr/>
-        <p:txBody>
-          <a:bodyPr>
-            <a:normAutofit lnSpcReduction="10000"/>
-          </a:bodyPr>
-          <a:lstStyle/>
-          <a:p>
-            <a:r>
-              <a:rPr lang="en-US" dirty="0" err="1"/>
-              <a:t>Snakemake</a:t>
-            </a:r>
-            <a:r>
-              <a:rPr lang="en-US" dirty="0"/>
-              <a:t> is a backwards-looking workflow language implemented in Python</a:t>
-            </a:r>
-          </a:p>
-          <a:p>
-            <a:endParaRPr lang="en-US" dirty="0"/>
-          </a:p>
-          <a:p>
-            <a:r>
-              <a:rPr lang="en-US" dirty="0"/>
-              <a:t>It ships by default within most current Python distributions (you install Python, you get </a:t>
-            </a:r>
-            <a:r>
-              <a:rPr lang="en-US" dirty="0" err="1"/>
-              <a:t>Snakemake</a:t>
-            </a:r>
-            <a:r>
-              <a:rPr lang="en-US" dirty="0"/>
-              <a:t> for free!).</a:t>
-            </a:r>
-          </a:p>
-          <a:p>
-            <a:endParaRPr lang="en-US" dirty="0"/>
-          </a:p>
-          <a:p>
-            <a:endParaRPr lang="en-US" dirty="0"/>
-          </a:p>
-        </p:txBody>
-      </p:sp>
-      <p:sp>
-        <p:nvSpPr>
-          <p:cNvPr id="7" name="Content Placeholder 6">
-            <a:extLst>
-              <a:ext uri="{FF2B5EF4-FFF2-40B4-BE49-F238E27FC236}">
-                <a16:creationId xmlns:a16="http://schemas.microsoft.com/office/drawing/2014/main" id="{105774EE-6B04-C315-7E29-ACBEADDDD4DD}"/>
-              </a:ext>
-            </a:extLst>
-          </p:cNvPr>
-          <p:cNvSpPr>
-            <a:spLocks noGrp="1"/>
-          </p:cNvSpPr>
-          <p:nvPr>
-            <p:ph sz="half" idx="2"/>
-          </p:nvPr>
-        </p:nvSpPr>
-        <p:spPr/>
-        <p:txBody>
-          <a:bodyPr>
-            <a:normAutofit lnSpcReduction="10000"/>
-          </a:bodyPr>
-          <a:lstStyle/>
-          <a:p>
-            <a:endParaRPr lang="en-US"/>
-          </a:p>
-        </p:txBody>
-      </p:sp>
-    </p:spTree>
-    <p:extLst>
-      <p:ext uri="{BB962C8B-B14F-4D97-AF65-F5344CB8AC3E}">
-        <p14:creationId xmlns:p14="http://schemas.microsoft.com/office/powerpoint/2010/main" val="2109704014"/>
-      </p:ext>
-    </p:extLst>
-  </p:cSld>
-  <p:clrMapOvr>
-    <a:masterClrMapping/>
-  </p:clrMapOvr>
-</p:sld>
-</file>
-
-<file path=ppt/slides/slide22.xml><?xml version="1.0" encoding="utf-8"?>
-<p:sld xmlns:a="http://schemas.openxmlformats.org/drawingml/2006/main" xmlns:r="http://schemas.openxmlformats.org/officeDocument/2006/relationships" xmlns:p="http://schemas.openxmlformats.org/presentationml/2006/main">
-  <p:cSld>
-    <p:spTree>
-      <p:nvGrpSpPr>
-        <p:cNvPr id="1" name=""/>
-        <p:cNvGrpSpPr/>
-        <p:nvPr/>
-      </p:nvGrpSpPr>
-      <p:grpSpPr>
-        <a:xfrm>
-          <a:off x="0" y="0"/>
-          <a:ext cx="0" cy="0"/>
-          <a:chOff x="0" y="0"/>
-          <a:chExt cx="0" cy="0"/>
-        </a:xfrm>
-      </p:grpSpPr>
-      <p:sp>
-        <p:nvSpPr>
           <p:cNvPr id="8" name="Title 7">
             <a:extLst>
               <a:ext uri="{FF2B5EF4-FFF2-40B4-BE49-F238E27FC236}">
@@ -8106,7 +9538,7 @@
 </p:sld>
 </file>
 
-<file path=ppt/slides/slide23.xml><?xml version="1.0" encoding="utf-8"?>
+<file path=ppt/slides/slide28.xml><?xml version="1.0" encoding="utf-8"?>
 <p:sld xmlns:a="http://schemas.openxmlformats.org/drawingml/2006/main" xmlns:r="http://schemas.openxmlformats.org/officeDocument/2006/relationships" xmlns:p="http://schemas.openxmlformats.org/presentationml/2006/main">
   <p:cSld>
     <p:spTree>
@@ -8442,7 +9874,7 @@
 </p:sld>
 </file>
 
-<file path=ppt/slides/slide24.xml><?xml version="1.0" encoding="utf-8"?>
+<file path=ppt/slides/slide29.xml><?xml version="1.0" encoding="utf-8"?>
 <p:sld xmlns:a="http://schemas.openxmlformats.org/drawingml/2006/main" xmlns:r="http://schemas.openxmlformats.org/officeDocument/2006/relationships" xmlns:p="http://schemas.openxmlformats.org/presentationml/2006/main">
   <p:cSld>
     <p:spTree>
@@ -8754,7 +10186,7 @@
 </p:sld>
 </file>
 
-<file path=ppt/slides/slide25.xml><?xml version="1.0" encoding="utf-8"?>
+<file path=ppt/slides/slide3.xml><?xml version="1.0" encoding="utf-8"?>
 <p:sld xmlns:a="http://schemas.openxmlformats.org/drawingml/2006/main" xmlns:r="http://schemas.openxmlformats.org/officeDocument/2006/relationships" xmlns:p="http://schemas.openxmlformats.org/presentationml/2006/main">
   <p:cSld>
     <p:spTree>
@@ -8776,6 +10208,111 @@
           <p:cNvPr id="2" name="Title 1">
             <a:extLst>
               <a:ext uri="{FF2B5EF4-FFF2-40B4-BE49-F238E27FC236}">
+                <a16:creationId xmlns:a16="http://schemas.microsoft.com/office/drawing/2014/main" id="{6FF84E13-986A-ADAA-86AC-111E77CA8C69}"/>
+              </a:ext>
+            </a:extLst>
+          </p:cNvPr>
+          <p:cNvSpPr>
+            <a:spLocks noGrp="1"/>
+          </p:cNvSpPr>
+          <p:nvPr>
+            <p:ph type="title"/>
+          </p:nvPr>
+        </p:nvSpPr>
+        <p:spPr/>
+        <p:txBody>
+          <a:bodyPr/>
+          <a:lstStyle/>
+          <a:p>
+            <a:r>
+              <a:rPr lang="en-US" dirty="0"/>
+              <a:t>HPC basics</a:t>
+            </a:r>
+          </a:p>
+        </p:txBody>
+      </p:sp>
+      <p:sp>
+        <p:nvSpPr>
+          <p:cNvPr id="3" name="Content Placeholder 2">
+            <a:extLst>
+              <a:ext uri="{FF2B5EF4-FFF2-40B4-BE49-F238E27FC236}">
+                <a16:creationId xmlns:a16="http://schemas.microsoft.com/office/drawing/2014/main" id="{F5C2AD5F-B9D9-98B5-198A-0C0F2AD42FF9}"/>
+              </a:ext>
+            </a:extLst>
+          </p:cNvPr>
+          <p:cNvSpPr>
+            <a:spLocks noGrp="1"/>
+          </p:cNvSpPr>
+          <p:nvPr>
+            <p:ph idx="1"/>
+          </p:nvPr>
+        </p:nvSpPr>
+        <p:spPr/>
+        <p:txBody>
+          <a:bodyPr/>
+          <a:lstStyle/>
+          <a:p>
+            <a:r>
+              <a:rPr lang="en-US" dirty="0" err="1"/>
+              <a:t>Anunna</a:t>
+            </a:r>
+            <a:r>
+              <a:rPr lang="en-US" dirty="0"/>
+              <a:t> cluster description/basics</a:t>
+            </a:r>
+          </a:p>
+          <a:p>
+            <a:endParaRPr lang="en-US" dirty="0"/>
+          </a:p>
+          <a:p>
+            <a:r>
+              <a:rPr lang="en-US" dirty="0"/>
+              <a:t>Who has not used SLURM before?</a:t>
+            </a:r>
+          </a:p>
+          <a:p>
+            <a:endParaRPr lang="en-US" dirty="0"/>
+          </a:p>
+          <a:p>
+            <a:endParaRPr lang="en-US" dirty="0"/>
+          </a:p>
+        </p:txBody>
+      </p:sp>
+    </p:spTree>
+    <p:extLst>
+      <p:ext uri="{BB962C8B-B14F-4D97-AF65-F5344CB8AC3E}">
+        <p14:creationId xmlns:p14="http://schemas.microsoft.com/office/powerpoint/2010/main" val="489774087"/>
+      </p:ext>
+    </p:extLst>
+  </p:cSld>
+  <p:clrMapOvr>
+    <a:masterClrMapping/>
+  </p:clrMapOvr>
+</p:sld>
+</file>
+
+<file path=ppt/slides/slide30.xml><?xml version="1.0" encoding="utf-8"?>
+<p:sld xmlns:a="http://schemas.openxmlformats.org/drawingml/2006/main" xmlns:r="http://schemas.openxmlformats.org/officeDocument/2006/relationships" xmlns:p="http://schemas.openxmlformats.org/presentationml/2006/main">
+  <p:cSld>
+    <p:spTree>
+      <p:nvGrpSpPr>
+        <p:cNvPr id="1" name=""/>
+        <p:cNvGrpSpPr/>
+        <p:nvPr/>
+      </p:nvGrpSpPr>
+      <p:grpSpPr>
+        <a:xfrm>
+          <a:off x="0" y="0"/>
+          <a:ext cx="0" cy="0"/>
+          <a:chOff x="0" y="0"/>
+          <a:chExt cx="0" cy="0"/>
+        </a:xfrm>
+      </p:grpSpPr>
+      <p:sp>
+        <p:nvSpPr>
+          <p:cNvPr id="2" name="Title 1">
+            <a:extLst>
+              <a:ext uri="{FF2B5EF4-FFF2-40B4-BE49-F238E27FC236}">
                 <a16:creationId xmlns:a16="http://schemas.microsoft.com/office/drawing/2014/main" id="{738666D8-EB45-0C37-58A0-4B2C184307AE}"/>
               </a:ext>
             </a:extLst>
@@ -9001,7 +10538,7 @@
 </p:sld>
 </file>
 
-<file path=ppt/slides/slide26.xml><?xml version="1.0" encoding="utf-8"?>
+<file path=ppt/slides/slide31.xml><?xml version="1.0" encoding="utf-8"?>
 <p:sld xmlns:a="http://schemas.openxmlformats.org/drawingml/2006/main" xmlns:r="http://schemas.openxmlformats.org/officeDocument/2006/relationships" xmlns:p="http://schemas.openxmlformats.org/presentationml/2006/main">
   <p:cSld>
     <p:spTree>
@@ -9206,7 +10743,7 @@
 </p:sld>
 </file>
 
-<file path=ppt/slides/slide27.xml><?xml version="1.0" encoding="utf-8"?>
+<file path=ppt/slides/slide32.xml><?xml version="1.0" encoding="utf-8"?>
 <p:sld xmlns:a="http://schemas.openxmlformats.org/drawingml/2006/main" xmlns:r="http://schemas.openxmlformats.org/officeDocument/2006/relationships" xmlns:p="http://schemas.openxmlformats.org/presentationml/2006/main">
   <p:cSld>
     <p:spTree>
@@ -9371,7 +10908,7 @@
 </p:sld>
 </file>
 
-<file path=ppt/slides/slide28.xml><?xml version="1.0" encoding="utf-8"?>
+<file path=ppt/slides/slide33.xml><?xml version="1.0" encoding="utf-8"?>
 <p:sld xmlns:a="http://schemas.openxmlformats.org/drawingml/2006/main" xmlns:r="http://schemas.openxmlformats.org/officeDocument/2006/relationships" xmlns:p="http://schemas.openxmlformats.org/presentationml/2006/main">
   <p:cSld>
     <p:spTree>
@@ -9595,7 +11132,7 @@
 </p:sld>
 </file>
 
-<file path=ppt/slides/slide29.xml><?xml version="1.0" encoding="utf-8"?>
+<file path=ppt/slides/slide34.xml><?xml version="1.0" encoding="utf-8"?>
 <p:sld xmlns:a="http://schemas.openxmlformats.org/drawingml/2006/main" xmlns:r="http://schemas.openxmlformats.org/officeDocument/2006/relationships" xmlns:p="http://schemas.openxmlformats.org/presentationml/2006/main">
   <p:cSld>
     <p:spTree>
@@ -9759,371 +11296,7 @@
 </p:sld>
 </file>
 
-<file path=ppt/slides/slide3.xml><?xml version="1.0" encoding="utf-8"?>
-<p:sld xmlns:a="http://schemas.openxmlformats.org/drawingml/2006/main" xmlns:r="http://schemas.openxmlformats.org/officeDocument/2006/relationships" xmlns:p="http://schemas.openxmlformats.org/presentationml/2006/main">
-  <p:cSld>
-    <p:spTree>
-      <p:nvGrpSpPr>
-        <p:cNvPr id="1" name=""/>
-        <p:cNvGrpSpPr/>
-        <p:nvPr/>
-      </p:nvGrpSpPr>
-      <p:grpSpPr>
-        <a:xfrm>
-          <a:off x="0" y="0"/>
-          <a:ext cx="0" cy="0"/>
-          <a:chOff x="0" y="0"/>
-          <a:chExt cx="0" cy="0"/>
-        </a:xfrm>
-      </p:grpSpPr>
-      <p:sp>
-        <p:nvSpPr>
-          <p:cNvPr id="2" name="Title 1">
-            <a:extLst>
-              <a:ext uri="{FF2B5EF4-FFF2-40B4-BE49-F238E27FC236}">
-                <a16:creationId xmlns:a16="http://schemas.microsoft.com/office/drawing/2014/main" id="{F73BAEC7-1536-05DB-48D5-7FEB5041F481}"/>
-              </a:ext>
-            </a:extLst>
-          </p:cNvPr>
-          <p:cNvSpPr>
-            <a:spLocks noGrp="1"/>
-          </p:cNvSpPr>
-          <p:nvPr>
-            <p:ph type="title"/>
-          </p:nvPr>
-        </p:nvSpPr>
-        <p:spPr/>
-        <p:txBody>
-          <a:bodyPr/>
-          <a:lstStyle/>
-          <a:p>
-            <a:r>
-              <a:rPr lang="en-US" dirty="0"/>
-              <a:t>Recap on the PATH</a:t>
-            </a:r>
-          </a:p>
-        </p:txBody>
-      </p:sp>
-      <p:sp>
-        <p:nvSpPr>
-          <p:cNvPr id="3" name="Content Placeholder 2">
-            <a:extLst>
-              <a:ext uri="{FF2B5EF4-FFF2-40B4-BE49-F238E27FC236}">
-                <a16:creationId xmlns:a16="http://schemas.microsoft.com/office/drawing/2014/main" id="{1C0C11AF-7C13-2F3D-5EA8-0568731F0810}"/>
-              </a:ext>
-            </a:extLst>
-          </p:cNvPr>
-          <p:cNvSpPr>
-            <a:spLocks noGrp="1"/>
-          </p:cNvSpPr>
-          <p:nvPr>
-            <p:ph idx="1"/>
-          </p:nvPr>
-        </p:nvSpPr>
-        <p:spPr>
-          <a:xfrm>
-            <a:off x="838200" y="1625126"/>
-            <a:ext cx="10515600" cy="3999820"/>
-          </a:xfrm>
-        </p:spPr>
-        <p:txBody>
-          <a:bodyPr>
-            <a:normAutofit lnSpcReduction="10000"/>
-          </a:bodyPr>
-          <a:lstStyle/>
-          <a:p>
-            <a:r>
-              <a:rPr lang="en-US" dirty="0"/>
-              <a:t>$PATH:</a:t>
-            </a:r>
-          </a:p>
-          <a:p>
-            <a:pPr lvl="1"/>
-            <a:r>
-              <a:rPr lang="en-US" dirty="0"/>
-              <a:t>A </a:t>
-            </a:r>
-            <a:r>
-              <a:rPr lang="en-US" dirty="0" err="1"/>
-              <a:t>unix</a:t>
-            </a:r>
-            <a:r>
-              <a:rPr lang="en-US" dirty="0"/>
-              <a:t> environmental variable that tells the OS where to look for accessible programs</a:t>
-            </a:r>
-          </a:p>
-          <a:p>
-            <a:pPr lvl="1"/>
-            <a:r>
-              <a:rPr lang="en-US" dirty="0"/>
-              <a:t>Priority is leftmost -&gt; rightmost. (</a:t>
-            </a:r>
-            <a:r>
-              <a:rPr lang="en-US" dirty="0" err="1"/>
-              <a:t>ie</a:t>
-            </a:r>
-            <a:r>
-              <a:rPr lang="en-US" dirty="0"/>
-              <a:t>. two programs with the same name in the path, “program” in the “</a:t>
-            </a:r>
-            <a:r>
-              <a:rPr lang="en-US" dirty="0">
-                <a:solidFill>
-                  <a:srgbClr val="FF0000"/>
-                </a:solidFill>
-              </a:rPr>
-              <a:t>A</a:t>
-            </a:r>
-            <a:r>
-              <a:rPr lang="en-US" dirty="0"/>
-              <a:t>” folder will always be used over the “program” in “</a:t>
-            </a:r>
-            <a:r>
-              <a:rPr lang="en-US" dirty="0">
-                <a:solidFill>
-                  <a:srgbClr val="00B050"/>
-                </a:solidFill>
-              </a:rPr>
-              <a:t>B</a:t>
-            </a:r>
-            <a:r>
-              <a:rPr lang="en-US" dirty="0"/>
-              <a:t>”).</a:t>
-            </a:r>
-          </a:p>
-          <a:p>
-            <a:r>
-              <a:rPr lang="en-US" dirty="0"/>
-              <a:t>You can add to the PATH manually, but changes are lost when you logout.</a:t>
-            </a:r>
-          </a:p>
-        </p:txBody>
-      </p:sp>
-      <p:pic>
-        <p:nvPicPr>
-          <p:cNvPr id="5" name="Picture 4">
-            <a:extLst>
-              <a:ext uri="{FF2B5EF4-FFF2-40B4-BE49-F238E27FC236}">
-                <a16:creationId xmlns:a16="http://schemas.microsoft.com/office/drawing/2014/main" id="{16E5B2AB-34C3-1084-AF76-CB2EE791BCEB}"/>
-              </a:ext>
-            </a:extLst>
-          </p:cNvPr>
-          <p:cNvPicPr>
-            <a:picLocks noChangeAspect="1"/>
-          </p:cNvPicPr>
-          <p:nvPr/>
-        </p:nvPicPr>
-        <p:blipFill rotWithShape="1">
-          <a:blip r:embed="rId2"/>
-          <a:srcRect r="36970" b="-6809"/>
-          <a:stretch/>
-        </p:blipFill>
-        <p:spPr>
-          <a:xfrm>
-            <a:off x="-1" y="5817424"/>
-            <a:ext cx="12129487" cy="679749"/>
-          </a:xfrm>
-          <a:prstGeom prst="rect">
-            <a:avLst/>
-          </a:prstGeom>
-        </p:spPr>
-      </p:pic>
-      <p:sp>
-        <p:nvSpPr>
-          <p:cNvPr id="6" name="Rectangle 5">
-            <a:extLst>
-              <a:ext uri="{FF2B5EF4-FFF2-40B4-BE49-F238E27FC236}">
-                <a16:creationId xmlns:a16="http://schemas.microsoft.com/office/drawing/2014/main" id="{8710F9D6-21C8-CD14-0899-3F7999B5F7E1}"/>
-              </a:ext>
-            </a:extLst>
-          </p:cNvPr>
-          <p:cNvSpPr/>
-          <p:nvPr/>
-        </p:nvSpPr>
-        <p:spPr>
-          <a:xfrm>
-            <a:off x="0" y="6031345"/>
-            <a:ext cx="3574473" cy="193964"/>
-          </a:xfrm>
-          <a:prstGeom prst="rect">
-            <a:avLst/>
-          </a:prstGeom>
-          <a:noFill/>
-          <a:ln w="28575">
-            <a:solidFill>
-              <a:srgbClr val="FF0000"/>
-            </a:solidFill>
-          </a:ln>
-        </p:spPr>
-        <p:style>
-          <a:lnRef idx="2">
-            <a:schemeClr val="accent1">
-              <a:shade val="50000"/>
-            </a:schemeClr>
-          </a:lnRef>
-          <a:fillRef idx="1">
-            <a:schemeClr val="accent1"/>
-          </a:fillRef>
-          <a:effectRef idx="0">
-            <a:schemeClr val="accent1"/>
-          </a:effectRef>
-          <a:fontRef idx="minor">
-            <a:schemeClr val="lt1"/>
-          </a:fontRef>
-        </p:style>
-        <p:txBody>
-          <a:bodyPr rtlCol="0" anchor="ctr"/>
-          <a:lstStyle/>
-          <a:p>
-            <a:pPr algn="ctr"/>
-            <a:endParaRPr lang="en-US"/>
-          </a:p>
-        </p:txBody>
-      </p:sp>
-      <p:sp>
-        <p:nvSpPr>
-          <p:cNvPr id="7" name="Rectangle 6">
-            <a:extLst>
-              <a:ext uri="{FF2B5EF4-FFF2-40B4-BE49-F238E27FC236}">
-                <a16:creationId xmlns:a16="http://schemas.microsoft.com/office/drawing/2014/main" id="{EDD9C3DB-B0BB-9A14-D901-2133B061714F}"/>
-              </a:ext>
-            </a:extLst>
-          </p:cNvPr>
-          <p:cNvSpPr/>
-          <p:nvPr/>
-        </p:nvSpPr>
-        <p:spPr>
-          <a:xfrm>
-            <a:off x="3658998" y="6031345"/>
-            <a:ext cx="4142763" cy="193964"/>
-          </a:xfrm>
-          <a:prstGeom prst="rect">
-            <a:avLst/>
-          </a:prstGeom>
-          <a:noFill/>
-          <a:ln w="28575">
-            <a:solidFill>
-              <a:srgbClr val="92D050"/>
-            </a:solidFill>
-          </a:ln>
-        </p:spPr>
-        <p:style>
-          <a:lnRef idx="2">
-            <a:schemeClr val="accent1">
-              <a:shade val="50000"/>
-            </a:schemeClr>
-          </a:lnRef>
-          <a:fillRef idx="1">
-            <a:schemeClr val="accent1"/>
-          </a:fillRef>
-          <a:effectRef idx="0">
-            <a:schemeClr val="accent1"/>
-          </a:effectRef>
-          <a:fontRef idx="minor">
-            <a:schemeClr val="lt1"/>
-          </a:fontRef>
-        </p:style>
-        <p:txBody>
-          <a:bodyPr rtlCol="0" anchor="ctr"/>
-          <a:lstStyle/>
-          <a:p>
-            <a:pPr algn="ctr"/>
-            <a:endParaRPr lang="en-US"/>
-          </a:p>
-        </p:txBody>
-      </p:sp>
-      <p:sp>
-        <p:nvSpPr>
-          <p:cNvPr id="8" name="TextBox 7">
-            <a:extLst>
-              <a:ext uri="{FF2B5EF4-FFF2-40B4-BE49-F238E27FC236}">
-                <a16:creationId xmlns:a16="http://schemas.microsoft.com/office/drawing/2014/main" id="{949731CE-5FDD-BC82-2458-B54C6C1CCBF9}"/>
-              </a:ext>
-            </a:extLst>
-          </p:cNvPr>
-          <p:cNvSpPr txBox="1"/>
-          <p:nvPr/>
-        </p:nvSpPr>
-        <p:spPr>
-          <a:xfrm>
-            <a:off x="1283515" y="6457481"/>
-            <a:ext cx="362600" cy="461665"/>
-          </a:xfrm>
-          <a:prstGeom prst="rect">
-            <a:avLst/>
-          </a:prstGeom>
-          <a:noFill/>
-        </p:spPr>
-        <p:txBody>
-          <a:bodyPr wrap="none" rtlCol="0">
-            <a:spAutoFit/>
-          </a:bodyPr>
-          <a:lstStyle/>
-          <a:p>
-            <a:r>
-              <a:rPr lang="en-US" sz="2400" dirty="0">
-                <a:solidFill>
-                  <a:srgbClr val="FF0000"/>
-                </a:solidFill>
-              </a:rPr>
-              <a:t>A</a:t>
-            </a:r>
-          </a:p>
-        </p:txBody>
-      </p:sp>
-      <p:sp>
-        <p:nvSpPr>
-          <p:cNvPr id="9" name="TextBox 8">
-            <a:extLst>
-              <a:ext uri="{FF2B5EF4-FFF2-40B4-BE49-F238E27FC236}">
-                <a16:creationId xmlns:a16="http://schemas.microsoft.com/office/drawing/2014/main" id="{C5052A2E-100D-C3EC-C621-068F7C2370F1}"/>
-              </a:ext>
-            </a:extLst>
-          </p:cNvPr>
-          <p:cNvSpPr txBox="1"/>
-          <p:nvPr/>
-        </p:nvSpPr>
-        <p:spPr>
-          <a:xfrm>
-            <a:off x="5125673" y="6439230"/>
-            <a:ext cx="351378" cy="461665"/>
-          </a:xfrm>
-          <a:prstGeom prst="rect">
-            <a:avLst/>
-          </a:prstGeom>
-          <a:noFill/>
-        </p:spPr>
-        <p:txBody>
-          <a:bodyPr wrap="none" rtlCol="0">
-            <a:spAutoFit/>
-          </a:bodyPr>
-          <a:lstStyle/>
-          <a:p>
-            <a:r>
-              <a:rPr lang="en-US" sz="2400" dirty="0">
-                <a:solidFill>
-                  <a:srgbClr val="00B050"/>
-                </a:solidFill>
-              </a:rPr>
-              <a:t>B</a:t>
-            </a:r>
-          </a:p>
-        </p:txBody>
-      </p:sp>
-    </p:spTree>
-    <p:extLst>
-      <p:ext uri="{BB962C8B-B14F-4D97-AF65-F5344CB8AC3E}">
-        <p14:creationId xmlns:p14="http://schemas.microsoft.com/office/powerpoint/2010/main" val="2848082992"/>
-      </p:ext>
-    </p:extLst>
-  </p:cSld>
-  <p:clrMapOvr>
-    <a:masterClrMapping/>
-  </p:clrMapOvr>
-</p:sld>
-</file>
-
-<file path=ppt/slides/slide30.xml><?xml version="1.0" encoding="utf-8"?>
+<file path=ppt/slides/slide35.xml><?xml version="1.0" encoding="utf-8"?>
 <p:sld xmlns:a="http://schemas.openxmlformats.org/drawingml/2006/main" xmlns:r="http://schemas.openxmlformats.org/officeDocument/2006/relationships" xmlns:p="http://schemas.openxmlformats.org/presentationml/2006/main">
   <p:cSld>
     <p:spTree>
@@ -10341,7 +11514,7 @@
 </p:sld>
 </file>
 
-<file path=ppt/slides/slide31.xml><?xml version="1.0" encoding="utf-8"?>
+<file path=ppt/slides/slide36.xml><?xml version="1.0" encoding="utf-8"?>
 <p:sld xmlns:a="http://schemas.openxmlformats.org/drawingml/2006/main" xmlns:r="http://schemas.openxmlformats.org/officeDocument/2006/relationships" xmlns:p="http://schemas.openxmlformats.org/presentationml/2006/main">
   <p:cSld>
     <p:spTree>
@@ -10535,7 +11708,7 @@
 </p:sld>
 </file>
 
-<file path=ppt/slides/slide32.xml><?xml version="1.0" encoding="utf-8"?>
+<file path=ppt/slides/slide37.xml><?xml version="1.0" encoding="utf-8"?>
 <p:sld xmlns:a="http://schemas.openxmlformats.org/drawingml/2006/main" xmlns:r="http://schemas.openxmlformats.org/officeDocument/2006/relationships" xmlns:p="http://schemas.openxmlformats.org/presentationml/2006/main">
   <p:cSld>
     <p:spTree>
@@ -10729,7 +11902,7 @@
 </p:sld>
 </file>
 
-<file path=ppt/slides/slide33.xml><?xml version="1.0" encoding="utf-8"?>
+<file path=ppt/slides/slide38.xml><?xml version="1.0" encoding="utf-8"?>
 <p:sld xmlns:a="http://schemas.openxmlformats.org/drawingml/2006/main" xmlns:r="http://schemas.openxmlformats.org/officeDocument/2006/relationships" xmlns:p="http://schemas.openxmlformats.org/presentationml/2006/main">
   <p:cSld>
     <p:spTree>
@@ -10895,6 +12068,168 @@
 </p:sld>
 </file>
 
+<file path=ppt/slides/slide39.xml><?xml version="1.0" encoding="utf-8"?>
+<p:sld xmlns:a="http://schemas.openxmlformats.org/drawingml/2006/main" xmlns:r="http://schemas.openxmlformats.org/officeDocument/2006/relationships" xmlns:p="http://schemas.openxmlformats.org/presentationml/2006/main">
+  <p:cSld>
+    <p:spTree>
+      <p:nvGrpSpPr>
+        <p:cNvPr id="1" name=""/>
+        <p:cNvGrpSpPr/>
+        <p:nvPr/>
+      </p:nvGrpSpPr>
+      <p:grpSpPr>
+        <a:xfrm>
+          <a:off x="0" y="0"/>
+          <a:ext cx="0" cy="0"/>
+          <a:chOff x="0" y="0"/>
+          <a:chExt cx="0" cy="0"/>
+        </a:xfrm>
+      </p:grpSpPr>
+      <p:sp>
+        <p:nvSpPr>
+          <p:cNvPr id="2" name="Title 1">
+            <a:extLst>
+              <a:ext uri="{FF2B5EF4-FFF2-40B4-BE49-F238E27FC236}">
+                <a16:creationId xmlns:a16="http://schemas.microsoft.com/office/drawing/2014/main" id="{3107D791-B39D-9159-5A23-55CC51C09F5B}"/>
+              </a:ext>
+            </a:extLst>
+          </p:cNvPr>
+          <p:cNvSpPr>
+            <a:spLocks noGrp="1"/>
+          </p:cNvSpPr>
+          <p:nvPr>
+            <p:ph type="title"/>
+          </p:nvPr>
+        </p:nvSpPr>
+        <p:spPr/>
+        <p:txBody>
+          <a:bodyPr/>
+          <a:lstStyle/>
+          <a:p>
+            <a:r>
+              <a:rPr lang="en-US" dirty="0"/>
+              <a:t>Lesson 3: chaining rules</a:t>
+            </a:r>
+          </a:p>
+        </p:txBody>
+      </p:sp>
+      <p:sp>
+        <p:nvSpPr>
+          <p:cNvPr id="3" name="Content Placeholder 2">
+            <a:extLst>
+              <a:ext uri="{FF2B5EF4-FFF2-40B4-BE49-F238E27FC236}">
+                <a16:creationId xmlns:a16="http://schemas.microsoft.com/office/drawing/2014/main" id="{7EF0F53C-B71B-B188-1FF8-9C6FB57648F3}"/>
+              </a:ext>
+            </a:extLst>
+          </p:cNvPr>
+          <p:cNvSpPr>
+            <a:spLocks noGrp="1"/>
+          </p:cNvSpPr>
+          <p:nvPr>
+            <p:ph sz="half" idx="1"/>
+          </p:nvPr>
+        </p:nvSpPr>
+        <p:spPr>
+          <a:xfrm>
+            <a:off x="838200" y="1625125"/>
+            <a:ext cx="6992930" cy="4551838"/>
+          </a:xfrm>
+        </p:spPr>
+        <p:txBody>
+          <a:bodyPr>
+            <a:normAutofit fontScale="92500" lnSpcReduction="20000"/>
+          </a:bodyPr>
+          <a:lstStyle/>
+          <a:p>
+            <a:r>
+              <a:rPr lang="en-US" dirty="0"/>
+              <a:t>The real power of </a:t>
+            </a:r>
+            <a:r>
+              <a:rPr lang="en-US" dirty="0" err="1"/>
+              <a:t>snakemake</a:t>
+            </a:r>
+            <a:r>
+              <a:rPr lang="en-US" dirty="0"/>
+              <a:t> is in automating unconnected rules</a:t>
+            </a:r>
+          </a:p>
+          <a:p>
+            <a:endParaRPr lang="en-US" dirty="0"/>
+          </a:p>
+          <a:p>
+            <a:r>
+              <a:rPr lang="en-US" dirty="0"/>
+              <a:t>The </a:t>
+            </a:r>
+            <a:r>
+              <a:rPr lang="en-US" dirty="0" err="1"/>
+              <a:t>snakemake</a:t>
+            </a:r>
+            <a:r>
+              <a:rPr lang="en-US" dirty="0"/>
+              <a:t> rule development process is quite easy and allows for iterative development (write a rule, run it, then write the next rule)</a:t>
+            </a:r>
+          </a:p>
+          <a:p>
+            <a:endParaRPr lang="en-US" dirty="0"/>
+          </a:p>
+          <a:p>
+            <a:r>
+              <a:rPr lang="en-US" dirty="0"/>
+              <a:t>Once you are finished, the pipeline can be used for other tasks!</a:t>
+            </a:r>
+          </a:p>
+        </p:txBody>
+      </p:sp>
+      <p:pic>
+        <p:nvPicPr>
+          <p:cNvPr id="5" name="Content Placeholder 8" descr="Diagram&#10;&#10;Description automatically generated">
+            <a:extLst>
+              <a:ext uri="{FF2B5EF4-FFF2-40B4-BE49-F238E27FC236}">
+                <a16:creationId xmlns:a16="http://schemas.microsoft.com/office/drawing/2014/main" id="{F05AA8C2-53DB-3236-0CCB-98319A3901C4}"/>
+              </a:ext>
+            </a:extLst>
+          </p:cNvPr>
+          <p:cNvPicPr>
+            <a:picLocks noGrp="1" noChangeAspect="1"/>
+          </p:cNvPicPr>
+          <p:nvPr>
+            <p:ph sz="half" idx="2"/>
+          </p:nvPr>
+        </p:nvPicPr>
+        <p:blipFill>
+          <a:blip r:embed="rId2">
+            <a:extLst>
+              <a:ext uri="{28A0092B-C50C-407E-A947-70E740481C1C}">
+                <a14:useLocalDpi xmlns:a14="http://schemas.microsoft.com/office/drawing/2010/main" val="0"/>
+              </a:ext>
+            </a:extLst>
+          </a:blip>
+          <a:stretch>
+            <a:fillRect/>
+          </a:stretch>
+        </p:blipFill>
+        <p:spPr>
+          <a:xfrm>
+            <a:off x="8374055" y="542095"/>
+            <a:ext cx="2436820" cy="5773809"/>
+          </a:xfrm>
+        </p:spPr>
+      </p:pic>
+    </p:spTree>
+    <p:extLst>
+      <p:ext uri="{BB962C8B-B14F-4D97-AF65-F5344CB8AC3E}">
+        <p14:creationId xmlns:p14="http://schemas.microsoft.com/office/powerpoint/2010/main" val="2215628402"/>
+      </p:ext>
+    </p:extLst>
+  </p:cSld>
+  <p:clrMapOvr>
+    <a:masterClrMapping/>
+  </p:clrMapOvr>
+</p:sld>
+</file>
+
 <file path=ppt/slides/slide4.xml><?xml version="1.0" encoding="utf-8"?>
 <p:sld xmlns:a="http://schemas.openxmlformats.org/drawingml/2006/main" xmlns:r="http://schemas.openxmlformats.org/officeDocument/2006/relationships" xmlns:p="http://schemas.openxmlformats.org/presentationml/2006/main">
   <p:cSld>
@@ -10917,7 +12252,7 @@
           <p:cNvPr id="2" name="Title 1">
             <a:extLst>
               <a:ext uri="{FF2B5EF4-FFF2-40B4-BE49-F238E27FC236}">
-                <a16:creationId xmlns:a16="http://schemas.microsoft.com/office/drawing/2014/main" id="{66399B6D-6536-5A2F-0F2C-D2AC819ECE81}"/>
+                <a16:creationId xmlns:a16="http://schemas.microsoft.com/office/drawing/2014/main" id="{196D75D1-AD86-2195-B568-78CE8BB06A54}"/>
               </a:ext>
             </a:extLst>
           </p:cNvPr>
@@ -10935,21 +12270,17 @@
           <a:p>
             <a:r>
               <a:rPr lang="en-US" dirty="0"/>
-              <a:t>Program or </a:t>
-            </a:r>
-            <a:r>
-              <a:rPr lang="en-US"/>
-              <a:t>requirement collisions</a:t>
-            </a:r>
-          </a:p>
-        </p:txBody>
-      </p:sp>
-      <p:sp>
-        <p:nvSpPr>
-          <p:cNvPr id="4" name="Content Placeholder 3">
-            <a:extLst>
-              <a:ext uri="{FF2B5EF4-FFF2-40B4-BE49-F238E27FC236}">
-                <a16:creationId xmlns:a16="http://schemas.microsoft.com/office/drawing/2014/main" id="{A9AE7286-F660-9C69-6CE0-EB9ADC6C85B5}"/>
+              <a:t>HPC advanced topics</a:t>
+            </a:r>
+          </a:p>
+        </p:txBody>
+      </p:sp>
+      <p:sp>
+        <p:nvSpPr>
+          <p:cNvPr id="3" name="Content Placeholder 2">
+            <a:extLst>
+              <a:ext uri="{FF2B5EF4-FFF2-40B4-BE49-F238E27FC236}">
+                <a16:creationId xmlns:a16="http://schemas.microsoft.com/office/drawing/2014/main" id="{974E0F8C-9341-75F3-7B4C-CAC0C8820AEF}"/>
               </a:ext>
             </a:extLst>
           </p:cNvPr>
@@ -10957,15 +12288,762 @@
             <a:spLocks noGrp="1"/>
           </p:cNvSpPr>
           <p:nvPr>
-            <p:ph sz="half" idx="1"/>
+            <p:ph idx="1"/>
+          </p:nvPr>
+        </p:nvSpPr>
+        <p:spPr/>
+        <p:txBody>
+          <a:bodyPr/>
+          <a:lstStyle/>
+          <a:p>
+            <a:r>
+              <a:rPr lang="en-US" dirty="0"/>
+              <a:t>Examples of tough jobs that might need to be debugged?</a:t>
+            </a:r>
+          </a:p>
+          <a:p>
+            <a:endParaRPr lang="en-US" dirty="0"/>
+          </a:p>
+          <a:p>
+            <a:r>
+              <a:rPr lang="en-US" dirty="0"/>
+              <a:t>Anyone currently using job arrays? </a:t>
+            </a:r>
+          </a:p>
+          <a:p>
+            <a:endParaRPr lang="en-US" dirty="0"/>
+          </a:p>
+          <a:p>
+            <a:r>
+              <a:rPr lang="en-US" dirty="0"/>
+              <a:t>Examples of “dependency chaining?”</a:t>
+            </a:r>
+          </a:p>
+        </p:txBody>
+      </p:sp>
+    </p:spTree>
+    <p:extLst>
+      <p:ext uri="{BB962C8B-B14F-4D97-AF65-F5344CB8AC3E}">
+        <p14:creationId xmlns:p14="http://schemas.microsoft.com/office/powerpoint/2010/main" val="4284326211"/>
+      </p:ext>
+    </p:extLst>
+  </p:cSld>
+  <p:clrMapOvr>
+    <a:masterClrMapping/>
+  </p:clrMapOvr>
+</p:sld>
+</file>
+
+<file path=ppt/slides/slide40.xml><?xml version="1.0" encoding="utf-8"?>
+<p:sld xmlns:a="http://schemas.openxmlformats.org/drawingml/2006/main" xmlns:r="http://schemas.openxmlformats.org/officeDocument/2006/relationships" xmlns:p="http://schemas.openxmlformats.org/presentationml/2006/main">
+  <p:cSld>
+    <p:spTree>
+      <p:nvGrpSpPr>
+        <p:cNvPr id="1" name=""/>
+        <p:cNvGrpSpPr/>
+        <p:nvPr/>
+      </p:nvGrpSpPr>
+      <p:grpSpPr>
+        <a:xfrm>
+          <a:off x="0" y="0"/>
+          <a:ext cx="0" cy="0"/>
+          <a:chOff x="0" y="0"/>
+          <a:chExt cx="0" cy="0"/>
+        </a:xfrm>
+      </p:grpSpPr>
+      <p:sp>
+        <p:nvSpPr>
+          <p:cNvPr id="2" name="Title 1">
+            <a:extLst>
+              <a:ext uri="{FF2B5EF4-FFF2-40B4-BE49-F238E27FC236}">
+                <a16:creationId xmlns:a16="http://schemas.microsoft.com/office/drawing/2014/main" id="{B2F0F200-7051-8D24-A0F4-E24EE95DAAD6}"/>
+              </a:ext>
+            </a:extLst>
+          </p:cNvPr>
+          <p:cNvSpPr>
+            <a:spLocks noGrp="1"/>
+          </p:cNvSpPr>
+          <p:nvPr>
+            <p:ph type="title"/>
+          </p:nvPr>
+        </p:nvSpPr>
+        <p:spPr/>
+        <p:txBody>
+          <a:bodyPr/>
+          <a:lstStyle/>
+          <a:p>
+            <a:r>
+              <a:rPr lang="en-US" dirty="0"/>
+              <a:t>Lesson 3: Building on your previous example</a:t>
+            </a:r>
+          </a:p>
+        </p:txBody>
+      </p:sp>
+      <p:sp>
+        <p:nvSpPr>
+          <p:cNvPr id="5" name="Content Placeholder 4">
+            <a:extLst>
+              <a:ext uri="{FF2B5EF4-FFF2-40B4-BE49-F238E27FC236}">
+                <a16:creationId xmlns:a16="http://schemas.microsoft.com/office/drawing/2014/main" id="{CB47DD71-1E77-B5EF-ECF7-DA3AC4B54740}"/>
+              </a:ext>
+            </a:extLst>
+          </p:cNvPr>
+          <p:cNvSpPr>
+            <a:spLocks noGrp="1"/>
+          </p:cNvSpPr>
+          <p:nvPr>
+            <p:ph idx="1"/>
           </p:nvPr>
         </p:nvSpPr>
         <p:spPr>
           <a:xfrm>
-            <a:off x="191293" y="1652358"/>
-            <a:ext cx="4232564" cy="5044005"/>
+            <a:off x="838200" y="1625125"/>
+            <a:ext cx="10515600" cy="5118575"/>
           </a:xfrm>
         </p:spPr>
+        <p:txBody>
+          <a:bodyPr>
+            <a:normAutofit fontScale="92500" lnSpcReduction="10000"/>
+          </a:bodyPr>
+          <a:lstStyle/>
+          <a:p>
+            <a:r>
+              <a:rPr lang="en-US" dirty="0"/>
+              <a:t>We are going to automate a typical sequence data alignment workflow. To keep things easy, I have created scripts to run the main tasks for you </a:t>
+            </a:r>
+          </a:p>
+          <a:p>
+            <a:endParaRPr lang="en-US" dirty="0"/>
+          </a:p>
+          <a:p>
+            <a:r>
+              <a:rPr lang="en-US" dirty="0"/>
+              <a:t>Order of operations: </a:t>
+            </a:r>
+          </a:p>
+          <a:p>
+            <a:pPr lvl="1"/>
+            <a:r>
+              <a:rPr lang="en-US" dirty="0"/>
+              <a:t>1. Generate QC assessment of sequence data (</a:t>
+            </a:r>
+            <a:r>
+              <a:rPr lang="en-US" dirty="0" err="1"/>
+              <a:t>fastq</a:t>
+            </a:r>
+            <a:r>
+              <a:rPr lang="en-US" dirty="0"/>
+              <a:t> files)</a:t>
+            </a:r>
+          </a:p>
+          <a:p>
+            <a:pPr lvl="1"/>
+            <a:r>
+              <a:rPr lang="en-US" dirty="0"/>
+              <a:t>2. Align sequence files (</a:t>
+            </a:r>
+            <a:r>
+              <a:rPr lang="en-US" dirty="0" err="1"/>
+              <a:t>fastq</a:t>
+            </a:r>
+            <a:r>
+              <a:rPr lang="en-US" dirty="0"/>
+              <a:t>) to the reference genome (</a:t>
+            </a:r>
+            <a:r>
+              <a:rPr lang="en-US" dirty="0" err="1"/>
+              <a:t>fasta</a:t>
+            </a:r>
+            <a:r>
+              <a:rPr lang="en-US" dirty="0"/>
+              <a:t>) to create a BAM file</a:t>
+            </a:r>
+          </a:p>
+          <a:p>
+            <a:pPr lvl="1"/>
+            <a:r>
+              <a:rPr lang="en-US" dirty="0"/>
+              <a:t>3. Consolidate all BAM files together</a:t>
+            </a:r>
+          </a:p>
+          <a:p>
+            <a:pPr lvl="1"/>
+            <a:r>
+              <a:rPr lang="en-US" dirty="0"/>
+              <a:t>4. Generate statistics on that BAM file</a:t>
+            </a:r>
+          </a:p>
+        </p:txBody>
+      </p:sp>
+    </p:spTree>
+    <p:extLst>
+      <p:ext uri="{BB962C8B-B14F-4D97-AF65-F5344CB8AC3E}">
+        <p14:creationId xmlns:p14="http://schemas.microsoft.com/office/powerpoint/2010/main" val="209917485"/>
+      </p:ext>
+    </p:extLst>
+  </p:cSld>
+  <p:clrMapOvr>
+    <a:masterClrMapping/>
+  </p:clrMapOvr>
+</p:sld>
+</file>
+
+<file path=ppt/slides/slide41.xml><?xml version="1.0" encoding="utf-8"?>
+<p:sld xmlns:a="http://schemas.openxmlformats.org/drawingml/2006/main" xmlns:r="http://schemas.openxmlformats.org/officeDocument/2006/relationships" xmlns:p="http://schemas.openxmlformats.org/presentationml/2006/main">
+  <p:cSld>
+    <p:spTree>
+      <p:nvGrpSpPr>
+        <p:cNvPr id="1" name=""/>
+        <p:cNvGrpSpPr/>
+        <p:nvPr/>
+      </p:nvGrpSpPr>
+      <p:grpSpPr>
+        <a:xfrm>
+          <a:off x="0" y="0"/>
+          <a:ext cx="0" cy="0"/>
+          <a:chOff x="0" y="0"/>
+          <a:chExt cx="0" cy="0"/>
+        </a:xfrm>
+      </p:grpSpPr>
+      <p:sp>
+        <p:nvSpPr>
+          <p:cNvPr id="2" name="Title 1">
+            <a:extLst>
+              <a:ext uri="{FF2B5EF4-FFF2-40B4-BE49-F238E27FC236}">
+                <a16:creationId xmlns:a16="http://schemas.microsoft.com/office/drawing/2014/main" id="{42A6281A-4624-14F6-44AB-4D4A285F8E29}"/>
+              </a:ext>
+            </a:extLst>
+          </p:cNvPr>
+          <p:cNvSpPr>
+            <a:spLocks noGrp="1"/>
+          </p:cNvSpPr>
+          <p:nvPr>
+            <p:ph type="title"/>
+          </p:nvPr>
+        </p:nvSpPr>
+        <p:spPr/>
+        <p:txBody>
+          <a:bodyPr/>
+          <a:lstStyle/>
+          <a:p>
+            <a:r>
+              <a:rPr lang="en-US" dirty="0"/>
+              <a:t>Lesson 3: Topic consolidation</a:t>
+            </a:r>
+          </a:p>
+        </p:txBody>
+      </p:sp>
+      <p:sp>
+        <p:nvSpPr>
+          <p:cNvPr id="3" name="Content Placeholder 2">
+            <a:extLst>
+              <a:ext uri="{FF2B5EF4-FFF2-40B4-BE49-F238E27FC236}">
+                <a16:creationId xmlns:a16="http://schemas.microsoft.com/office/drawing/2014/main" id="{E9211232-841B-F010-0E0E-83719CB01560}"/>
+              </a:ext>
+            </a:extLst>
+          </p:cNvPr>
+          <p:cNvSpPr>
+            <a:spLocks noGrp="1"/>
+          </p:cNvSpPr>
+          <p:nvPr>
+            <p:ph idx="1"/>
+          </p:nvPr>
+        </p:nvSpPr>
+        <p:spPr/>
+        <p:txBody>
+          <a:bodyPr/>
+          <a:lstStyle/>
+          <a:p>
+            <a:r>
+              <a:rPr lang="en-US" dirty="0"/>
+              <a:t>Based on that workflow, you can already see that we need to eventually “merge” (or consolidate) files towards the end of the workflow</a:t>
+            </a:r>
+          </a:p>
+          <a:p>
+            <a:endParaRPr lang="en-US" dirty="0"/>
+          </a:p>
+          <a:p>
+            <a:r>
+              <a:rPr lang="en-US" dirty="0"/>
+              <a:t>If we know the file prefix names, or the number of files we need, we can use the “expand” keyword to gather all files as our input like so:</a:t>
+            </a:r>
+          </a:p>
+        </p:txBody>
+      </p:sp>
+      <p:pic>
+        <p:nvPicPr>
+          <p:cNvPr id="5" name="Picture 4">
+            <a:extLst>
+              <a:ext uri="{FF2B5EF4-FFF2-40B4-BE49-F238E27FC236}">
+                <a16:creationId xmlns:a16="http://schemas.microsoft.com/office/drawing/2014/main" id="{5AE4D3E6-FDC0-9955-26D1-DAEA0F54C6D2}"/>
+              </a:ext>
+            </a:extLst>
+          </p:cNvPr>
+          <p:cNvPicPr>
+            <a:picLocks noChangeAspect="1"/>
+          </p:cNvPicPr>
+          <p:nvPr/>
+        </p:nvPicPr>
+        <p:blipFill>
+          <a:blip r:embed="rId2"/>
+          <a:stretch>
+            <a:fillRect/>
+          </a:stretch>
+        </p:blipFill>
+        <p:spPr>
+          <a:xfrm>
+            <a:off x="4075081" y="5067438"/>
+            <a:ext cx="6829425" cy="1552575"/>
+          </a:xfrm>
+          <a:prstGeom prst="rect">
+            <a:avLst/>
+          </a:prstGeom>
+        </p:spPr>
+      </p:pic>
+    </p:spTree>
+    <p:extLst>
+      <p:ext uri="{BB962C8B-B14F-4D97-AF65-F5344CB8AC3E}">
+        <p14:creationId xmlns:p14="http://schemas.microsoft.com/office/powerpoint/2010/main" val="3292734911"/>
+      </p:ext>
+    </p:extLst>
+  </p:cSld>
+  <p:clrMapOvr>
+    <a:masterClrMapping/>
+  </p:clrMapOvr>
+</p:sld>
+</file>
+
+<file path=ppt/slides/slide42.xml><?xml version="1.0" encoding="utf-8"?>
+<p:sld xmlns:a="http://schemas.openxmlformats.org/drawingml/2006/main" xmlns:r="http://schemas.openxmlformats.org/officeDocument/2006/relationships" xmlns:p="http://schemas.openxmlformats.org/presentationml/2006/main">
+  <p:cSld>
+    <p:spTree>
+      <p:nvGrpSpPr>
+        <p:cNvPr id="1" name=""/>
+        <p:cNvGrpSpPr/>
+        <p:nvPr/>
+      </p:nvGrpSpPr>
+      <p:grpSpPr>
+        <a:xfrm>
+          <a:off x="0" y="0"/>
+          <a:ext cx="0" cy="0"/>
+          <a:chOff x="0" y="0"/>
+          <a:chExt cx="0" cy="0"/>
+        </a:xfrm>
+      </p:grpSpPr>
+      <p:sp>
+        <p:nvSpPr>
+          <p:cNvPr id="2" name="Title 1">
+            <a:extLst>
+              <a:ext uri="{FF2B5EF4-FFF2-40B4-BE49-F238E27FC236}">
+                <a16:creationId xmlns:a16="http://schemas.microsoft.com/office/drawing/2014/main" id="{0B7FECFF-6715-3713-EAC0-E4E9397FBAFB}"/>
+              </a:ext>
+            </a:extLst>
+          </p:cNvPr>
+          <p:cNvSpPr>
+            <a:spLocks noGrp="1"/>
+          </p:cNvSpPr>
+          <p:nvPr>
+            <p:ph type="title"/>
+          </p:nvPr>
+        </p:nvSpPr>
+        <p:spPr/>
+        <p:txBody>
+          <a:bodyPr/>
+          <a:lstStyle/>
+          <a:p>
+            <a:r>
+              <a:rPr lang="en-US" dirty="0"/>
+              <a:t>Lesson 3: Topic consolidation (</a:t>
+            </a:r>
+            <a:r>
+              <a:rPr lang="en-US" dirty="0" err="1"/>
+              <a:t>cont</a:t>
+            </a:r>
+            <a:r>
+              <a:rPr lang="en-US" dirty="0"/>
+              <a:t>)</a:t>
+            </a:r>
+          </a:p>
+        </p:txBody>
+      </p:sp>
+      <p:sp>
+        <p:nvSpPr>
+          <p:cNvPr id="3" name="Content Placeholder 2">
+            <a:extLst>
+              <a:ext uri="{FF2B5EF4-FFF2-40B4-BE49-F238E27FC236}">
+                <a16:creationId xmlns:a16="http://schemas.microsoft.com/office/drawing/2014/main" id="{5D8E1099-CEF0-E558-B0FE-384FEA014C0F}"/>
+              </a:ext>
+            </a:extLst>
+          </p:cNvPr>
+          <p:cNvSpPr>
+            <a:spLocks noGrp="1"/>
+          </p:cNvSpPr>
+          <p:nvPr>
+            <p:ph idx="1"/>
+          </p:nvPr>
+        </p:nvSpPr>
+        <p:spPr/>
+        <p:txBody>
+          <a:bodyPr/>
+          <a:lstStyle/>
+          <a:p>
+            <a:r>
+              <a:rPr lang="en-US" dirty="0"/>
+              <a:t>Note that the expand statement is in the “input” section, and a single file is in the “output” section. Here is the following rule for </a:t>
+            </a:r>
+            <a:r>
+              <a:rPr lang="en-US" dirty="0" err="1"/>
+              <a:t>Snakemake</a:t>
+            </a:r>
+            <a:r>
+              <a:rPr lang="en-US" dirty="0"/>
+              <a:t> to consolidate (or expand) your files/processes:</a:t>
+            </a:r>
+          </a:p>
+          <a:p>
+            <a:endParaRPr lang="en-US" dirty="0"/>
+          </a:p>
+        </p:txBody>
+      </p:sp>
+      <p:sp>
+        <p:nvSpPr>
+          <p:cNvPr id="4" name="Isosceles Triangle 3">
+            <a:extLst>
+              <a:ext uri="{FF2B5EF4-FFF2-40B4-BE49-F238E27FC236}">
+                <a16:creationId xmlns:a16="http://schemas.microsoft.com/office/drawing/2014/main" id="{7C17B6F6-17B1-177D-A5C5-F1B2A779C876}"/>
+              </a:ext>
+            </a:extLst>
+          </p:cNvPr>
+          <p:cNvSpPr/>
+          <p:nvPr/>
+        </p:nvSpPr>
+        <p:spPr>
+          <a:xfrm>
+            <a:off x="2734322" y="4190260"/>
+            <a:ext cx="1793289" cy="1455938"/>
+          </a:xfrm>
+          <a:prstGeom prst="triangle">
+            <a:avLst/>
+          </a:prstGeom>
+        </p:spPr>
+        <p:style>
+          <a:lnRef idx="2">
+            <a:schemeClr val="accent1">
+              <a:shade val="50000"/>
+            </a:schemeClr>
+          </a:lnRef>
+          <a:fillRef idx="1">
+            <a:schemeClr val="accent1"/>
+          </a:fillRef>
+          <a:effectRef idx="0">
+            <a:schemeClr val="accent1"/>
+          </a:effectRef>
+          <a:fontRef idx="minor">
+            <a:schemeClr val="lt1"/>
+          </a:fontRef>
+        </p:style>
+        <p:txBody>
+          <a:bodyPr rtlCol="0" anchor="ctr"/>
+          <a:lstStyle/>
+          <a:p>
+            <a:pPr algn="ctr"/>
+            <a:endParaRPr lang="en-US"/>
+          </a:p>
+        </p:txBody>
+      </p:sp>
+      <p:sp>
+        <p:nvSpPr>
+          <p:cNvPr id="5" name="TextBox 4">
+            <a:extLst>
+              <a:ext uri="{FF2B5EF4-FFF2-40B4-BE49-F238E27FC236}">
+                <a16:creationId xmlns:a16="http://schemas.microsoft.com/office/drawing/2014/main" id="{95A340F0-0E24-AD7E-4680-0D00145253D8}"/>
+              </a:ext>
+            </a:extLst>
+          </p:cNvPr>
+          <p:cNvSpPr txBox="1"/>
+          <p:nvPr/>
+        </p:nvSpPr>
+        <p:spPr>
+          <a:xfrm>
+            <a:off x="168676" y="4101484"/>
+            <a:ext cx="2723823" cy="400110"/>
+          </a:xfrm>
+          <a:prstGeom prst="rect">
+            <a:avLst/>
+          </a:prstGeom>
+          <a:noFill/>
+        </p:spPr>
+        <p:txBody>
+          <a:bodyPr wrap="none" rtlCol="0">
+            <a:spAutoFit/>
+          </a:bodyPr>
+          <a:lstStyle/>
+          <a:p>
+            <a:r>
+              <a:rPr lang="en-US" sz="2000" dirty="0">
+                <a:solidFill>
+                  <a:schemeClr val="bg1"/>
+                </a:solidFill>
+                <a:highlight>
+                  <a:srgbClr val="000000"/>
+                </a:highlight>
+                <a:latin typeface="Consolas" panose="020B0609020204030204" pitchFamily="49" charset="0"/>
+              </a:rPr>
+              <a:t>Input: single file</a:t>
+            </a:r>
+          </a:p>
+        </p:txBody>
+      </p:sp>
+      <p:sp>
+        <p:nvSpPr>
+          <p:cNvPr id="6" name="TextBox 5">
+            <a:extLst>
+              <a:ext uri="{FF2B5EF4-FFF2-40B4-BE49-F238E27FC236}">
+                <a16:creationId xmlns:a16="http://schemas.microsoft.com/office/drawing/2014/main" id="{2005700C-58E0-CB7B-F239-7994F731787D}"/>
+              </a:ext>
+            </a:extLst>
+          </p:cNvPr>
+          <p:cNvSpPr txBox="1"/>
+          <p:nvPr/>
+        </p:nvSpPr>
+        <p:spPr>
+          <a:xfrm>
+            <a:off x="168675" y="5334864"/>
+            <a:ext cx="2441694" cy="400110"/>
+          </a:xfrm>
+          <a:prstGeom prst="rect">
+            <a:avLst/>
+          </a:prstGeom>
+          <a:noFill/>
+        </p:spPr>
+        <p:txBody>
+          <a:bodyPr wrap="none" rtlCol="0">
+            <a:spAutoFit/>
+          </a:bodyPr>
+          <a:lstStyle/>
+          <a:p>
+            <a:r>
+              <a:rPr lang="en-US" sz="2000" dirty="0">
+                <a:solidFill>
+                  <a:schemeClr val="bg1"/>
+                </a:solidFill>
+                <a:highlight>
+                  <a:srgbClr val="000000"/>
+                </a:highlight>
+                <a:latin typeface="Consolas" panose="020B0609020204030204" pitchFamily="49" charset="0"/>
+              </a:rPr>
+              <a:t>Output: expand()</a:t>
+            </a:r>
+          </a:p>
+        </p:txBody>
+      </p:sp>
+      <p:sp>
+        <p:nvSpPr>
+          <p:cNvPr id="7" name="Isosceles Triangle 6">
+            <a:extLst>
+              <a:ext uri="{FF2B5EF4-FFF2-40B4-BE49-F238E27FC236}">
+                <a16:creationId xmlns:a16="http://schemas.microsoft.com/office/drawing/2014/main" id="{AE866C08-E3DA-504F-0DDA-3E21D1AAB651}"/>
+              </a:ext>
+            </a:extLst>
+          </p:cNvPr>
+          <p:cNvSpPr/>
+          <p:nvPr/>
+        </p:nvSpPr>
+        <p:spPr>
+          <a:xfrm rot="10800000">
+            <a:off x="8825883" y="4190260"/>
+            <a:ext cx="1793289" cy="1455938"/>
+          </a:xfrm>
+          <a:prstGeom prst="triangle">
+            <a:avLst/>
+          </a:prstGeom>
+        </p:spPr>
+        <p:style>
+          <a:lnRef idx="2">
+            <a:schemeClr val="accent1">
+              <a:shade val="50000"/>
+            </a:schemeClr>
+          </a:lnRef>
+          <a:fillRef idx="1">
+            <a:schemeClr val="accent1"/>
+          </a:fillRef>
+          <a:effectRef idx="0">
+            <a:schemeClr val="accent1"/>
+          </a:effectRef>
+          <a:fontRef idx="minor">
+            <a:schemeClr val="lt1"/>
+          </a:fontRef>
+        </p:style>
+        <p:txBody>
+          <a:bodyPr rtlCol="0" anchor="ctr"/>
+          <a:lstStyle/>
+          <a:p>
+            <a:pPr algn="ctr"/>
+            <a:endParaRPr lang="en-US"/>
+          </a:p>
+        </p:txBody>
+      </p:sp>
+      <p:sp>
+        <p:nvSpPr>
+          <p:cNvPr id="8" name="TextBox 7">
+            <a:extLst>
+              <a:ext uri="{FF2B5EF4-FFF2-40B4-BE49-F238E27FC236}">
+                <a16:creationId xmlns:a16="http://schemas.microsoft.com/office/drawing/2014/main" id="{9AB27D16-4603-A2A0-E7E2-C8FD1EE7D020}"/>
+              </a:ext>
+            </a:extLst>
+          </p:cNvPr>
+          <p:cNvSpPr txBox="1"/>
+          <p:nvPr/>
+        </p:nvSpPr>
+        <p:spPr>
+          <a:xfrm>
+            <a:off x="6260237" y="4101484"/>
+            <a:ext cx="2300630" cy="400110"/>
+          </a:xfrm>
+          <a:prstGeom prst="rect">
+            <a:avLst/>
+          </a:prstGeom>
+          <a:noFill/>
+        </p:spPr>
+        <p:txBody>
+          <a:bodyPr wrap="none" rtlCol="0">
+            <a:spAutoFit/>
+          </a:bodyPr>
+          <a:lstStyle/>
+          <a:p>
+            <a:r>
+              <a:rPr lang="en-US" sz="2000" dirty="0">
+                <a:solidFill>
+                  <a:schemeClr val="bg1"/>
+                </a:solidFill>
+                <a:highlight>
+                  <a:srgbClr val="000000"/>
+                </a:highlight>
+                <a:latin typeface="Consolas" panose="020B0609020204030204" pitchFamily="49" charset="0"/>
+              </a:rPr>
+              <a:t>Input: expand()</a:t>
+            </a:r>
+          </a:p>
+        </p:txBody>
+      </p:sp>
+      <p:sp>
+        <p:nvSpPr>
+          <p:cNvPr id="9" name="TextBox 8">
+            <a:extLst>
+              <a:ext uri="{FF2B5EF4-FFF2-40B4-BE49-F238E27FC236}">
+                <a16:creationId xmlns:a16="http://schemas.microsoft.com/office/drawing/2014/main" id="{FF03F770-651F-9DDA-7904-C846D9E1F1B3}"/>
+              </a:ext>
+            </a:extLst>
+          </p:cNvPr>
+          <p:cNvSpPr txBox="1"/>
+          <p:nvPr/>
+        </p:nvSpPr>
+        <p:spPr>
+          <a:xfrm>
+            <a:off x="6260236" y="5334864"/>
+            <a:ext cx="2864887" cy="400110"/>
+          </a:xfrm>
+          <a:prstGeom prst="rect">
+            <a:avLst/>
+          </a:prstGeom>
+          <a:noFill/>
+        </p:spPr>
+        <p:txBody>
+          <a:bodyPr wrap="none" rtlCol="0">
+            <a:spAutoFit/>
+          </a:bodyPr>
+          <a:lstStyle/>
+          <a:p>
+            <a:r>
+              <a:rPr lang="en-US" sz="2000" dirty="0">
+                <a:solidFill>
+                  <a:schemeClr val="bg1"/>
+                </a:solidFill>
+                <a:highlight>
+                  <a:srgbClr val="000000"/>
+                </a:highlight>
+                <a:latin typeface="Consolas" panose="020B0609020204030204" pitchFamily="49" charset="0"/>
+              </a:rPr>
+              <a:t>Output: single file</a:t>
+            </a:r>
+          </a:p>
+        </p:txBody>
+      </p:sp>
+    </p:spTree>
+    <p:extLst>
+      <p:ext uri="{BB962C8B-B14F-4D97-AF65-F5344CB8AC3E}">
+        <p14:creationId xmlns:p14="http://schemas.microsoft.com/office/powerpoint/2010/main" val="2795753218"/>
+      </p:ext>
+    </p:extLst>
+  </p:cSld>
+  <p:clrMapOvr>
+    <a:masterClrMapping/>
+  </p:clrMapOvr>
+</p:sld>
+</file>
+
+<file path=ppt/slides/slide43.xml><?xml version="1.0" encoding="utf-8"?>
+<p:sld xmlns:a="http://schemas.openxmlformats.org/drawingml/2006/main" xmlns:r="http://schemas.openxmlformats.org/officeDocument/2006/relationships" xmlns:p="http://schemas.openxmlformats.org/presentationml/2006/main">
+  <p:cSld>
+    <p:spTree>
+      <p:nvGrpSpPr>
+        <p:cNvPr id="1" name=""/>
+        <p:cNvGrpSpPr/>
+        <p:nvPr/>
+      </p:nvGrpSpPr>
+      <p:grpSpPr>
+        <a:xfrm>
+          <a:off x="0" y="0"/>
+          <a:ext cx="0" cy="0"/>
+          <a:chOff x="0" y="0"/>
+          <a:chExt cx="0" cy="0"/>
+        </a:xfrm>
+      </p:grpSpPr>
+      <p:sp>
+        <p:nvSpPr>
+          <p:cNvPr id="2" name="Title 1">
+            <a:extLst>
+              <a:ext uri="{FF2B5EF4-FFF2-40B4-BE49-F238E27FC236}">
+                <a16:creationId xmlns:a16="http://schemas.microsoft.com/office/drawing/2014/main" id="{BAA1B248-AE3D-1698-39D4-F3BCBD0CBA9E}"/>
+              </a:ext>
+            </a:extLst>
+          </p:cNvPr>
+          <p:cNvSpPr>
+            <a:spLocks noGrp="1"/>
+          </p:cNvSpPr>
+          <p:nvPr>
+            <p:ph type="title"/>
+          </p:nvPr>
+        </p:nvSpPr>
+        <p:spPr/>
+        <p:txBody>
+          <a:bodyPr/>
+          <a:lstStyle/>
+          <a:p>
+            <a:r>
+              <a:rPr lang="en-US" dirty="0"/>
+              <a:t>Lesson 3: Let’s write the rules</a:t>
+            </a:r>
+          </a:p>
+        </p:txBody>
+      </p:sp>
+      <p:sp>
+        <p:nvSpPr>
+          <p:cNvPr id="3" name="Content Placeholder 2">
+            <a:extLst>
+              <a:ext uri="{FF2B5EF4-FFF2-40B4-BE49-F238E27FC236}">
+                <a16:creationId xmlns:a16="http://schemas.microsoft.com/office/drawing/2014/main" id="{A4656DB6-42AA-06C6-86E8-029E4E7D7B65}"/>
+              </a:ext>
+            </a:extLst>
+          </p:cNvPr>
+          <p:cNvSpPr>
+            <a:spLocks noGrp="1"/>
+          </p:cNvSpPr>
+          <p:nvPr>
+            <p:ph idx="1"/>
+          </p:nvPr>
+        </p:nvSpPr>
+        <p:spPr/>
         <p:txBody>
           <a:bodyPr>
             <a:normAutofit fontScale="85000" lnSpcReduction="20000"/>
@@ -10974,82 +13052,287 @@
           <a:p>
             <a:r>
               <a:rPr lang="en-US" dirty="0"/>
-              <a:t>Program dependencies can be complicated.</a:t>
-            </a:r>
-          </a:p>
-          <a:p>
+              <a:t>OK, we have enough information to start customizing our rules! Let’s start writing code! First, copy over your </a:t>
+            </a:r>
+            <a:r>
+              <a:rPr lang="en-US" dirty="0" err="1"/>
+              <a:t>snakefile</a:t>
+            </a:r>
+            <a:r>
+              <a:rPr lang="en-US" dirty="0"/>
+              <a:t> from Lesson2 so that we can start with a foundation.</a:t>
+            </a:r>
+          </a:p>
+          <a:p>
+            <a:r>
+              <a:rPr lang="en-US" dirty="0"/>
+              <a:t>Let’s write a rule to align the sequence files (</a:t>
+            </a:r>
+            <a:r>
+              <a:rPr lang="en-US" dirty="0">
+                <a:solidFill>
+                  <a:schemeClr val="bg1"/>
+                </a:solidFill>
+                <a:highlight>
+                  <a:srgbClr val="000000"/>
+                </a:highlight>
+              </a:rPr>
+              <a:t>{sample}.</a:t>
+            </a:r>
+            <a:r>
+              <a:rPr lang="en-US" dirty="0" err="1">
+                <a:solidFill>
+                  <a:schemeClr val="bg1"/>
+                </a:solidFill>
+                <a:highlight>
+                  <a:srgbClr val="000000"/>
+                </a:highlight>
+              </a:rPr>
+              <a:t>fq</a:t>
+            </a:r>
+            <a:r>
+              <a:rPr lang="en-US" dirty="0"/>
+              <a:t>) to the reference genome </a:t>
+            </a:r>
+            <a:r>
+              <a:rPr lang="en-US" dirty="0" err="1"/>
+              <a:t>fasta</a:t>
+            </a:r>
+            <a:r>
+              <a:rPr lang="en-US" dirty="0"/>
+              <a:t> file (</a:t>
+            </a:r>
+            <a:r>
+              <a:rPr lang="en-US" dirty="0" err="1">
+                <a:solidFill>
+                  <a:schemeClr val="bg1"/>
+                </a:solidFill>
+                <a:highlight>
+                  <a:srgbClr val="000000"/>
+                </a:highlight>
+              </a:rPr>
+              <a:t>reference.fasta</a:t>
+            </a:r>
+            <a:r>
+              <a:rPr lang="en-US" dirty="0"/>
+              <a:t>):</a:t>
+            </a:r>
+            <a:br>
+              <a:rPr lang="en-US" dirty="0"/>
+            </a:br>
             <a:endParaRPr lang="en-US" dirty="0"/>
           </a:p>
           <a:p>
-            <a:r>
-              <a:rPr lang="en-US" dirty="0" err="1"/>
-              <a:t>Anunna</a:t>
-            </a:r>
-            <a:r>
-              <a:rPr lang="en-US" dirty="0"/>
-              <a:t> module system helps manage this by adding to PATH</a:t>
-            </a:r>
-          </a:p>
-          <a:p>
-            <a:pPr lvl="1"/>
-            <a:r>
-              <a:rPr lang="en-US" dirty="0"/>
-              <a:t>Top: $ module spider</a:t>
-            </a:r>
-          </a:p>
-          <a:p>
-            <a:pPr lvl="1"/>
-            <a:r>
-              <a:rPr lang="en-US" dirty="0"/>
-              <a:t>Bottom: $ module show</a:t>
-            </a:r>
-          </a:p>
-          <a:p>
-            <a:pPr lvl="1"/>
             <a:endParaRPr lang="en-US" dirty="0"/>
           </a:p>
           <a:p>
-            <a:r>
-              <a:rPr lang="en-US" dirty="0"/>
-              <a:t>Different versions of the same program have different requirements</a:t>
+            <a:endParaRPr lang="en-US" dirty="0"/>
+          </a:p>
+          <a:p>
+            <a:r>
+              <a:rPr lang="en-US" dirty="0"/>
+              <a:t>We already have a complication!</a:t>
+            </a:r>
+          </a:p>
+          <a:p>
+            <a:r>
+              <a:rPr lang="en-US" dirty="0"/>
+              <a:t>How do we distinguish between two different input files? </a:t>
             </a:r>
           </a:p>
         </p:txBody>
       </p:sp>
       <p:pic>
         <p:nvPicPr>
-          <p:cNvPr id="7" name="Content Placeholder 6">
-            <a:extLst>
-              <a:ext uri="{FF2B5EF4-FFF2-40B4-BE49-F238E27FC236}">
-                <a16:creationId xmlns:a16="http://schemas.microsoft.com/office/drawing/2014/main" id="{43F6911C-B051-3928-5915-03CC3565917D}"/>
+          <p:cNvPr id="5" name="Picture 4">
+            <a:extLst>
+              <a:ext uri="{FF2B5EF4-FFF2-40B4-BE49-F238E27FC236}">
+                <a16:creationId xmlns:a16="http://schemas.microsoft.com/office/drawing/2014/main" id="{45F11D13-01E8-50B9-08D8-544F4375A159}"/>
               </a:ext>
             </a:extLst>
           </p:cNvPr>
           <p:cNvPicPr>
-            <a:picLocks noGrp="1" noChangeAspect="1"/>
+            <a:picLocks noChangeAspect="1"/>
           </p:cNvPicPr>
-          <p:nvPr>
-            <p:ph sz="half" idx="2"/>
-          </p:nvPr>
+          <p:nvPr/>
         </p:nvPicPr>
-        <p:blipFill rotWithShape="1">
+        <p:blipFill>
           <a:blip r:embed="rId2"/>
-          <a:srcRect t="54571"/>
-          <a:stretch/>
+          <a:stretch>
+            <a:fillRect/>
+          </a:stretch>
         </p:blipFill>
         <p:spPr>
           <a:xfrm>
-            <a:off x="5156432" y="1293471"/>
-            <a:ext cx="6860117" cy="1680637"/>
+            <a:off x="6467197" y="3819925"/>
+            <a:ext cx="3714750" cy="1543050"/>
           </a:xfrm>
+          <a:prstGeom prst="rect">
+            <a:avLst/>
+          </a:prstGeom>
+        </p:spPr>
+      </p:pic>
+    </p:spTree>
+    <p:extLst>
+      <p:ext uri="{BB962C8B-B14F-4D97-AF65-F5344CB8AC3E}">
+        <p14:creationId xmlns:p14="http://schemas.microsoft.com/office/powerpoint/2010/main" val="1856597423"/>
+      </p:ext>
+    </p:extLst>
+  </p:cSld>
+  <p:clrMapOvr>
+    <a:masterClrMapping/>
+  </p:clrMapOvr>
+</p:sld>
+</file>
+
+<file path=ppt/slides/slide44.xml><?xml version="1.0" encoding="utf-8"?>
+<p:sld xmlns:a="http://schemas.openxmlformats.org/drawingml/2006/main" xmlns:r="http://schemas.openxmlformats.org/officeDocument/2006/relationships" xmlns:p="http://schemas.openxmlformats.org/presentationml/2006/main">
+  <p:cSld>
+    <p:spTree>
+      <p:nvGrpSpPr>
+        <p:cNvPr id="1" name=""/>
+        <p:cNvGrpSpPr/>
+        <p:nvPr/>
+      </p:nvGrpSpPr>
+      <p:grpSpPr>
+        <a:xfrm>
+          <a:off x="0" y="0"/>
+          <a:ext cx="0" cy="0"/>
+          <a:chOff x="0" y="0"/>
+          <a:chExt cx="0" cy="0"/>
+        </a:xfrm>
+      </p:grpSpPr>
+      <p:sp>
+        <p:nvSpPr>
+          <p:cNvPr id="2" name="Title 1">
+            <a:extLst>
+              <a:ext uri="{FF2B5EF4-FFF2-40B4-BE49-F238E27FC236}">
+                <a16:creationId xmlns:a16="http://schemas.microsoft.com/office/drawing/2014/main" id="{9BCE021C-87A5-EB7F-04B3-FA79C68FB219}"/>
+              </a:ext>
+            </a:extLst>
+          </p:cNvPr>
+          <p:cNvSpPr>
+            <a:spLocks noGrp="1"/>
+          </p:cNvSpPr>
+          <p:nvPr>
+            <p:ph type="title"/>
+          </p:nvPr>
+        </p:nvSpPr>
+        <p:spPr/>
+        <p:txBody>
+          <a:bodyPr/>
+          <a:lstStyle/>
+          <a:p>
+            <a:r>
+              <a:rPr lang="en-US" dirty="0"/>
+              <a:t>Lesson 3: rules continued</a:t>
+            </a:r>
+          </a:p>
+        </p:txBody>
+      </p:sp>
+      <p:sp>
+        <p:nvSpPr>
+          <p:cNvPr id="3" name="Content Placeholder 2">
+            <a:extLst>
+              <a:ext uri="{FF2B5EF4-FFF2-40B4-BE49-F238E27FC236}">
+                <a16:creationId xmlns:a16="http://schemas.microsoft.com/office/drawing/2014/main" id="{E0203749-C73D-B897-64B7-E1655B396CAC}"/>
+              </a:ext>
+            </a:extLst>
+          </p:cNvPr>
+          <p:cNvSpPr>
+            <a:spLocks noGrp="1"/>
+          </p:cNvSpPr>
+          <p:nvPr>
+            <p:ph idx="1"/>
+          </p:nvPr>
+        </p:nvSpPr>
+        <p:spPr>
+          <a:xfrm>
+            <a:off x="447583" y="1229652"/>
+            <a:ext cx="9211322" cy="5139659"/>
+          </a:xfrm>
+        </p:spPr>
+        <p:txBody>
+          <a:bodyPr>
+            <a:normAutofit lnSpcReduction="10000"/>
+          </a:bodyPr>
+          <a:lstStyle/>
+          <a:p>
+            <a:r>
+              <a:rPr lang="en-US" dirty="0"/>
+              <a:t>We can provide “nicknames” to the input files to help </a:t>
+            </a:r>
+            <a:r>
+              <a:rPr lang="en-US" dirty="0" err="1"/>
+              <a:t>snakemake</a:t>
+            </a:r>
+            <a:r>
+              <a:rPr lang="en-US" dirty="0"/>
+              <a:t> distinguish them, and it is then easy to reference them in the “shell” command:</a:t>
+            </a:r>
+          </a:p>
+          <a:p>
+            <a:endParaRPr lang="en-US" dirty="0"/>
+          </a:p>
+          <a:p>
+            <a:endParaRPr lang="en-US" dirty="0"/>
+          </a:p>
+          <a:p>
+            <a:endParaRPr lang="en-US" dirty="0"/>
+          </a:p>
+          <a:p>
+            <a:endParaRPr lang="en-US" dirty="0"/>
+          </a:p>
+          <a:p>
+            <a:r>
+              <a:rPr lang="en-US" dirty="0"/>
+              <a:t>Now modify the “all” rule:</a:t>
+            </a:r>
+          </a:p>
+          <a:p>
+            <a:r>
+              <a:rPr lang="en-US" dirty="0"/>
+              <a:t>Let’s run the file!</a:t>
+            </a:r>
+          </a:p>
+        </p:txBody>
+      </p:sp>
+      <p:pic>
+        <p:nvPicPr>
+          <p:cNvPr id="5" name="Picture 4">
+            <a:extLst>
+              <a:ext uri="{FF2B5EF4-FFF2-40B4-BE49-F238E27FC236}">
+                <a16:creationId xmlns:a16="http://schemas.microsoft.com/office/drawing/2014/main" id="{351D89F5-0CA2-84D4-A9B5-C72C5F1385F5}"/>
+              </a:ext>
+            </a:extLst>
+          </p:cNvPr>
+          <p:cNvPicPr>
+            <a:picLocks noChangeAspect="1"/>
+          </p:cNvPicPr>
+          <p:nvPr/>
+        </p:nvPicPr>
+        <p:blipFill>
+          <a:blip r:embed="rId2"/>
+          <a:stretch>
+            <a:fillRect/>
+          </a:stretch>
+        </p:blipFill>
+        <p:spPr>
+          <a:xfrm>
+            <a:off x="838200" y="2778342"/>
+            <a:ext cx="8115300" cy="2428875"/>
+          </a:xfrm>
+          <a:prstGeom prst="rect">
+            <a:avLst/>
+          </a:prstGeom>
         </p:spPr>
       </p:pic>
       <p:pic>
         <p:nvPicPr>
-          <p:cNvPr id="9" name="Picture 8">
-            <a:extLst>
-              <a:ext uri="{FF2B5EF4-FFF2-40B4-BE49-F238E27FC236}">
-                <a16:creationId xmlns:a16="http://schemas.microsoft.com/office/drawing/2014/main" id="{3128A03E-B22A-C39A-565D-0178A0CD9BE4}"/>
+          <p:cNvPr id="7" name="Picture 6">
+            <a:extLst>
+              <a:ext uri="{FF2B5EF4-FFF2-40B4-BE49-F238E27FC236}">
+                <a16:creationId xmlns:a16="http://schemas.microsoft.com/office/drawing/2014/main" id="{50119779-8A33-6E2E-BBCA-23D808BD45C0}"/>
               </a:ext>
             </a:extLst>
           </p:cNvPr>
@@ -11066,8 +13349,38 @@
         </p:blipFill>
         <p:spPr>
           <a:xfrm>
-            <a:off x="4174114" y="3082844"/>
-            <a:ext cx="8017886" cy="3482191"/>
+            <a:off x="4038692" y="5734050"/>
+            <a:ext cx="7705725" cy="1123950"/>
+          </a:xfrm>
+          <a:prstGeom prst="rect">
+            <a:avLst/>
+          </a:prstGeom>
+        </p:spPr>
+      </p:pic>
+      <p:pic>
+        <p:nvPicPr>
+          <p:cNvPr id="9" name="Picture 8">
+            <a:extLst>
+              <a:ext uri="{FF2B5EF4-FFF2-40B4-BE49-F238E27FC236}">
+                <a16:creationId xmlns:a16="http://schemas.microsoft.com/office/drawing/2014/main" id="{57754939-D42A-8A19-5B68-EFB2856ACF30}"/>
+              </a:ext>
+            </a:extLst>
+          </p:cNvPr>
+          <p:cNvPicPr>
+            <a:picLocks noChangeAspect="1"/>
+          </p:cNvPicPr>
+          <p:nvPr/>
+        </p:nvPicPr>
+        <p:blipFill>
+          <a:blip r:embed="rId4"/>
+          <a:stretch>
+            <a:fillRect/>
+          </a:stretch>
+        </p:blipFill>
+        <p:spPr>
+          <a:xfrm>
+            <a:off x="1128713" y="6427940"/>
+            <a:ext cx="2228850" cy="409575"/>
           </a:xfrm>
           <a:prstGeom prst="rect">
             <a:avLst/>
@@ -11077,7 +13390,774 @@
     </p:spTree>
     <p:extLst>
       <p:ext uri="{BB962C8B-B14F-4D97-AF65-F5344CB8AC3E}">
-        <p14:creationId xmlns:p14="http://schemas.microsoft.com/office/powerpoint/2010/main" val="2856544494"/>
+        <p14:creationId xmlns:p14="http://schemas.microsoft.com/office/powerpoint/2010/main" val="141089652"/>
+      </p:ext>
+    </p:extLst>
+  </p:cSld>
+  <p:clrMapOvr>
+    <a:masterClrMapping/>
+  </p:clrMapOvr>
+</p:sld>
+</file>
+
+<file path=ppt/slides/slide45.xml><?xml version="1.0" encoding="utf-8"?>
+<p:sld xmlns:a="http://schemas.openxmlformats.org/drawingml/2006/main" xmlns:r="http://schemas.openxmlformats.org/officeDocument/2006/relationships" xmlns:p="http://schemas.openxmlformats.org/presentationml/2006/main">
+  <p:cSld>
+    <p:spTree>
+      <p:nvGrpSpPr>
+        <p:cNvPr id="1" name=""/>
+        <p:cNvGrpSpPr/>
+        <p:nvPr/>
+      </p:nvGrpSpPr>
+      <p:grpSpPr>
+        <a:xfrm>
+          <a:off x="0" y="0"/>
+          <a:ext cx="0" cy="0"/>
+          <a:chOff x="0" y="0"/>
+          <a:chExt cx="0" cy="0"/>
+        </a:xfrm>
+      </p:grpSpPr>
+      <p:sp>
+        <p:nvSpPr>
+          <p:cNvPr id="2" name="Title 1">
+            <a:extLst>
+              <a:ext uri="{FF2B5EF4-FFF2-40B4-BE49-F238E27FC236}">
+                <a16:creationId xmlns:a16="http://schemas.microsoft.com/office/drawing/2014/main" id="{C159BEBF-DB7F-9CA4-D0CF-C19D08265C9B}"/>
+              </a:ext>
+            </a:extLst>
+          </p:cNvPr>
+          <p:cNvSpPr>
+            <a:spLocks noGrp="1"/>
+          </p:cNvSpPr>
+          <p:nvPr>
+            <p:ph type="title"/>
+          </p:nvPr>
+        </p:nvSpPr>
+        <p:spPr/>
+        <p:txBody>
+          <a:bodyPr/>
+          <a:lstStyle/>
+          <a:p>
+            <a:r>
+              <a:rPr lang="en-US" dirty="0"/>
+              <a:t>Lesson 3: adding a consolidation rule</a:t>
+            </a:r>
+          </a:p>
+        </p:txBody>
+      </p:sp>
+      <p:sp>
+        <p:nvSpPr>
+          <p:cNvPr id="3" name="Content Placeholder 2">
+            <a:extLst>
+              <a:ext uri="{FF2B5EF4-FFF2-40B4-BE49-F238E27FC236}">
+                <a16:creationId xmlns:a16="http://schemas.microsoft.com/office/drawing/2014/main" id="{4E8D4257-A8E0-A2EE-FE00-E5BF64EC09E7}"/>
+              </a:ext>
+            </a:extLst>
+          </p:cNvPr>
+          <p:cNvSpPr>
+            <a:spLocks noGrp="1"/>
+          </p:cNvSpPr>
+          <p:nvPr>
+            <p:ph idx="1"/>
+          </p:nvPr>
+        </p:nvSpPr>
+        <p:spPr/>
+        <p:txBody>
+          <a:bodyPr>
+            <a:normAutofit fontScale="92500" lnSpcReduction="10000"/>
+          </a:bodyPr>
+          <a:lstStyle/>
+          <a:p>
+            <a:r>
+              <a:rPr lang="en-US" dirty="0"/>
+              <a:t>OK, you have all of the bam files, but you want to merge them all into one single one! We need to add another rule:</a:t>
+            </a:r>
+          </a:p>
+          <a:p>
+            <a:endParaRPr lang="en-US" dirty="0"/>
+          </a:p>
+          <a:p>
+            <a:endParaRPr lang="en-US" dirty="0"/>
+          </a:p>
+          <a:p>
+            <a:endParaRPr lang="en-US" dirty="0"/>
+          </a:p>
+          <a:p>
+            <a:endParaRPr lang="en-US" dirty="0"/>
+          </a:p>
+          <a:p>
+            <a:r>
+              <a:rPr lang="en-US" dirty="0" err="1"/>
+              <a:t>Snakemake</a:t>
+            </a:r>
+            <a:r>
+              <a:rPr lang="en-US" dirty="0"/>
+              <a:t> automatically “prints” all of the input bam files with spaces in the </a:t>
+            </a:r>
+            <a:r>
+              <a:rPr lang="en-US" dirty="0">
+                <a:solidFill>
+                  <a:schemeClr val="bg1"/>
+                </a:solidFill>
+                <a:highlight>
+                  <a:srgbClr val="000000"/>
+                </a:highlight>
+              </a:rPr>
+              <a:t>{input} </a:t>
+            </a:r>
+            <a:r>
+              <a:rPr lang="en-US" dirty="0"/>
+              <a:t>tag for you. </a:t>
+            </a:r>
+          </a:p>
+        </p:txBody>
+      </p:sp>
+      <p:pic>
+        <p:nvPicPr>
+          <p:cNvPr id="5" name="Picture 4">
+            <a:extLst>
+              <a:ext uri="{FF2B5EF4-FFF2-40B4-BE49-F238E27FC236}">
+                <a16:creationId xmlns:a16="http://schemas.microsoft.com/office/drawing/2014/main" id="{631E7CB4-92EE-14E1-0F6B-046928448A1D}"/>
+              </a:ext>
+            </a:extLst>
+          </p:cNvPr>
+          <p:cNvPicPr>
+            <a:picLocks noChangeAspect="1"/>
+          </p:cNvPicPr>
+          <p:nvPr/>
+        </p:nvPicPr>
+        <p:blipFill>
+          <a:blip r:embed="rId2"/>
+          <a:stretch>
+            <a:fillRect/>
+          </a:stretch>
+        </p:blipFill>
+        <p:spPr>
+          <a:xfrm>
+            <a:off x="4625219" y="2738114"/>
+            <a:ext cx="6315075" cy="2305050"/>
+          </a:xfrm>
+          <a:prstGeom prst="rect">
+            <a:avLst/>
+          </a:prstGeom>
+        </p:spPr>
+      </p:pic>
+    </p:spTree>
+    <p:extLst>
+      <p:ext uri="{BB962C8B-B14F-4D97-AF65-F5344CB8AC3E}">
+        <p14:creationId xmlns:p14="http://schemas.microsoft.com/office/powerpoint/2010/main" val="1091001236"/>
+      </p:ext>
+    </p:extLst>
+  </p:cSld>
+  <p:clrMapOvr>
+    <a:masterClrMapping/>
+  </p:clrMapOvr>
+</p:sld>
+</file>
+
+<file path=ppt/slides/slide46.xml><?xml version="1.0" encoding="utf-8"?>
+<p:sld xmlns:a="http://schemas.openxmlformats.org/drawingml/2006/main" xmlns:r="http://schemas.openxmlformats.org/officeDocument/2006/relationships" xmlns:p="http://schemas.openxmlformats.org/presentationml/2006/main">
+  <p:cSld>
+    <p:spTree>
+      <p:nvGrpSpPr>
+        <p:cNvPr id="1" name=""/>
+        <p:cNvGrpSpPr/>
+        <p:nvPr/>
+      </p:nvGrpSpPr>
+      <p:grpSpPr>
+        <a:xfrm>
+          <a:off x="0" y="0"/>
+          <a:ext cx="0" cy="0"/>
+          <a:chOff x="0" y="0"/>
+          <a:chExt cx="0" cy="0"/>
+        </a:xfrm>
+      </p:grpSpPr>
+      <p:sp>
+        <p:nvSpPr>
+          <p:cNvPr id="2" name="Title 1">
+            <a:extLst>
+              <a:ext uri="{FF2B5EF4-FFF2-40B4-BE49-F238E27FC236}">
+                <a16:creationId xmlns:a16="http://schemas.microsoft.com/office/drawing/2014/main" id="{45E47EB1-CEA8-0DD7-2222-9B69C3D996E5}"/>
+              </a:ext>
+            </a:extLst>
+          </p:cNvPr>
+          <p:cNvSpPr>
+            <a:spLocks noGrp="1"/>
+          </p:cNvSpPr>
+          <p:nvPr>
+            <p:ph type="title"/>
+          </p:nvPr>
+        </p:nvSpPr>
+        <p:spPr/>
+        <p:txBody>
+          <a:bodyPr/>
+          <a:lstStyle/>
+          <a:p>
+            <a:r>
+              <a:rPr lang="en-US" dirty="0"/>
+              <a:t>How should we modify our “all” statement?</a:t>
+            </a:r>
+          </a:p>
+        </p:txBody>
+      </p:sp>
+      <p:sp>
+        <p:nvSpPr>
+          <p:cNvPr id="3" name="Content Placeholder 2">
+            <a:extLst>
+              <a:ext uri="{FF2B5EF4-FFF2-40B4-BE49-F238E27FC236}">
+                <a16:creationId xmlns:a16="http://schemas.microsoft.com/office/drawing/2014/main" id="{4BBF8F05-D25F-DB7D-7474-8C94E452DF4D}"/>
+              </a:ext>
+            </a:extLst>
+          </p:cNvPr>
+          <p:cNvSpPr>
+            <a:spLocks noGrp="1"/>
+          </p:cNvSpPr>
+          <p:nvPr>
+            <p:ph idx="1"/>
+          </p:nvPr>
+        </p:nvSpPr>
+        <p:spPr/>
+        <p:txBody>
+          <a:bodyPr>
+            <a:normAutofit lnSpcReduction="10000"/>
+          </a:bodyPr>
+          <a:lstStyle/>
+          <a:p>
+            <a:r>
+              <a:rPr lang="en-US" dirty="0"/>
+              <a:t>Like this?</a:t>
+            </a:r>
+          </a:p>
+          <a:p>
+            <a:endParaRPr lang="en-US" dirty="0"/>
+          </a:p>
+          <a:p>
+            <a:endParaRPr lang="en-US" dirty="0"/>
+          </a:p>
+          <a:p>
+            <a:r>
+              <a:rPr lang="en-US" dirty="0"/>
+              <a:t>Or like this? </a:t>
+            </a:r>
+          </a:p>
+          <a:p>
+            <a:endParaRPr lang="en-US" dirty="0"/>
+          </a:p>
+          <a:p>
+            <a:endParaRPr lang="en-US" dirty="0"/>
+          </a:p>
+          <a:p>
+            <a:r>
+              <a:rPr lang="en-US" dirty="0"/>
+              <a:t>Try running the command – does it redo all of the steps?</a:t>
+            </a:r>
+          </a:p>
+        </p:txBody>
+      </p:sp>
+      <p:pic>
+        <p:nvPicPr>
+          <p:cNvPr id="5" name="Picture 4">
+            <a:extLst>
+              <a:ext uri="{FF2B5EF4-FFF2-40B4-BE49-F238E27FC236}">
+                <a16:creationId xmlns:a16="http://schemas.microsoft.com/office/drawing/2014/main" id="{E762D372-4344-3B1B-B280-D4730F12EB8D}"/>
+              </a:ext>
+            </a:extLst>
+          </p:cNvPr>
+          <p:cNvPicPr>
+            <a:picLocks noChangeAspect="1"/>
+          </p:cNvPicPr>
+          <p:nvPr/>
+        </p:nvPicPr>
+        <p:blipFill>
+          <a:blip r:embed="rId2"/>
+          <a:stretch>
+            <a:fillRect/>
+          </a:stretch>
+        </p:blipFill>
+        <p:spPr>
+          <a:xfrm>
+            <a:off x="2999681" y="1625125"/>
+            <a:ext cx="7648575" cy="1285875"/>
+          </a:xfrm>
+          <a:prstGeom prst="rect">
+            <a:avLst/>
+          </a:prstGeom>
+        </p:spPr>
+      </p:pic>
+      <p:pic>
+        <p:nvPicPr>
+          <p:cNvPr id="7" name="Picture 6">
+            <a:extLst>
+              <a:ext uri="{FF2B5EF4-FFF2-40B4-BE49-F238E27FC236}">
+                <a16:creationId xmlns:a16="http://schemas.microsoft.com/office/drawing/2014/main" id="{3A6E8F45-7B87-120B-332E-72071C73FCA2}"/>
+              </a:ext>
+            </a:extLst>
+          </p:cNvPr>
+          <p:cNvPicPr>
+            <a:picLocks noChangeAspect="1"/>
+          </p:cNvPicPr>
+          <p:nvPr/>
+        </p:nvPicPr>
+        <p:blipFill>
+          <a:blip r:embed="rId3"/>
+          <a:stretch>
+            <a:fillRect/>
+          </a:stretch>
+        </p:blipFill>
+        <p:spPr>
+          <a:xfrm>
+            <a:off x="3148660" y="3947001"/>
+            <a:ext cx="7705725" cy="1028700"/>
+          </a:xfrm>
+          <a:prstGeom prst="rect">
+            <a:avLst/>
+          </a:prstGeom>
+        </p:spPr>
+      </p:pic>
+      <p:pic>
+        <p:nvPicPr>
+          <p:cNvPr id="8" name="Picture 7">
+            <a:extLst>
+              <a:ext uri="{FF2B5EF4-FFF2-40B4-BE49-F238E27FC236}">
+                <a16:creationId xmlns:a16="http://schemas.microsoft.com/office/drawing/2014/main" id="{45A49163-6D8B-14E9-020B-117DAC714836}"/>
+              </a:ext>
+            </a:extLst>
+          </p:cNvPr>
+          <p:cNvPicPr>
+            <a:picLocks noChangeAspect="1"/>
+          </p:cNvPicPr>
+          <p:nvPr/>
+        </p:nvPicPr>
+        <p:blipFill>
+          <a:blip r:embed="rId4"/>
+          <a:stretch>
+            <a:fillRect/>
+          </a:stretch>
+        </p:blipFill>
+        <p:spPr>
+          <a:xfrm>
+            <a:off x="3148660" y="6011702"/>
+            <a:ext cx="2228850" cy="409575"/>
+          </a:xfrm>
+          <a:prstGeom prst="rect">
+            <a:avLst/>
+          </a:prstGeom>
+        </p:spPr>
+      </p:pic>
+    </p:spTree>
+    <p:extLst>
+      <p:ext uri="{BB962C8B-B14F-4D97-AF65-F5344CB8AC3E}">
+        <p14:creationId xmlns:p14="http://schemas.microsoft.com/office/powerpoint/2010/main" val="34948061"/>
+      </p:ext>
+    </p:extLst>
+  </p:cSld>
+  <p:clrMapOvr>
+    <a:masterClrMapping/>
+  </p:clrMapOvr>
+</p:sld>
+</file>
+
+<file path=ppt/slides/slide47.xml><?xml version="1.0" encoding="utf-8"?>
+<p:sld xmlns:a="http://schemas.openxmlformats.org/drawingml/2006/main" xmlns:r="http://schemas.openxmlformats.org/officeDocument/2006/relationships" xmlns:p="http://schemas.openxmlformats.org/presentationml/2006/main">
+  <p:cSld>
+    <p:spTree>
+      <p:nvGrpSpPr>
+        <p:cNvPr id="1" name=""/>
+        <p:cNvGrpSpPr/>
+        <p:nvPr/>
+      </p:nvGrpSpPr>
+      <p:grpSpPr>
+        <a:xfrm>
+          <a:off x="0" y="0"/>
+          <a:ext cx="0" cy="0"/>
+          <a:chOff x="0" y="0"/>
+          <a:chExt cx="0" cy="0"/>
+        </a:xfrm>
+      </p:grpSpPr>
+      <p:sp>
+        <p:nvSpPr>
+          <p:cNvPr id="2" name="Title 1">
+            <a:extLst>
+              <a:ext uri="{FF2B5EF4-FFF2-40B4-BE49-F238E27FC236}">
+                <a16:creationId xmlns:a16="http://schemas.microsoft.com/office/drawing/2014/main" id="{2B92AE38-A7A0-6D84-7CC4-C3064612A405}"/>
+              </a:ext>
+            </a:extLst>
+          </p:cNvPr>
+          <p:cNvSpPr>
+            <a:spLocks noGrp="1"/>
+          </p:cNvSpPr>
+          <p:nvPr>
+            <p:ph type="title"/>
+          </p:nvPr>
+        </p:nvSpPr>
+        <p:spPr/>
+        <p:txBody>
+          <a:bodyPr/>
+          <a:lstStyle/>
+          <a:p>
+            <a:r>
+              <a:rPr lang="en-US" dirty="0"/>
+              <a:t>Lesson 3: bringing it all together</a:t>
+            </a:r>
+          </a:p>
+        </p:txBody>
+      </p:sp>
+      <p:sp>
+        <p:nvSpPr>
+          <p:cNvPr id="3" name="Content Placeholder 2">
+            <a:extLst>
+              <a:ext uri="{FF2B5EF4-FFF2-40B4-BE49-F238E27FC236}">
+                <a16:creationId xmlns:a16="http://schemas.microsoft.com/office/drawing/2014/main" id="{9A01353C-49B1-769D-CD55-7F4105B9D6DD}"/>
+              </a:ext>
+            </a:extLst>
+          </p:cNvPr>
+          <p:cNvSpPr>
+            <a:spLocks noGrp="1"/>
+          </p:cNvSpPr>
+          <p:nvPr>
+            <p:ph idx="1"/>
+          </p:nvPr>
+        </p:nvSpPr>
+        <p:spPr/>
+        <p:txBody>
+          <a:bodyPr/>
+          <a:lstStyle/>
+          <a:p>
+            <a:r>
+              <a:rPr lang="en-US" dirty="0"/>
+              <a:t>There is one last rule that we need to write: the stats rule using the “</a:t>
+            </a:r>
+            <a:r>
+              <a:rPr lang="en-US" dirty="0">
+                <a:solidFill>
+                  <a:schemeClr val="bg1"/>
+                </a:solidFill>
+                <a:highlight>
+                  <a:srgbClr val="000000"/>
+                </a:highlight>
+              </a:rPr>
+              <a:t>stats_wrapper.sh</a:t>
+            </a:r>
+            <a:r>
+              <a:rPr lang="en-US" dirty="0"/>
+              <a:t>” script! </a:t>
+            </a:r>
+          </a:p>
+          <a:p>
+            <a:endParaRPr lang="en-US" dirty="0"/>
+          </a:p>
+          <a:p>
+            <a:r>
+              <a:rPr lang="en-US" dirty="0"/>
+              <a:t>Try writing a rule for this script and running your workflow. </a:t>
+            </a:r>
+          </a:p>
+        </p:txBody>
+      </p:sp>
+    </p:spTree>
+    <p:extLst>
+      <p:ext uri="{BB962C8B-B14F-4D97-AF65-F5344CB8AC3E}">
+        <p14:creationId xmlns:p14="http://schemas.microsoft.com/office/powerpoint/2010/main" val="2082076755"/>
+      </p:ext>
+    </p:extLst>
+  </p:cSld>
+  <p:clrMapOvr>
+    <a:masterClrMapping/>
+  </p:clrMapOvr>
+</p:sld>
+</file>
+
+<file path=ppt/slides/slide48.xml><?xml version="1.0" encoding="utf-8"?>
+<p:sld xmlns:a="http://schemas.openxmlformats.org/drawingml/2006/main" xmlns:r="http://schemas.openxmlformats.org/officeDocument/2006/relationships" xmlns:p="http://schemas.openxmlformats.org/presentationml/2006/main">
+  <p:cSld>
+    <p:spTree>
+      <p:nvGrpSpPr>
+        <p:cNvPr id="1" name=""/>
+        <p:cNvGrpSpPr/>
+        <p:nvPr/>
+      </p:nvGrpSpPr>
+      <p:grpSpPr>
+        <a:xfrm>
+          <a:off x="0" y="0"/>
+          <a:ext cx="0" cy="0"/>
+          <a:chOff x="0" y="0"/>
+          <a:chExt cx="0" cy="0"/>
+        </a:xfrm>
+      </p:grpSpPr>
+      <p:sp>
+        <p:nvSpPr>
+          <p:cNvPr id="2" name="Title 1">
+            <a:extLst>
+              <a:ext uri="{FF2B5EF4-FFF2-40B4-BE49-F238E27FC236}">
+                <a16:creationId xmlns:a16="http://schemas.microsoft.com/office/drawing/2014/main" id="{0B98621D-EA4C-3CBC-C338-5DF48996D311}"/>
+              </a:ext>
+            </a:extLst>
+          </p:cNvPr>
+          <p:cNvSpPr>
+            <a:spLocks noGrp="1"/>
+          </p:cNvSpPr>
+          <p:nvPr>
+            <p:ph type="title"/>
+          </p:nvPr>
+        </p:nvSpPr>
+        <p:spPr/>
+        <p:txBody>
+          <a:bodyPr/>
+          <a:lstStyle/>
+          <a:p>
+            <a:r>
+              <a:rPr lang="en-US" dirty="0"/>
+              <a:t>Lesson 3: cluster job submission</a:t>
+            </a:r>
+          </a:p>
+        </p:txBody>
+      </p:sp>
+      <p:sp>
+        <p:nvSpPr>
+          <p:cNvPr id="3" name="Content Placeholder 2">
+            <a:extLst>
+              <a:ext uri="{FF2B5EF4-FFF2-40B4-BE49-F238E27FC236}">
+                <a16:creationId xmlns:a16="http://schemas.microsoft.com/office/drawing/2014/main" id="{BEC5F280-EA14-72F5-771E-6530A25749FC}"/>
+              </a:ext>
+            </a:extLst>
+          </p:cNvPr>
+          <p:cNvSpPr>
+            <a:spLocks noGrp="1"/>
+          </p:cNvSpPr>
+          <p:nvPr>
+            <p:ph idx="1"/>
+          </p:nvPr>
+        </p:nvSpPr>
+        <p:spPr>
+          <a:xfrm>
+            <a:off x="838200" y="1625125"/>
+            <a:ext cx="10515600" cy="4731287"/>
+          </a:xfrm>
+        </p:spPr>
+        <p:txBody>
+          <a:bodyPr>
+            <a:normAutofit fontScale="92500" lnSpcReduction="10000"/>
+          </a:bodyPr>
+          <a:lstStyle/>
+          <a:p>
+            <a:r>
+              <a:rPr lang="en-US" dirty="0"/>
+              <a:t>That’s not all! </a:t>
+            </a:r>
+            <a:r>
+              <a:rPr lang="en-US" dirty="0" err="1"/>
+              <a:t>Snakemake</a:t>
+            </a:r>
+            <a:r>
+              <a:rPr lang="en-US" dirty="0"/>
+              <a:t> also allows you to submit jobs to the cluster!</a:t>
+            </a:r>
+          </a:p>
+          <a:p>
+            <a:endParaRPr lang="en-US" dirty="0"/>
+          </a:p>
+          <a:p>
+            <a:r>
+              <a:rPr lang="en-US" dirty="0"/>
+              <a:t>We can assign a generic cluster statement to each </a:t>
+            </a:r>
+            <a:r>
+              <a:rPr lang="en-US" dirty="0" err="1"/>
+              <a:t>Snakemake</a:t>
+            </a:r>
+            <a:r>
+              <a:rPr lang="en-US" dirty="0"/>
+              <a:t> rule so that the jobs are submitted to </a:t>
+            </a:r>
+            <a:r>
+              <a:rPr lang="en-US" dirty="0" err="1"/>
+              <a:t>slurm</a:t>
+            </a:r>
+            <a:r>
+              <a:rPr lang="en-US" dirty="0"/>
+              <a:t> automatically:</a:t>
+            </a:r>
+          </a:p>
+          <a:p>
+            <a:endParaRPr lang="en-US" dirty="0"/>
+          </a:p>
+          <a:p>
+            <a:endParaRPr lang="en-US" dirty="0"/>
+          </a:p>
+          <a:p>
+            <a:r>
+              <a:rPr lang="en-US" dirty="0"/>
+              <a:t>This means that </a:t>
+            </a:r>
+            <a:r>
+              <a:rPr lang="en-US" dirty="0" err="1"/>
+              <a:t>snakemake</a:t>
+            </a:r>
+            <a:r>
+              <a:rPr lang="en-US" dirty="0"/>
+              <a:t> can help you parallelize jobs on the cluster as well. </a:t>
+            </a:r>
+          </a:p>
+        </p:txBody>
+      </p:sp>
+      <p:pic>
+        <p:nvPicPr>
+          <p:cNvPr id="5" name="Picture 4">
+            <a:extLst>
+              <a:ext uri="{FF2B5EF4-FFF2-40B4-BE49-F238E27FC236}">
+                <a16:creationId xmlns:a16="http://schemas.microsoft.com/office/drawing/2014/main" id="{A71EC1FD-44B0-C2B4-28A8-0A443CA81ED2}"/>
+              </a:ext>
+            </a:extLst>
+          </p:cNvPr>
+          <p:cNvPicPr>
+            <a:picLocks noChangeAspect="1"/>
+          </p:cNvPicPr>
+          <p:nvPr/>
+        </p:nvPicPr>
+        <p:blipFill>
+          <a:blip r:embed="rId2"/>
+          <a:stretch>
+            <a:fillRect/>
+          </a:stretch>
+        </p:blipFill>
+        <p:spPr>
+          <a:xfrm>
+            <a:off x="671512" y="4799443"/>
+            <a:ext cx="10848975" cy="295275"/>
+          </a:xfrm>
+          <a:prstGeom prst="rect">
+            <a:avLst/>
+          </a:prstGeom>
+        </p:spPr>
+      </p:pic>
+    </p:spTree>
+    <p:extLst>
+      <p:ext uri="{BB962C8B-B14F-4D97-AF65-F5344CB8AC3E}">
+        <p14:creationId xmlns:p14="http://schemas.microsoft.com/office/powerpoint/2010/main" val="850953155"/>
+      </p:ext>
+    </p:extLst>
+  </p:cSld>
+  <p:clrMapOvr>
+    <a:masterClrMapping/>
+  </p:clrMapOvr>
+</p:sld>
+</file>
+
+<file path=ppt/slides/slide49.xml><?xml version="1.0" encoding="utf-8"?>
+<p:sld xmlns:a="http://schemas.openxmlformats.org/drawingml/2006/main" xmlns:r="http://schemas.openxmlformats.org/officeDocument/2006/relationships" xmlns:p="http://schemas.openxmlformats.org/presentationml/2006/main">
+  <p:cSld>
+    <p:spTree>
+      <p:nvGrpSpPr>
+        <p:cNvPr id="1" name=""/>
+        <p:cNvGrpSpPr/>
+        <p:nvPr/>
+      </p:nvGrpSpPr>
+      <p:grpSpPr>
+        <a:xfrm>
+          <a:off x="0" y="0"/>
+          <a:ext cx="0" cy="0"/>
+          <a:chOff x="0" y="0"/>
+          <a:chExt cx="0" cy="0"/>
+        </a:xfrm>
+      </p:grpSpPr>
+      <p:sp>
+        <p:nvSpPr>
+          <p:cNvPr id="2" name="Title 1">
+            <a:extLst>
+              <a:ext uri="{FF2B5EF4-FFF2-40B4-BE49-F238E27FC236}">
+                <a16:creationId xmlns:a16="http://schemas.microsoft.com/office/drawing/2014/main" id="{9E504907-6F3A-3AAD-D424-133F377A2C68}"/>
+              </a:ext>
+            </a:extLst>
+          </p:cNvPr>
+          <p:cNvSpPr>
+            <a:spLocks noGrp="1"/>
+          </p:cNvSpPr>
+          <p:nvPr>
+            <p:ph type="title"/>
+          </p:nvPr>
+        </p:nvSpPr>
+        <p:spPr/>
+        <p:txBody>
+          <a:bodyPr/>
+          <a:lstStyle/>
+          <a:p>
+            <a:r>
+              <a:rPr lang="en-US" dirty="0"/>
+              <a:t>More learning</a:t>
+            </a:r>
+          </a:p>
+        </p:txBody>
+      </p:sp>
+      <p:sp>
+        <p:nvSpPr>
+          <p:cNvPr id="3" name="Content Placeholder 2">
+            <a:extLst>
+              <a:ext uri="{FF2B5EF4-FFF2-40B4-BE49-F238E27FC236}">
+                <a16:creationId xmlns:a16="http://schemas.microsoft.com/office/drawing/2014/main" id="{B4D3EFC4-D086-C2C0-DEBD-7A7C3C1C9364}"/>
+              </a:ext>
+            </a:extLst>
+          </p:cNvPr>
+          <p:cNvSpPr>
+            <a:spLocks noGrp="1"/>
+          </p:cNvSpPr>
+          <p:nvPr>
+            <p:ph idx="1"/>
+          </p:nvPr>
+        </p:nvSpPr>
+        <p:spPr/>
+        <p:txBody>
+          <a:bodyPr/>
+          <a:lstStyle/>
+          <a:p>
+            <a:r>
+              <a:rPr lang="en-US" dirty="0" err="1"/>
+              <a:t>Snakemake</a:t>
+            </a:r>
+            <a:r>
+              <a:rPr lang="en-US" dirty="0"/>
+              <a:t> tutorial: </a:t>
+            </a:r>
+            <a:r>
+              <a:rPr lang="en-US" dirty="0">
+                <a:hlinkClick r:id="rId2"/>
+              </a:rPr>
+              <a:t>https://snakemake.readthedocs.io/en/stable/tutorial/tutorial.html</a:t>
+            </a:r>
+            <a:endParaRPr lang="en-US" dirty="0"/>
+          </a:p>
+          <a:p>
+            <a:endParaRPr lang="en-US" dirty="0"/>
+          </a:p>
+          <a:p>
+            <a:r>
+              <a:rPr lang="en-US" dirty="0"/>
+              <a:t>Some example </a:t>
+            </a:r>
+            <a:r>
+              <a:rPr lang="en-US" dirty="0" err="1"/>
+              <a:t>snakemake</a:t>
+            </a:r>
+            <a:r>
+              <a:rPr lang="en-US" dirty="0"/>
+              <a:t> workflows: </a:t>
+            </a:r>
+            <a:r>
+              <a:rPr lang="en-US" dirty="0">
+                <a:hlinkClick r:id="rId3"/>
+              </a:rPr>
+              <a:t>https://github.com/njdbickhart/python_toolchain/tree/master/snakeMake</a:t>
+            </a:r>
+            <a:endParaRPr lang="en-US" dirty="0"/>
+          </a:p>
+          <a:p>
+            <a:endParaRPr lang="en-US" dirty="0"/>
+          </a:p>
+        </p:txBody>
+      </p:sp>
+    </p:spTree>
+    <p:extLst>
+      <p:ext uri="{BB962C8B-B14F-4D97-AF65-F5344CB8AC3E}">
+        <p14:creationId xmlns:p14="http://schemas.microsoft.com/office/powerpoint/2010/main" val="2704291637"/>
       </p:ext>
     </p:extLst>
   </p:cSld>
@@ -11109,7 +14189,7 @@
           <p:cNvPr id="2" name="Title 1">
             <a:extLst>
               <a:ext uri="{FF2B5EF4-FFF2-40B4-BE49-F238E27FC236}">
-                <a16:creationId xmlns:a16="http://schemas.microsoft.com/office/drawing/2014/main" id="{63A7FEA0-C338-744A-DCC4-D05D9EEACD0D}"/>
+                <a16:creationId xmlns:a16="http://schemas.microsoft.com/office/drawing/2014/main" id="{1E6196AF-5081-D868-0CD6-F77A21454516}"/>
               </a:ext>
             </a:extLst>
           </p:cNvPr>
@@ -11117,7 +14197,7 @@
             <a:spLocks noGrp="1"/>
           </p:cNvSpPr>
           <p:nvPr>
-            <p:ph type="title"/>
+            <p:ph type="ctrTitle"/>
           </p:nvPr>
         </p:nvSpPr>
         <p:spPr/>
@@ -11127,17 +14207,17 @@
           <a:p>
             <a:r>
               <a:rPr lang="en-US" dirty="0"/>
-              <a:t>The Python problem: package updates</a:t>
-            </a:r>
-          </a:p>
-        </p:txBody>
-      </p:sp>
-      <p:sp>
-        <p:nvSpPr>
-          <p:cNvPr id="4" name="Content Placeholder 3">
-            <a:extLst>
-              <a:ext uri="{FF2B5EF4-FFF2-40B4-BE49-F238E27FC236}">
-                <a16:creationId xmlns:a16="http://schemas.microsoft.com/office/drawing/2014/main" id="{133D6161-751F-0A52-A0DE-991E50D925D8}"/>
+              <a:t>HPC Advanced topics</a:t>
+            </a:r>
+          </a:p>
+        </p:txBody>
+      </p:sp>
+      <p:sp>
+        <p:nvSpPr>
+          <p:cNvPr id="3" name="Subtitle 2">
+            <a:extLst>
+              <a:ext uri="{FF2B5EF4-FFF2-40B4-BE49-F238E27FC236}">
+                <a16:creationId xmlns:a16="http://schemas.microsoft.com/office/drawing/2014/main" id="{33BD0904-A868-6380-DEA9-2962597D17C0}"/>
               </a:ext>
             </a:extLst>
           </p:cNvPr>
@@ -11145,74 +14225,22 @@
             <a:spLocks noGrp="1"/>
           </p:cNvSpPr>
           <p:nvPr>
-            <p:ph sz="half" idx="1"/>
+            <p:ph type="subTitle" idx="1"/>
           </p:nvPr>
         </p:nvSpPr>
         <p:spPr/>
         <p:txBody>
-          <a:bodyPr>
-            <a:normAutofit fontScale="85000" lnSpcReduction="10000"/>
-          </a:bodyPr>
+          <a:bodyPr/>
           <a:lstStyle/>
           <a:p>
-            <a:r>
-              <a:rPr lang="en-US" dirty="0"/>
-              <a:t>Python package files cannot have version ids in their names.</a:t>
-            </a:r>
-          </a:p>
-          <a:p>
-            <a:endParaRPr lang="en-US" dirty="0"/>
-          </a:p>
-          <a:p>
-            <a:r>
-              <a:rPr lang="en-US" dirty="0"/>
-              <a:t>It is impossible to know which version you are loading.</a:t>
-            </a:r>
-          </a:p>
-          <a:p>
-            <a:endParaRPr lang="en-US" dirty="0"/>
-          </a:p>
-          <a:p>
-            <a:r>
-              <a:rPr lang="en-US" dirty="0"/>
-              <a:t>Loading a newer version may ‘break’ your other packages that depend on a specific version of that package!</a:t>
-            </a:r>
-          </a:p>
-        </p:txBody>
-      </p:sp>
-      <p:pic>
-        <p:nvPicPr>
-          <p:cNvPr id="7" name="Content Placeholder 6">
-            <a:extLst>
-              <a:ext uri="{FF2B5EF4-FFF2-40B4-BE49-F238E27FC236}">
-                <a16:creationId xmlns:a16="http://schemas.microsoft.com/office/drawing/2014/main" id="{04021CEA-282B-0A30-329B-A067D0ABAAB6}"/>
-              </a:ext>
-            </a:extLst>
-          </p:cNvPr>
-          <p:cNvPicPr>
-            <a:picLocks noGrp="1" noChangeAspect="1"/>
-          </p:cNvPicPr>
-          <p:nvPr>
-            <p:ph sz="half" idx="2"/>
-          </p:nvPr>
-        </p:nvPicPr>
-        <p:blipFill>
-          <a:blip r:embed="rId2"/>
-          <a:stretch>
-            <a:fillRect/>
-          </a:stretch>
-        </p:blipFill>
-        <p:spPr>
-          <a:xfrm>
-            <a:off x="6172202" y="2348440"/>
-            <a:ext cx="5890623" cy="2639197"/>
-          </a:xfrm>
-        </p:spPr>
-      </p:pic>
+            <a:endParaRPr lang="en-US"/>
+          </a:p>
+        </p:txBody>
+      </p:sp>
     </p:spTree>
     <p:extLst>
       <p:ext uri="{BB962C8B-B14F-4D97-AF65-F5344CB8AC3E}">
-        <p14:creationId xmlns:p14="http://schemas.microsoft.com/office/powerpoint/2010/main" val="936950408"/>
+        <p14:creationId xmlns:p14="http://schemas.microsoft.com/office/powerpoint/2010/main" val="28844704"/>
       </p:ext>
     </p:extLst>
   </p:cSld>
@@ -11244,7 +14272,7 @@
           <p:cNvPr id="2" name="Title 1">
             <a:extLst>
               <a:ext uri="{FF2B5EF4-FFF2-40B4-BE49-F238E27FC236}">
-                <a16:creationId xmlns:a16="http://schemas.microsoft.com/office/drawing/2014/main" id="{2423AFD0-FEE3-E55C-A74D-DFE12396A32D}"/>
+                <a16:creationId xmlns:a16="http://schemas.microsoft.com/office/drawing/2014/main" id="{5D6BE1A2-B299-1271-DA17-39CF58FC6011}"/>
               </a:ext>
             </a:extLst>
           </p:cNvPr>
@@ -11255,78 +14283,24 @@
             <p:ph type="title"/>
           </p:nvPr>
         </p:nvSpPr>
-        <p:spPr>
-          <a:xfrm>
-            <a:off x="838200" y="365125"/>
-            <a:ext cx="10515600" cy="1260000"/>
-          </a:xfrm>
-        </p:spPr>
-        <p:txBody>
-          <a:bodyPr anchor="ctr">
-            <a:normAutofit/>
-          </a:bodyPr>
+        <p:spPr/>
+        <p:txBody>
+          <a:bodyPr/>
           <a:lstStyle/>
           <a:p>
             <a:r>
               <a:rPr lang="en-US" dirty="0"/>
-              <a:t>A solution in </a:t>
-            </a:r>
-            <a:r>
-              <a:rPr lang="en-US" dirty="0" err="1"/>
-              <a:t>Conda</a:t>
-            </a:r>
-            <a:r>
-              <a:rPr lang="en-US" dirty="0"/>
-              <a:t> environments</a:t>
-            </a:r>
-          </a:p>
-        </p:txBody>
-      </p:sp>
-      <p:pic>
-        <p:nvPicPr>
-          <p:cNvPr id="1026" name="Picture 2" descr="Getting Started with Conda. Just the basics. What is Conda? Why… | by David  R. Pugh | Towards Data Science">
-            <a:extLst>
-              <a:ext uri="{FF2B5EF4-FFF2-40B4-BE49-F238E27FC236}">
-                <a16:creationId xmlns:a16="http://schemas.microsoft.com/office/drawing/2014/main" id="{D6E0FC62-D97C-3F47-934A-0D91027B8AF7}"/>
-              </a:ext>
-            </a:extLst>
-          </p:cNvPr>
-          <p:cNvPicPr>
-            <a:picLocks noChangeAspect="1" noChangeArrowheads="1"/>
-          </p:cNvPicPr>
-          <p:nvPr/>
-        </p:nvPicPr>
-        <p:blipFill>
-          <a:blip r:embed="rId2">
-            <a:extLst>
-              <a:ext uri="{28A0092B-C50C-407E-A947-70E740481C1C}">
-                <a14:useLocalDpi xmlns:a14="http://schemas.microsoft.com/office/drawing/2010/main" val="0"/>
-              </a:ext>
-            </a:extLst>
-          </a:blip>
-          <a:stretch>
-            <a:fillRect/>
-          </a:stretch>
-        </p:blipFill>
-        <p:spPr bwMode="auto">
-          <a:xfrm>
-            <a:off x="73645" y="2158731"/>
-            <a:ext cx="5946155" cy="3998788"/>
-          </a:xfrm>
-          <a:prstGeom prst="rect">
-            <a:avLst/>
-          </a:prstGeom>
-          <a:solidFill>
-            <a:srgbClr val="FFFFFF"/>
-          </a:solidFill>
-        </p:spPr>
-      </p:pic>
-      <p:sp>
-        <p:nvSpPr>
-          <p:cNvPr id="1031" name="Content Placeholder 3">
-            <a:extLst>
-              <a:ext uri="{FF2B5EF4-FFF2-40B4-BE49-F238E27FC236}">
-                <a16:creationId xmlns:a16="http://schemas.microsoft.com/office/drawing/2014/main" id="{BFDB7604-ECAB-A05B-4C8B-7F9541370BBF}"/>
+              <a:t>Copy the repository for slides and materials</a:t>
+            </a:r>
+          </a:p>
+        </p:txBody>
+      </p:sp>
+      <p:sp>
+        <p:nvSpPr>
+          <p:cNvPr id="3" name="Content Placeholder 2">
+            <a:extLst>
+              <a:ext uri="{FF2B5EF4-FFF2-40B4-BE49-F238E27FC236}">
+                <a16:creationId xmlns:a16="http://schemas.microsoft.com/office/drawing/2014/main" id="{A9F73653-6BFF-5EBB-B01F-6000822EB572}"/>
               </a:ext>
             </a:extLst>
           </p:cNvPr>
@@ -11334,78 +14308,22 @@
             <a:spLocks noGrp="1"/>
           </p:cNvSpPr>
           <p:nvPr>
-            <p:ph sz="half" idx="2"/>
-          </p:nvPr>
-        </p:nvSpPr>
-        <p:spPr>
-          <a:xfrm>
-            <a:off x="6172199" y="1625124"/>
-            <a:ext cx="5890491" cy="5232875"/>
-          </a:xfrm>
-        </p:spPr>
-        <p:txBody>
-          <a:bodyPr>
-            <a:normAutofit fontScale="85000" lnSpcReduction="20000"/>
-          </a:bodyPr>
+            <p:ph idx="1"/>
+          </p:nvPr>
+        </p:nvSpPr>
+        <p:spPr/>
+        <p:txBody>
+          <a:bodyPr/>
           <a:lstStyle/>
           <a:p>
-            <a:r>
-              <a:rPr lang="en-US" dirty="0" err="1"/>
-              <a:t>Conda</a:t>
-            </a:r>
-            <a:r>
-              <a:rPr lang="en-US" dirty="0"/>
-              <a:t> is a large package repository that has portable versions of many major programs and packages.</a:t>
-            </a:r>
-          </a:p>
-          <a:p>
             <a:endParaRPr lang="en-US" dirty="0"/>
-          </a:p>
-          <a:p>
-            <a:r>
-              <a:rPr lang="en-US" dirty="0" err="1"/>
-              <a:t>MiniConda</a:t>
-            </a:r>
-            <a:r>
-              <a:rPr lang="en-US" dirty="0"/>
-              <a:t> is a software tool that searches </a:t>
-            </a:r>
-            <a:r>
-              <a:rPr lang="en-US" dirty="0" err="1"/>
-              <a:t>Conda</a:t>
-            </a:r>
-            <a:r>
-              <a:rPr lang="en-US" dirty="0"/>
-              <a:t> and can download and install packages/software in “virtual environments”</a:t>
-            </a:r>
-          </a:p>
-          <a:p>
-            <a:endParaRPr lang="en-US" dirty="0"/>
-          </a:p>
-          <a:p>
-            <a:r>
-              <a:rPr lang="en-US" dirty="0" err="1"/>
-              <a:t>AnaConda</a:t>
-            </a:r>
-            <a:r>
-              <a:rPr lang="en-US" dirty="0"/>
-              <a:t> is a step above </a:t>
-            </a:r>
-            <a:r>
-              <a:rPr lang="en-US" dirty="0" err="1"/>
-              <a:t>MiniConda</a:t>
-            </a:r>
-            <a:r>
-              <a:rPr lang="en-US" dirty="0"/>
-              <a:t> by providing top Python packages/IDEs in a single distribution</a:t>
-            </a:r>
           </a:p>
         </p:txBody>
       </p:sp>
     </p:spTree>
     <p:extLst>
       <p:ext uri="{BB962C8B-B14F-4D97-AF65-F5344CB8AC3E}">
-        <p14:creationId xmlns:p14="http://schemas.microsoft.com/office/powerpoint/2010/main" val="2790760597"/>
+        <p14:creationId xmlns:p14="http://schemas.microsoft.com/office/powerpoint/2010/main" val="938452485"/>
       </p:ext>
     </p:extLst>
   </p:cSld>
@@ -11434,10 +14352,10 @@
       </p:grpSpPr>
       <p:sp>
         <p:nvSpPr>
-          <p:cNvPr id="5" name="Title 4">
-            <a:extLst>
-              <a:ext uri="{FF2B5EF4-FFF2-40B4-BE49-F238E27FC236}">
-                <a16:creationId xmlns:a16="http://schemas.microsoft.com/office/drawing/2014/main" id="{5BBE3BCD-5F0A-C5D3-6204-EE267B24191A}"/>
+          <p:cNvPr id="4" name="Title 3">
+            <a:extLst>
+              <a:ext uri="{FF2B5EF4-FFF2-40B4-BE49-F238E27FC236}">
+                <a16:creationId xmlns:a16="http://schemas.microsoft.com/office/drawing/2014/main" id="{BCC7EA5C-BFFD-C393-BB85-CBC139E07F4D}"/>
               </a:ext>
             </a:extLst>
           </p:cNvPr>
@@ -11455,17 +14373,17 @@
           <a:p>
             <a:r>
               <a:rPr lang="en-US" dirty="0"/>
-              <a:t>What is a “virtual environment?”</a:t>
-            </a:r>
-          </a:p>
-        </p:txBody>
-      </p:sp>
-      <p:sp>
-        <p:nvSpPr>
-          <p:cNvPr id="6" name="Content Placeholder 5">
-            <a:extLst>
-              <a:ext uri="{FF2B5EF4-FFF2-40B4-BE49-F238E27FC236}">
-                <a16:creationId xmlns:a16="http://schemas.microsoft.com/office/drawing/2014/main" id="{583F0D89-3D6C-7ADF-8253-E812271E4502}"/>
+              <a:t>Your PATH and Virtual Environments</a:t>
+            </a:r>
+          </a:p>
+        </p:txBody>
+      </p:sp>
+      <p:sp>
+        <p:nvSpPr>
+          <p:cNvPr id="5" name="Text Placeholder 4">
+            <a:extLst>
+              <a:ext uri="{FF2B5EF4-FFF2-40B4-BE49-F238E27FC236}">
+                <a16:creationId xmlns:a16="http://schemas.microsoft.com/office/drawing/2014/main" id="{4514EFCB-D5BB-1863-76BA-6C40D5BB9E19}"/>
               </a:ext>
             </a:extLst>
           </p:cNvPr>
@@ -11473,7 +14391,7 @@
             <a:spLocks noGrp="1"/>
           </p:cNvSpPr>
           <p:nvPr>
-            <p:ph idx="1"/>
+            <p:ph type="body" idx="1"/>
           </p:nvPr>
         </p:nvSpPr>
         <p:spPr/>
@@ -11481,71 +14399,14 @@
           <a:bodyPr/>
           <a:lstStyle/>
           <a:p>
-            <a:r>
-              <a:rPr lang="en-US" dirty="0"/>
-              <a:t>A virtual environment is a controlled and reversible modification of your $PATH to allow you to run specific programs or packages. </a:t>
-            </a:r>
-          </a:p>
-          <a:p>
-            <a:endParaRPr lang="en-US" dirty="0"/>
-          </a:p>
-          <a:p>
-            <a:r>
-              <a:rPr lang="en-US" dirty="0"/>
-              <a:t>You access and modify your virtual environments with “</a:t>
-            </a:r>
-            <a:r>
-              <a:rPr lang="en-US" dirty="0" err="1"/>
-              <a:t>miniconda</a:t>
-            </a:r>
-            <a:r>
-              <a:rPr lang="en-US" dirty="0"/>
-              <a:t>” (the </a:t>
-            </a:r>
-            <a:r>
-              <a:rPr lang="en-US" dirty="0">
-                <a:solidFill>
-                  <a:schemeClr val="bg1"/>
-                </a:solidFill>
-                <a:highlight>
-                  <a:srgbClr val="000000"/>
-                </a:highlight>
-              </a:rPr>
-              <a:t>$ </a:t>
-            </a:r>
-            <a:r>
-              <a:rPr lang="en-US" dirty="0" err="1">
-                <a:solidFill>
-                  <a:schemeClr val="bg1"/>
-                </a:solidFill>
-                <a:highlight>
-                  <a:srgbClr val="000000"/>
-                </a:highlight>
-              </a:rPr>
-              <a:t>conda</a:t>
-            </a:r>
-            <a:r>
-              <a:rPr lang="en-US" dirty="0">
-                <a:solidFill>
-                  <a:schemeClr val="bg1"/>
-                </a:solidFill>
-                <a:highlight>
-                  <a:srgbClr val="000000"/>
-                </a:highlight>
-              </a:rPr>
-              <a:t> </a:t>
-            </a:r>
-            <a:r>
-              <a:rPr lang="en-US" dirty="0"/>
-              <a:t>command), and can deactivate them at any time. </a:t>
-            </a:r>
+            <a:endParaRPr lang="en-US"/>
           </a:p>
         </p:txBody>
       </p:sp>
     </p:spTree>
     <p:extLst>
       <p:ext uri="{BB962C8B-B14F-4D97-AF65-F5344CB8AC3E}">
-        <p14:creationId xmlns:p14="http://schemas.microsoft.com/office/powerpoint/2010/main" val="2564789681"/>
+        <p14:creationId xmlns:p14="http://schemas.microsoft.com/office/powerpoint/2010/main" val="2693626785"/>
       </p:ext>
     </p:extLst>
   </p:cSld>
@@ -11577,7 +14438,7 @@
           <p:cNvPr id="2" name="Title 1">
             <a:extLst>
               <a:ext uri="{FF2B5EF4-FFF2-40B4-BE49-F238E27FC236}">
-                <a16:creationId xmlns:a16="http://schemas.microsoft.com/office/drawing/2014/main" id="{E45CF926-1096-6FE9-B54D-FE6859070D9C}"/>
+                <a16:creationId xmlns:a16="http://schemas.microsoft.com/office/drawing/2014/main" id="{F73BAEC7-1536-05DB-48D5-7FEB5041F481}"/>
               </a:ext>
             </a:extLst>
           </p:cNvPr>
@@ -11595,21 +14456,8 @@
           <a:p>
             <a:r>
               <a:rPr lang="en-US" dirty="0"/>
-              <a:t>Installing </a:t>
-            </a:r>
-            <a:r>
-              <a:rPr lang="en-US" dirty="0" err="1"/>
-              <a:t>MiniConda</a:t>
-            </a:r>
-            <a:r>
-              <a:rPr lang="en-US" dirty="0"/>
-              <a:t> on </a:t>
-            </a:r>
-            <a:r>
-              <a:rPr lang="en-US" dirty="0" err="1"/>
-              <a:t>Anunna</a:t>
-            </a:r>
-            <a:endParaRPr lang="en-US" dirty="0"/>
+              <a:t>Recap on the PATH</a:t>
+            </a:r>
           </a:p>
         </p:txBody>
       </p:sp>
@@ -11618,7 +14466,7 @@
           <p:cNvPr id="3" name="Content Placeholder 2">
             <a:extLst>
               <a:ext uri="{FF2B5EF4-FFF2-40B4-BE49-F238E27FC236}">
-                <a16:creationId xmlns:a16="http://schemas.microsoft.com/office/drawing/2014/main" id="{8D0DDC7C-1952-CB2A-4FA9-0D1F72A5D1F7}"/>
+                <a16:creationId xmlns:a16="http://schemas.microsoft.com/office/drawing/2014/main" id="{1C0C11AF-7C13-2F3D-5EA8-0568731F0810}"/>
               </a:ext>
             </a:extLst>
           </p:cNvPr>
@@ -11629,33 +14477,91 @@
             <p:ph idx="1"/>
           </p:nvPr>
         </p:nvSpPr>
-        <p:spPr/>
-        <p:txBody>
-          <a:bodyPr/>
+        <p:spPr>
+          <a:xfrm>
+            <a:off x="838200" y="1625126"/>
+            <a:ext cx="10515600" cy="3999820"/>
+          </a:xfrm>
+        </p:spPr>
+        <p:txBody>
+          <a:bodyPr>
+            <a:normAutofit lnSpcReduction="10000"/>
+          </a:bodyPr>
           <a:lstStyle/>
           <a:p>
             <a:r>
+              <a:rPr lang="en-US" dirty="0"/>
+              <a:t>$PATH:</a:t>
+            </a:r>
+          </a:p>
+          <a:p>
+            <a:pPr lvl="1"/>
+            <a:r>
+              <a:rPr lang="en-US" dirty="0"/>
+              <a:t>A </a:t>
+            </a:r>
+            <a:r>
+              <a:rPr lang="en-US" dirty="0" err="1"/>
+              <a:t>unix</a:t>
+            </a:r>
+            <a:r>
+              <a:rPr lang="en-US" dirty="0"/>
+              <a:t> environmental variable that tells the OS where to look for accessible programs</a:t>
+            </a:r>
+          </a:p>
+          <a:p>
+            <a:pPr lvl="1"/>
+            <a:r>
+              <a:rPr lang="en-US" dirty="0"/>
+              <a:t>Priority is leftmost -&gt; rightmost. (</a:t>
+            </a:r>
+            <a:r>
+              <a:rPr lang="en-US" dirty="0" err="1"/>
+              <a:t>ie</a:t>
+            </a:r>
+            <a:r>
+              <a:rPr lang="en-US" dirty="0"/>
+              <a:t>. two programs with the same name in the path, “program” in the “</a:t>
+            </a:r>
+            <a:r>
               <a:rPr lang="en-US" dirty="0">
-                <a:hlinkClick r:id="rId2"/>
+                <a:solidFill>
+                  <a:srgbClr val="FF0000"/>
+                </a:solidFill>
               </a:rPr>
-              <a:t>https://docs.conda.io/en/latest/miniconda.html</a:t>
-            </a:r>
-            <a:endParaRPr lang="en-US" dirty="0"/>
-          </a:p>
-          <a:p>
-            <a:r>
-              <a:rPr lang="en-US" dirty="0"/>
-              <a:t>Right (or command) click the link. “Copy link address”</a:t>
+              <a:t>A</a:t>
+            </a:r>
+            <a:r>
+              <a:rPr lang="en-US" dirty="0"/>
+              <a:t>” folder will always be used over the “program” in “</a:t>
+            </a:r>
+            <a:r>
+              <a:rPr lang="en-US" dirty="0">
+                <a:solidFill>
+                  <a:srgbClr val="00B050"/>
+                </a:solidFill>
+              </a:rPr>
+              <a:t>B</a:t>
+            </a:r>
+            <a:r>
+              <a:rPr lang="en-US" dirty="0"/>
+              <a:t>”).</a:t>
+            </a:r>
+          </a:p>
+          <a:p>
+            <a:r>
+              <a:rPr lang="en-US" dirty="0"/>
+              <a:t>You can add to the PATH manually, but changes are lost when you logout.</a:t>
             </a:r>
           </a:p>
         </p:txBody>
       </p:sp>
       <p:pic>
         <p:nvPicPr>
-          <p:cNvPr id="7" name="Picture 6">
-            <a:extLst>
-              <a:ext uri="{FF2B5EF4-FFF2-40B4-BE49-F238E27FC236}">
-                <a16:creationId xmlns:a16="http://schemas.microsoft.com/office/drawing/2014/main" id="{40ADE1A2-4228-6682-0066-45E676C2B620}"/>
+          <p:cNvPr id="5" name="Picture 4">
+            <a:extLst>
+              <a:ext uri="{FF2B5EF4-FFF2-40B4-BE49-F238E27FC236}">
+                <a16:creationId xmlns:a16="http://schemas.microsoft.com/office/drawing/2014/main" id="{16E5B2AB-34C3-1084-AF76-CB2EE791BCEB}"/>
               </a:ext>
             </a:extLst>
           </p:cNvPr>
@@ -11664,26 +14570,207 @@
           </p:cNvPicPr>
           <p:nvPr/>
         </p:nvPicPr>
-        <p:blipFill>
-          <a:blip r:embed="rId3"/>
-          <a:stretch>
-            <a:fillRect/>
-          </a:stretch>
+        <p:blipFill rotWithShape="1">
+          <a:blip r:embed="rId2"/>
+          <a:srcRect r="36970" b="-6809"/>
+          <a:stretch/>
         </p:blipFill>
         <p:spPr>
           <a:xfrm>
-            <a:off x="1873188" y="3072170"/>
-            <a:ext cx="7827053" cy="3785830"/>
+            <a:off x="-1" y="5817424"/>
+            <a:ext cx="12129487" cy="679749"/>
           </a:xfrm>
           <a:prstGeom prst="rect">
             <a:avLst/>
           </a:prstGeom>
         </p:spPr>
       </p:pic>
+      <p:sp>
+        <p:nvSpPr>
+          <p:cNvPr id="6" name="Rectangle 5">
+            <a:extLst>
+              <a:ext uri="{FF2B5EF4-FFF2-40B4-BE49-F238E27FC236}">
+                <a16:creationId xmlns:a16="http://schemas.microsoft.com/office/drawing/2014/main" id="{8710F9D6-21C8-CD14-0899-3F7999B5F7E1}"/>
+              </a:ext>
+            </a:extLst>
+          </p:cNvPr>
+          <p:cNvSpPr/>
+          <p:nvPr/>
+        </p:nvSpPr>
+        <p:spPr>
+          <a:xfrm>
+            <a:off x="0" y="6031345"/>
+            <a:ext cx="3574473" cy="193964"/>
+          </a:xfrm>
+          <a:prstGeom prst="rect">
+            <a:avLst/>
+          </a:prstGeom>
+          <a:noFill/>
+          <a:ln w="28575">
+            <a:solidFill>
+              <a:srgbClr val="FF0000"/>
+            </a:solidFill>
+          </a:ln>
+        </p:spPr>
+        <p:style>
+          <a:lnRef idx="2">
+            <a:schemeClr val="accent1">
+              <a:shade val="50000"/>
+            </a:schemeClr>
+          </a:lnRef>
+          <a:fillRef idx="1">
+            <a:schemeClr val="accent1"/>
+          </a:fillRef>
+          <a:effectRef idx="0">
+            <a:schemeClr val="accent1"/>
+          </a:effectRef>
+          <a:fontRef idx="minor">
+            <a:schemeClr val="lt1"/>
+          </a:fontRef>
+        </p:style>
+        <p:txBody>
+          <a:bodyPr rtlCol="0" anchor="ctr"/>
+          <a:lstStyle/>
+          <a:p>
+            <a:pPr algn="ctr"/>
+            <a:endParaRPr lang="en-US"/>
+          </a:p>
+        </p:txBody>
+      </p:sp>
+      <p:sp>
+        <p:nvSpPr>
+          <p:cNvPr id="7" name="Rectangle 6">
+            <a:extLst>
+              <a:ext uri="{FF2B5EF4-FFF2-40B4-BE49-F238E27FC236}">
+                <a16:creationId xmlns:a16="http://schemas.microsoft.com/office/drawing/2014/main" id="{EDD9C3DB-B0BB-9A14-D901-2133B061714F}"/>
+              </a:ext>
+            </a:extLst>
+          </p:cNvPr>
+          <p:cNvSpPr/>
+          <p:nvPr/>
+        </p:nvSpPr>
+        <p:spPr>
+          <a:xfrm>
+            <a:off x="3658998" y="6031345"/>
+            <a:ext cx="4142763" cy="193964"/>
+          </a:xfrm>
+          <a:prstGeom prst="rect">
+            <a:avLst/>
+          </a:prstGeom>
+          <a:noFill/>
+          <a:ln w="28575">
+            <a:solidFill>
+              <a:srgbClr val="92D050"/>
+            </a:solidFill>
+          </a:ln>
+        </p:spPr>
+        <p:style>
+          <a:lnRef idx="2">
+            <a:schemeClr val="accent1">
+              <a:shade val="50000"/>
+            </a:schemeClr>
+          </a:lnRef>
+          <a:fillRef idx="1">
+            <a:schemeClr val="accent1"/>
+          </a:fillRef>
+          <a:effectRef idx="0">
+            <a:schemeClr val="accent1"/>
+          </a:effectRef>
+          <a:fontRef idx="minor">
+            <a:schemeClr val="lt1"/>
+          </a:fontRef>
+        </p:style>
+        <p:txBody>
+          <a:bodyPr rtlCol="0" anchor="ctr"/>
+          <a:lstStyle/>
+          <a:p>
+            <a:pPr algn="ctr"/>
+            <a:endParaRPr lang="en-US"/>
+          </a:p>
+        </p:txBody>
+      </p:sp>
+      <p:sp>
+        <p:nvSpPr>
+          <p:cNvPr id="8" name="TextBox 7">
+            <a:extLst>
+              <a:ext uri="{FF2B5EF4-FFF2-40B4-BE49-F238E27FC236}">
+                <a16:creationId xmlns:a16="http://schemas.microsoft.com/office/drawing/2014/main" id="{949731CE-5FDD-BC82-2458-B54C6C1CCBF9}"/>
+              </a:ext>
+            </a:extLst>
+          </p:cNvPr>
+          <p:cNvSpPr txBox="1"/>
+          <p:nvPr/>
+        </p:nvSpPr>
+        <p:spPr>
+          <a:xfrm>
+            <a:off x="1283515" y="6457481"/>
+            <a:ext cx="362600" cy="461665"/>
+          </a:xfrm>
+          <a:prstGeom prst="rect">
+            <a:avLst/>
+          </a:prstGeom>
+          <a:noFill/>
+        </p:spPr>
+        <p:txBody>
+          <a:bodyPr wrap="none" rtlCol="0">
+            <a:spAutoFit/>
+          </a:bodyPr>
+          <a:lstStyle/>
+          <a:p>
+            <a:r>
+              <a:rPr lang="en-US" sz="2400" dirty="0">
+                <a:solidFill>
+                  <a:srgbClr val="FF0000"/>
+                </a:solidFill>
+              </a:rPr>
+              <a:t>A</a:t>
+            </a:r>
+          </a:p>
+        </p:txBody>
+      </p:sp>
+      <p:sp>
+        <p:nvSpPr>
+          <p:cNvPr id="9" name="TextBox 8">
+            <a:extLst>
+              <a:ext uri="{FF2B5EF4-FFF2-40B4-BE49-F238E27FC236}">
+                <a16:creationId xmlns:a16="http://schemas.microsoft.com/office/drawing/2014/main" id="{C5052A2E-100D-C3EC-C621-068F7C2370F1}"/>
+              </a:ext>
+            </a:extLst>
+          </p:cNvPr>
+          <p:cNvSpPr txBox="1"/>
+          <p:nvPr/>
+        </p:nvSpPr>
+        <p:spPr>
+          <a:xfrm>
+            <a:off x="5125673" y="6439230"/>
+            <a:ext cx="351378" cy="461665"/>
+          </a:xfrm>
+          <a:prstGeom prst="rect">
+            <a:avLst/>
+          </a:prstGeom>
+          <a:noFill/>
+        </p:spPr>
+        <p:txBody>
+          <a:bodyPr wrap="none" rtlCol="0">
+            <a:spAutoFit/>
+          </a:bodyPr>
+          <a:lstStyle/>
+          <a:p>
+            <a:r>
+              <a:rPr lang="en-US" sz="2400" dirty="0">
+                <a:solidFill>
+                  <a:srgbClr val="00B050"/>
+                </a:solidFill>
+              </a:rPr>
+              <a:t>B</a:t>
+            </a:r>
+          </a:p>
+        </p:txBody>
+      </p:sp>
     </p:spTree>
     <p:extLst>
       <p:ext uri="{BB962C8B-B14F-4D97-AF65-F5344CB8AC3E}">
-        <p14:creationId xmlns:p14="http://schemas.microsoft.com/office/powerpoint/2010/main" val="858035887"/>
+        <p14:creationId xmlns:p14="http://schemas.microsoft.com/office/powerpoint/2010/main" val="2848082992"/>
       </p:ext>
     </p:extLst>
   </p:cSld>
@@ -11715,7 +14802,7 @@
           <p:cNvPr id="2" name="Title 1">
             <a:extLst>
               <a:ext uri="{FF2B5EF4-FFF2-40B4-BE49-F238E27FC236}">
-                <a16:creationId xmlns:a16="http://schemas.microsoft.com/office/drawing/2014/main" id="{7E5C7BE1-3A95-24C8-212F-A56BDDD01C01}"/>
+                <a16:creationId xmlns:a16="http://schemas.microsoft.com/office/drawing/2014/main" id="{66399B6D-6536-5A2F-0F2C-D2AC819ECE81}"/>
               </a:ext>
             </a:extLst>
           </p:cNvPr>
@@ -11733,41 +14820,21 @@
           <a:p>
             <a:r>
               <a:rPr lang="en-US" dirty="0"/>
-              <a:t>Installing </a:t>
-            </a:r>
-            <a:r>
-              <a:rPr lang="en-US" dirty="0" err="1"/>
-              <a:t>MiniConda</a:t>
-            </a:r>
-            <a:r>
-              <a:rPr lang="en-US" dirty="0"/>
-              <a:t> on </a:t>
-            </a:r>
-            <a:r>
-              <a:rPr lang="en-US" dirty="0" err="1"/>
-              <a:t>Anunna</a:t>
-            </a:r>
-            <a:r>
-              <a:rPr lang="en-US" dirty="0"/>
-              <a:t> (</a:t>
-            </a:r>
-            <a:r>
-              <a:rPr lang="en-US" dirty="0" err="1"/>
-              <a:t>cont</a:t>
-            </a:r>
-            <a:r>
-              <a:rPr lang="en-US" dirty="0"/>
-              <a:t>)</a:t>
-            </a:r>
-          </a:p>
-        </p:txBody>
-      </p:sp>
-      <p:sp>
-        <p:nvSpPr>
-          <p:cNvPr id="3" name="Content Placeholder 2">
-            <a:extLst>
-              <a:ext uri="{FF2B5EF4-FFF2-40B4-BE49-F238E27FC236}">
-                <a16:creationId xmlns:a16="http://schemas.microsoft.com/office/drawing/2014/main" id="{A26570B7-E4BD-0C2F-A927-D252C3DE8E19}"/>
+              <a:t>Program or </a:t>
+            </a:r>
+            <a:r>
+              <a:rPr lang="en-US"/>
+              <a:t>requirement collisions</a:t>
+            </a:r>
+          </a:p>
+        </p:txBody>
+      </p:sp>
+      <p:sp>
+        <p:nvSpPr>
+          <p:cNvPr id="4" name="Content Placeholder 3">
+            <a:extLst>
+              <a:ext uri="{FF2B5EF4-FFF2-40B4-BE49-F238E27FC236}">
+                <a16:creationId xmlns:a16="http://schemas.microsoft.com/office/drawing/2014/main" id="{A9AE7286-F660-9C69-6CE0-EB9ADC6C85B5}"/>
               </a:ext>
             </a:extLst>
           </p:cNvPr>
@@ -11775,96 +14842,99 @@
             <a:spLocks noGrp="1"/>
           </p:cNvSpPr>
           <p:nvPr>
-            <p:ph idx="1"/>
+            <p:ph sz="half" idx="1"/>
           </p:nvPr>
         </p:nvSpPr>
         <p:spPr>
           <a:xfrm>
-            <a:off x="758301" y="1625125"/>
-            <a:ext cx="10515600" cy="4389601"/>
+            <a:off x="191293" y="1652358"/>
+            <a:ext cx="4232564" cy="5044005"/>
           </a:xfrm>
         </p:spPr>
         <p:txBody>
-          <a:bodyPr/>
+          <a:bodyPr>
+            <a:normAutofit fontScale="85000" lnSpcReduction="20000"/>
+          </a:bodyPr>
           <a:lstStyle/>
           <a:p>
             <a:r>
               <a:rPr lang="en-US" dirty="0"/>
-              <a:t>Use “</a:t>
-            </a:r>
-            <a:r>
-              <a:rPr lang="en-US" dirty="0" err="1"/>
-              <a:t>wget</a:t>
-            </a:r>
-            <a:r>
-              <a:rPr lang="en-US" dirty="0"/>
-              <a:t>” to download on </a:t>
-            </a:r>
+              <a:t>Program dependencies can be complicated.</a:t>
+            </a:r>
+          </a:p>
+          <a:p>
+            <a:endParaRPr lang="en-US" dirty="0"/>
+          </a:p>
+          <a:p>
             <a:r>
               <a:rPr lang="en-US" dirty="0" err="1"/>
               <a:t>Anunna</a:t>
             </a:r>
+            <a:r>
+              <a:rPr lang="en-US" dirty="0"/>
+              <a:t> module system helps manage this by adding to PATH</a:t>
+            </a:r>
+          </a:p>
+          <a:p>
+            <a:pPr lvl="1"/>
+            <a:r>
+              <a:rPr lang="en-US" dirty="0"/>
+              <a:t>Top: $ module spider</a:t>
+            </a:r>
+          </a:p>
+          <a:p>
+            <a:pPr lvl="1"/>
+            <a:r>
+              <a:rPr lang="en-US" dirty="0"/>
+              <a:t>Bottom: $ module show</a:t>
+            </a:r>
+          </a:p>
+          <a:p>
+            <a:pPr lvl="1"/>
             <a:endParaRPr lang="en-US" dirty="0"/>
           </a:p>
           <a:p>
-            <a:endParaRPr lang="en-US" dirty="0"/>
-          </a:p>
-          <a:p>
-            <a:r>
-              <a:rPr lang="en-US" dirty="0"/>
-              <a:t>Run the installation script</a:t>
-            </a:r>
-          </a:p>
-          <a:p>
-            <a:endParaRPr lang="en-US" dirty="0"/>
-          </a:p>
-          <a:p>
-            <a:endParaRPr lang="en-US" dirty="0"/>
-          </a:p>
-          <a:p>
-            <a:r>
-              <a:rPr lang="en-US" dirty="0"/>
-              <a:t>Answer the prompts.</a:t>
+            <a:r>
+              <a:rPr lang="en-US" dirty="0"/>
+              <a:t>Different versions of the same program have different requirements</a:t>
             </a:r>
           </a:p>
         </p:txBody>
       </p:sp>
       <p:pic>
         <p:nvPicPr>
-          <p:cNvPr id="5" name="Picture 4">
-            <a:extLst>
-              <a:ext uri="{FF2B5EF4-FFF2-40B4-BE49-F238E27FC236}">
-                <a16:creationId xmlns:a16="http://schemas.microsoft.com/office/drawing/2014/main" id="{B8765C4D-E236-8F8D-0BFB-C7F960C66F27}"/>
+          <p:cNvPr id="7" name="Content Placeholder 6">
+            <a:extLst>
+              <a:ext uri="{FF2B5EF4-FFF2-40B4-BE49-F238E27FC236}">
+                <a16:creationId xmlns:a16="http://schemas.microsoft.com/office/drawing/2014/main" id="{43F6911C-B051-3928-5915-03CC3565917D}"/>
               </a:ext>
             </a:extLst>
           </p:cNvPr>
           <p:cNvPicPr>
-            <a:picLocks noChangeAspect="1"/>
+            <a:picLocks noGrp="1" noChangeAspect="1"/>
           </p:cNvPicPr>
-          <p:nvPr/>
+          <p:nvPr>
+            <p:ph sz="half" idx="2"/>
+          </p:nvPr>
         </p:nvPicPr>
-        <p:blipFill>
+        <p:blipFill rotWithShape="1">
           <a:blip r:embed="rId2"/>
-          <a:stretch>
-            <a:fillRect/>
-          </a:stretch>
+          <a:srcRect t="54571"/>
+          <a:stretch/>
         </p:blipFill>
         <p:spPr>
           <a:xfrm>
-            <a:off x="0" y="2248083"/>
-            <a:ext cx="12192000" cy="281663"/>
+            <a:off x="5156432" y="1293471"/>
+            <a:ext cx="6860117" cy="1680637"/>
           </a:xfrm>
-          <a:prstGeom prst="rect">
-            <a:avLst/>
-          </a:prstGeom>
         </p:spPr>
       </p:pic>
       <p:pic>
         <p:nvPicPr>
-          <p:cNvPr id="7" name="Picture 6">
-            <a:extLst>
-              <a:ext uri="{FF2B5EF4-FFF2-40B4-BE49-F238E27FC236}">
-                <a16:creationId xmlns:a16="http://schemas.microsoft.com/office/drawing/2014/main" id="{D3CE6CE9-1898-6537-A709-CD957D8F0BF3}"/>
+          <p:cNvPr id="9" name="Picture 8">
+            <a:extLst>
+              <a:ext uri="{FF2B5EF4-FFF2-40B4-BE49-F238E27FC236}">
+                <a16:creationId xmlns:a16="http://schemas.microsoft.com/office/drawing/2014/main" id="{3128A03E-B22A-C39A-565D-0178A0CD9BE4}"/>
               </a:ext>
             </a:extLst>
           </p:cNvPr>
@@ -11881,8 +14951,8 @@
         </p:blipFill>
         <p:spPr>
           <a:xfrm>
-            <a:off x="997767" y="3670369"/>
-            <a:ext cx="9584045" cy="406678"/>
+            <a:off x="4174114" y="3082844"/>
+            <a:ext cx="8017886" cy="3482191"/>
           </a:xfrm>
           <a:prstGeom prst="rect">
             <a:avLst/>
@@ -11892,7 +14962,7 @@
     </p:spTree>
     <p:extLst>
       <p:ext uri="{BB962C8B-B14F-4D97-AF65-F5344CB8AC3E}">
-        <p14:creationId xmlns:p14="http://schemas.microsoft.com/office/powerpoint/2010/main" val="582614512"/>
+        <p14:creationId xmlns:p14="http://schemas.microsoft.com/office/powerpoint/2010/main" val="2856544494"/>
       </p:ext>
     </p:extLst>
   </p:cSld>

--- a/virtualenv_snakemake_tutorial_2023_06_15.pptx
+++ b/virtualenv_snakemake_tutorial_2023_06_15.pptx
@@ -1622,7 +1622,7 @@
   <pc:docChgLst>
     <pc:chgData name="Derek Bickhart" userId="e5e1a3b3-1b46-42e8-8230-2e4862e78079" providerId="ADAL" clId="{AC930B08-629E-4C82-9FC4-462596426569}"/>
     <pc:docChg chg="custSel addSld modSld">
-      <pc:chgData name="Derek Bickhart" userId="e5e1a3b3-1b46-42e8-8230-2e4862e78079" providerId="ADAL" clId="{AC930B08-629E-4C82-9FC4-462596426569}" dt="2023-07-24T13:54:43.047" v="4665" actId="1076"/>
+      <pc:chgData name="Derek Bickhart" userId="e5e1a3b3-1b46-42e8-8230-2e4862e78079" providerId="ADAL" clId="{AC930B08-629E-4C82-9FC4-462596426569}" dt="2023-07-24T13:58:50.139" v="4795" actId="14100"/>
       <pc:docMkLst>
         <pc:docMk/>
       </pc:docMkLst>
@@ -1944,8 +1944,8 @@
           </ac:spMkLst>
         </pc:spChg>
       </pc:sldChg>
-      <pc:sldChg chg="modSp new mod">
-        <pc:chgData name="Derek Bickhart" userId="e5e1a3b3-1b46-42e8-8230-2e4862e78079" providerId="ADAL" clId="{AC930B08-629E-4C82-9FC4-462596426569}" dt="2023-07-24T13:18:35.140" v="2897" actId="20577"/>
+      <pc:sldChg chg="addSp modSp new mod">
+        <pc:chgData name="Derek Bickhart" userId="e5e1a3b3-1b46-42e8-8230-2e4862e78079" providerId="ADAL" clId="{AC930B08-629E-4C82-9FC4-462596426569}" dt="2023-07-24T13:58:50.139" v="4795" actId="14100"/>
         <pc:sldMkLst>
           <pc:docMk/>
           <pc:sldMk cId="938452485" sldId="298"/>
@@ -1958,6 +1958,22 @@
             <ac:spMk id="2" creationId="{5D6BE1A2-B299-1271-DA17-39CF58FC6011}"/>
           </ac:spMkLst>
         </pc:spChg>
+        <pc:spChg chg="mod">
+          <ac:chgData name="Derek Bickhart" userId="e5e1a3b3-1b46-42e8-8230-2e4862e78079" providerId="ADAL" clId="{AC930B08-629E-4C82-9FC4-462596426569}" dt="2023-07-24T13:58:50.139" v="4795" actId="14100"/>
+          <ac:spMkLst>
+            <pc:docMk/>
+            <pc:sldMk cId="938452485" sldId="298"/>
+            <ac:spMk id="3" creationId="{A9F73653-6BFF-5EBB-B01F-6000822EB572}"/>
+          </ac:spMkLst>
+        </pc:spChg>
+        <pc:picChg chg="add mod">
+          <ac:chgData name="Derek Bickhart" userId="e5e1a3b3-1b46-42e8-8230-2e4862e78079" providerId="ADAL" clId="{AC930B08-629E-4C82-9FC4-462596426569}" dt="2023-07-24T13:58:46.962" v="4794" actId="1076"/>
+          <ac:picMkLst>
+            <pc:docMk/>
+            <pc:sldMk cId="938452485" sldId="298"/>
+            <ac:picMk id="5" creationId="{8A1E55AD-A878-C13A-DAA6-4FFD7E43BB5B}"/>
+          </ac:picMkLst>
+        </pc:picChg>
       </pc:sldChg>
       <pc:sldChg chg="addSp modSp new mod">
         <pc:chgData name="Derek Bickhart" userId="e5e1a3b3-1b46-42e8-8230-2e4862e78079" providerId="ADAL" clId="{AC930B08-629E-4C82-9FC4-462596426569}" dt="2023-07-24T13:33:58.115" v="3480" actId="1076"/>
@@ -14311,15 +14327,75 @@
             <p:ph idx="1"/>
           </p:nvPr>
         </p:nvSpPr>
-        <p:spPr/>
+        <p:spPr>
+          <a:xfrm>
+            <a:off x="7296347" y="2154123"/>
+            <a:ext cx="4515440" cy="4389601"/>
+          </a:xfrm>
+        </p:spPr>
         <p:txBody>
           <a:bodyPr/>
           <a:lstStyle/>
           <a:p>
+            <a:r>
+              <a:rPr lang="en-US" dirty="0"/>
+              <a:t>Github.com/</a:t>
+            </a:r>
+            <a:r>
+              <a:rPr lang="en-US" dirty="0" err="1"/>
+              <a:t>njdbickhart</a:t>
+            </a:r>
+            <a:r>
+              <a:rPr lang="en-US" dirty="0"/>
+              <a:t>/</a:t>
+            </a:r>
+            <a:r>
+              <a:rPr lang="en-US" dirty="0" err="1"/>
+              <a:t>HPCVEnvTutorial</a:t>
+            </a:r>
             <a:endParaRPr lang="en-US" dirty="0"/>
           </a:p>
-        </p:txBody>
-      </p:sp>
+          <a:p>
+            <a:endParaRPr lang="en-US" dirty="0"/>
+          </a:p>
+          <a:p>
+            <a:r>
+              <a:rPr lang="en-US" dirty="0"/>
+              <a:t>Git clone https://github.com/njdbickhart/HPCVEnvTutorial.git</a:t>
+            </a:r>
+          </a:p>
+        </p:txBody>
+      </p:sp>
+      <p:pic>
+        <p:nvPicPr>
+          <p:cNvPr id="5" name="Picture 4">
+            <a:extLst>
+              <a:ext uri="{FF2B5EF4-FFF2-40B4-BE49-F238E27FC236}">
+                <a16:creationId xmlns:a16="http://schemas.microsoft.com/office/drawing/2014/main" id="{8A1E55AD-A878-C13A-DAA6-4FFD7E43BB5B}"/>
+              </a:ext>
+            </a:extLst>
+          </p:cNvPr>
+          <p:cNvPicPr>
+            <a:picLocks noChangeAspect="1"/>
+          </p:cNvPicPr>
+          <p:nvPr/>
+        </p:nvPicPr>
+        <p:blipFill>
+          <a:blip r:embed="rId2"/>
+          <a:stretch>
+            <a:fillRect/>
+          </a:stretch>
+        </p:blipFill>
+        <p:spPr>
+          <a:xfrm>
+            <a:off x="0" y="1743959"/>
+            <a:ext cx="7501919" cy="4626368"/>
+          </a:xfrm>
+          <a:prstGeom prst="rect">
+            <a:avLst/>
+          </a:prstGeom>
+        </p:spPr>
+      </p:pic>
     </p:spTree>
     <p:extLst>
       <p:ext uri="{BB962C8B-B14F-4D97-AF65-F5344CB8AC3E}">
